--- a/trunk/docproject/PFMS Smartskies Presentation Semester 1.pptx
+++ b/trunk/docproject/PFMS Smartskies Presentation Semester 1.pptx
@@ -5,7 +5,7 @@
     <p:sldMasterId id="2147483648" r:id="rId1"/>
   </p:sldMasterIdLst>
   <p:notesMasterIdLst>
-    <p:notesMasterId r:id="rId22"/>
+    <p:notesMasterId r:id="rId23"/>
   </p:notesMasterIdLst>
   <p:sldIdLst>
     <p:sldId id="274" r:id="rId2"/>
@@ -15,7 +15,7 @@
     <p:sldId id="258" r:id="rId6"/>
     <p:sldId id="279" r:id="rId7"/>
     <p:sldId id="259" r:id="rId8"/>
-    <p:sldId id="263" r:id="rId9"/>
+    <p:sldId id="280" r:id="rId9"/>
     <p:sldId id="264" r:id="rId10"/>
     <p:sldId id="260" r:id="rId11"/>
     <p:sldId id="265" r:id="rId12"/>
@@ -24,10 +24,11 @@
     <p:sldId id="266" r:id="rId15"/>
     <p:sldId id="277" r:id="rId16"/>
     <p:sldId id="272" r:id="rId17"/>
-    <p:sldId id="269" r:id="rId18"/>
-    <p:sldId id="270" r:id="rId19"/>
-    <p:sldId id="271" r:id="rId20"/>
-    <p:sldId id="278" r:id="rId21"/>
+    <p:sldId id="281" r:id="rId18"/>
+    <p:sldId id="269" r:id="rId19"/>
+    <p:sldId id="270" r:id="rId20"/>
+    <p:sldId id="271" r:id="rId21"/>
+    <p:sldId id="278" r:id="rId22"/>
   </p:sldIdLst>
   <p:sldSz cx="9144000" cy="6858000" type="screen4x3"/>
   <p:notesSz cx="6858000" cy="9144000"/>
@@ -157,6 +158,2393 @@
     </a:lvl9pPr>
   </p:defaultTextStyle>
 </p:presentation>
+</file>
+
+<file path=ppt/diagrams/colors1.xml><?xml version="1.0" encoding="utf-8"?>
+<dgm:colorsDef xmlns:dgm="http://schemas.openxmlformats.org/drawingml/2006/diagram" xmlns:a="http://schemas.openxmlformats.org/drawingml/2006/main" uniqueId="urn:microsoft.com/office/officeart/2005/8/colors/accent1_2">
+  <dgm:title val=""/>
+  <dgm:desc val=""/>
+  <dgm:catLst>
+    <dgm:cat type="accent1" pri="11200"/>
+  </dgm:catLst>
+  <dgm:styleLbl name="node0">
+    <dgm:fillClrLst meth="repeat">
+      <a:schemeClr val="accent1"/>
+    </dgm:fillClrLst>
+    <dgm:linClrLst meth="repeat">
+      <a:schemeClr val="lt1"/>
+    </dgm:linClrLst>
+    <dgm:effectClrLst/>
+    <dgm:txLinClrLst/>
+    <dgm:txFillClrLst/>
+    <dgm:txEffectClrLst/>
+  </dgm:styleLbl>
+  <dgm:styleLbl name="alignNode1">
+    <dgm:fillClrLst meth="repeat">
+      <a:schemeClr val="accent1"/>
+    </dgm:fillClrLst>
+    <dgm:linClrLst meth="repeat">
+      <a:schemeClr val="accent1"/>
+    </dgm:linClrLst>
+    <dgm:effectClrLst/>
+    <dgm:txLinClrLst/>
+    <dgm:txFillClrLst/>
+    <dgm:txEffectClrLst/>
+  </dgm:styleLbl>
+  <dgm:styleLbl name="node1">
+    <dgm:fillClrLst meth="repeat">
+      <a:schemeClr val="accent1"/>
+    </dgm:fillClrLst>
+    <dgm:linClrLst meth="repeat">
+      <a:schemeClr val="lt1"/>
+    </dgm:linClrLst>
+    <dgm:effectClrLst/>
+    <dgm:txLinClrLst/>
+    <dgm:txFillClrLst/>
+    <dgm:txEffectClrLst/>
+  </dgm:styleLbl>
+  <dgm:styleLbl name="lnNode1">
+    <dgm:fillClrLst meth="repeat">
+      <a:schemeClr val="accent1"/>
+    </dgm:fillClrLst>
+    <dgm:linClrLst meth="repeat">
+      <a:schemeClr val="lt1"/>
+    </dgm:linClrLst>
+    <dgm:effectClrLst/>
+    <dgm:txLinClrLst/>
+    <dgm:txFillClrLst/>
+    <dgm:txEffectClrLst/>
+  </dgm:styleLbl>
+  <dgm:styleLbl name="vennNode1">
+    <dgm:fillClrLst meth="repeat">
+      <a:schemeClr val="accent1">
+        <a:alpha val="50000"/>
+      </a:schemeClr>
+    </dgm:fillClrLst>
+    <dgm:linClrLst meth="repeat">
+      <a:schemeClr val="lt1"/>
+    </dgm:linClrLst>
+    <dgm:effectClrLst/>
+    <dgm:txLinClrLst/>
+    <dgm:txFillClrLst/>
+    <dgm:txEffectClrLst/>
+  </dgm:styleLbl>
+  <dgm:styleLbl name="node2">
+    <dgm:fillClrLst meth="repeat">
+      <a:schemeClr val="accent1"/>
+    </dgm:fillClrLst>
+    <dgm:linClrLst meth="repeat">
+      <a:schemeClr val="lt1"/>
+    </dgm:linClrLst>
+    <dgm:effectClrLst/>
+    <dgm:txLinClrLst/>
+    <dgm:txFillClrLst/>
+    <dgm:txEffectClrLst/>
+  </dgm:styleLbl>
+  <dgm:styleLbl name="node3">
+    <dgm:fillClrLst meth="repeat">
+      <a:schemeClr val="accent1"/>
+    </dgm:fillClrLst>
+    <dgm:linClrLst meth="repeat">
+      <a:schemeClr val="lt1"/>
+    </dgm:linClrLst>
+    <dgm:effectClrLst/>
+    <dgm:txLinClrLst/>
+    <dgm:txFillClrLst/>
+    <dgm:txEffectClrLst/>
+  </dgm:styleLbl>
+  <dgm:styleLbl name="node4">
+    <dgm:fillClrLst meth="repeat">
+      <a:schemeClr val="accent1"/>
+    </dgm:fillClrLst>
+    <dgm:linClrLst meth="repeat">
+      <a:schemeClr val="lt1"/>
+    </dgm:linClrLst>
+    <dgm:effectClrLst/>
+    <dgm:txLinClrLst/>
+    <dgm:txFillClrLst/>
+    <dgm:txEffectClrLst/>
+  </dgm:styleLbl>
+  <dgm:styleLbl name="fgImgPlace1">
+    <dgm:fillClrLst meth="repeat">
+      <a:schemeClr val="accent1">
+        <a:tint val="50000"/>
+      </a:schemeClr>
+    </dgm:fillClrLst>
+    <dgm:linClrLst meth="repeat">
+      <a:schemeClr val="lt1"/>
+    </dgm:linClrLst>
+    <dgm:effectClrLst/>
+    <dgm:txLinClrLst/>
+    <dgm:txFillClrLst meth="repeat">
+      <a:schemeClr val="lt1"/>
+    </dgm:txFillClrLst>
+    <dgm:txEffectClrLst/>
+  </dgm:styleLbl>
+  <dgm:styleLbl name="alignImgPlace1">
+    <dgm:fillClrLst meth="repeat">
+      <a:schemeClr val="accent1">
+        <a:tint val="50000"/>
+      </a:schemeClr>
+    </dgm:fillClrLst>
+    <dgm:linClrLst meth="repeat">
+      <a:schemeClr val="lt1"/>
+    </dgm:linClrLst>
+    <dgm:effectClrLst/>
+    <dgm:txLinClrLst/>
+    <dgm:txFillClrLst meth="repeat">
+      <a:schemeClr val="lt1"/>
+    </dgm:txFillClrLst>
+    <dgm:txEffectClrLst/>
+  </dgm:styleLbl>
+  <dgm:styleLbl name="bgImgPlace1">
+    <dgm:fillClrLst meth="repeat">
+      <a:schemeClr val="accent1">
+        <a:tint val="50000"/>
+      </a:schemeClr>
+    </dgm:fillClrLst>
+    <dgm:linClrLst meth="repeat">
+      <a:schemeClr val="lt1"/>
+    </dgm:linClrLst>
+    <dgm:effectClrLst/>
+    <dgm:txLinClrLst/>
+    <dgm:txFillClrLst meth="repeat">
+      <a:schemeClr val="lt1"/>
+    </dgm:txFillClrLst>
+    <dgm:txEffectClrLst/>
+  </dgm:styleLbl>
+  <dgm:styleLbl name="sibTrans2D1">
+    <dgm:fillClrLst meth="repeat">
+      <a:schemeClr val="accent1">
+        <a:tint val="60000"/>
+      </a:schemeClr>
+    </dgm:fillClrLst>
+    <dgm:linClrLst meth="repeat">
+      <a:schemeClr val="accent1">
+        <a:tint val="60000"/>
+      </a:schemeClr>
+    </dgm:linClrLst>
+    <dgm:effectClrLst/>
+    <dgm:txLinClrLst/>
+    <dgm:txFillClrLst/>
+    <dgm:txEffectClrLst/>
+  </dgm:styleLbl>
+  <dgm:styleLbl name="fgSibTrans2D1">
+    <dgm:fillClrLst meth="repeat">
+      <a:schemeClr val="accent1">
+        <a:tint val="60000"/>
+      </a:schemeClr>
+    </dgm:fillClrLst>
+    <dgm:linClrLst meth="repeat">
+      <a:schemeClr val="accent1">
+        <a:tint val="60000"/>
+      </a:schemeClr>
+    </dgm:linClrLst>
+    <dgm:effectClrLst/>
+    <dgm:txLinClrLst/>
+    <dgm:txFillClrLst/>
+    <dgm:txEffectClrLst/>
+  </dgm:styleLbl>
+  <dgm:styleLbl name="bgSibTrans2D1">
+    <dgm:fillClrLst meth="repeat">
+      <a:schemeClr val="accent1">
+        <a:tint val="60000"/>
+      </a:schemeClr>
+    </dgm:fillClrLst>
+    <dgm:linClrLst meth="repeat">
+      <a:schemeClr val="accent1">
+        <a:tint val="60000"/>
+      </a:schemeClr>
+    </dgm:linClrLst>
+    <dgm:effectClrLst/>
+    <dgm:txLinClrLst/>
+    <dgm:txFillClrLst/>
+    <dgm:txEffectClrLst/>
+  </dgm:styleLbl>
+  <dgm:styleLbl name="sibTrans1D1">
+    <dgm:fillClrLst meth="repeat">
+      <a:schemeClr val="accent1"/>
+    </dgm:fillClrLst>
+    <dgm:linClrLst meth="repeat">
+      <a:schemeClr val="accent1"/>
+    </dgm:linClrLst>
+    <dgm:effectClrLst/>
+    <dgm:txLinClrLst/>
+    <dgm:txFillClrLst meth="repeat">
+      <a:schemeClr val="tx1"/>
+    </dgm:txFillClrLst>
+    <dgm:txEffectClrLst/>
+  </dgm:styleLbl>
+  <dgm:styleLbl name="callout">
+    <dgm:fillClrLst meth="repeat">
+      <a:schemeClr val="accent1"/>
+    </dgm:fillClrLst>
+    <dgm:linClrLst meth="repeat">
+      <a:schemeClr val="accent1">
+        <a:tint val="50000"/>
+      </a:schemeClr>
+    </dgm:linClrLst>
+    <dgm:effectClrLst/>
+    <dgm:txLinClrLst/>
+    <dgm:txFillClrLst meth="repeat">
+      <a:schemeClr val="tx1"/>
+    </dgm:txFillClrLst>
+    <dgm:txEffectClrLst/>
+  </dgm:styleLbl>
+  <dgm:styleLbl name="asst0">
+    <dgm:fillClrLst meth="repeat">
+      <a:schemeClr val="accent1"/>
+    </dgm:fillClrLst>
+    <dgm:linClrLst meth="repeat">
+      <a:schemeClr val="lt1"/>
+    </dgm:linClrLst>
+    <dgm:effectClrLst/>
+    <dgm:txLinClrLst/>
+    <dgm:txFillClrLst/>
+    <dgm:txEffectClrLst/>
+  </dgm:styleLbl>
+  <dgm:styleLbl name="asst1">
+    <dgm:fillClrLst meth="repeat">
+      <a:schemeClr val="accent1"/>
+    </dgm:fillClrLst>
+    <dgm:linClrLst meth="repeat">
+      <a:schemeClr val="lt1"/>
+    </dgm:linClrLst>
+    <dgm:effectClrLst/>
+    <dgm:txLinClrLst/>
+    <dgm:txFillClrLst/>
+    <dgm:txEffectClrLst/>
+  </dgm:styleLbl>
+  <dgm:styleLbl name="asst2">
+    <dgm:fillClrLst meth="repeat">
+      <a:schemeClr val="accent1"/>
+    </dgm:fillClrLst>
+    <dgm:linClrLst meth="repeat">
+      <a:schemeClr val="lt1"/>
+    </dgm:linClrLst>
+    <dgm:effectClrLst/>
+    <dgm:txLinClrLst/>
+    <dgm:txFillClrLst/>
+    <dgm:txEffectClrLst/>
+  </dgm:styleLbl>
+  <dgm:styleLbl name="asst3">
+    <dgm:fillClrLst meth="repeat">
+      <a:schemeClr val="accent1"/>
+    </dgm:fillClrLst>
+    <dgm:linClrLst meth="repeat">
+      <a:schemeClr val="lt1"/>
+    </dgm:linClrLst>
+    <dgm:effectClrLst/>
+    <dgm:txLinClrLst/>
+    <dgm:txFillClrLst/>
+    <dgm:txEffectClrLst/>
+  </dgm:styleLbl>
+  <dgm:styleLbl name="asst4">
+    <dgm:fillClrLst meth="repeat">
+      <a:schemeClr val="accent1"/>
+    </dgm:fillClrLst>
+    <dgm:linClrLst meth="repeat">
+      <a:schemeClr val="lt1"/>
+    </dgm:linClrLst>
+    <dgm:effectClrLst/>
+    <dgm:txLinClrLst/>
+    <dgm:txFillClrLst/>
+    <dgm:txEffectClrLst/>
+  </dgm:styleLbl>
+  <dgm:styleLbl name="parChTrans2D1">
+    <dgm:fillClrLst meth="repeat">
+      <a:schemeClr val="accent1">
+        <a:tint val="60000"/>
+      </a:schemeClr>
+    </dgm:fillClrLst>
+    <dgm:linClrLst meth="repeat">
+      <a:schemeClr val="accent1">
+        <a:tint val="60000"/>
+      </a:schemeClr>
+    </dgm:linClrLst>
+    <dgm:effectClrLst/>
+    <dgm:txLinClrLst/>
+    <dgm:txFillClrLst meth="repeat">
+      <a:schemeClr val="lt1"/>
+    </dgm:txFillClrLst>
+    <dgm:txEffectClrLst/>
+  </dgm:styleLbl>
+  <dgm:styleLbl name="parChTrans2D2">
+    <dgm:fillClrLst meth="repeat">
+      <a:schemeClr val="accent1"/>
+    </dgm:fillClrLst>
+    <dgm:linClrLst meth="repeat">
+      <a:schemeClr val="accent1"/>
+    </dgm:linClrLst>
+    <dgm:effectClrLst/>
+    <dgm:txLinClrLst/>
+    <dgm:txFillClrLst meth="repeat">
+      <a:schemeClr val="lt1"/>
+    </dgm:txFillClrLst>
+    <dgm:txEffectClrLst/>
+  </dgm:styleLbl>
+  <dgm:styleLbl name="parChTrans2D3">
+    <dgm:fillClrLst meth="repeat">
+      <a:schemeClr val="accent1"/>
+    </dgm:fillClrLst>
+    <dgm:linClrLst meth="repeat">
+      <a:schemeClr val="accent1"/>
+    </dgm:linClrLst>
+    <dgm:effectClrLst/>
+    <dgm:txLinClrLst/>
+    <dgm:txFillClrLst meth="repeat">
+      <a:schemeClr val="lt1"/>
+    </dgm:txFillClrLst>
+    <dgm:txEffectClrLst/>
+  </dgm:styleLbl>
+  <dgm:styleLbl name="parChTrans2D4">
+    <dgm:fillClrLst meth="repeat">
+      <a:schemeClr val="accent1"/>
+    </dgm:fillClrLst>
+    <dgm:linClrLst meth="repeat">
+      <a:schemeClr val="accent1"/>
+    </dgm:linClrLst>
+    <dgm:effectClrLst/>
+    <dgm:txLinClrLst/>
+    <dgm:txFillClrLst meth="repeat">
+      <a:schemeClr val="lt1"/>
+    </dgm:txFillClrLst>
+    <dgm:txEffectClrLst/>
+  </dgm:styleLbl>
+  <dgm:styleLbl name="parChTrans1D1">
+    <dgm:fillClrLst meth="repeat">
+      <a:schemeClr val="accent1"/>
+    </dgm:fillClrLst>
+    <dgm:linClrLst meth="repeat">
+      <a:schemeClr val="accent1">
+        <a:shade val="60000"/>
+      </a:schemeClr>
+    </dgm:linClrLst>
+    <dgm:effectClrLst/>
+    <dgm:txLinClrLst/>
+    <dgm:txFillClrLst meth="repeat">
+      <a:schemeClr val="tx1"/>
+    </dgm:txFillClrLst>
+    <dgm:txEffectClrLst/>
+  </dgm:styleLbl>
+  <dgm:styleLbl name="parChTrans1D2">
+    <dgm:fillClrLst meth="repeat">
+      <a:schemeClr val="accent1"/>
+    </dgm:fillClrLst>
+    <dgm:linClrLst meth="repeat">
+      <a:schemeClr val="accent1">
+        <a:shade val="60000"/>
+      </a:schemeClr>
+    </dgm:linClrLst>
+    <dgm:effectClrLst/>
+    <dgm:txLinClrLst/>
+    <dgm:txFillClrLst meth="repeat">
+      <a:schemeClr val="tx1"/>
+    </dgm:txFillClrLst>
+    <dgm:txEffectClrLst/>
+  </dgm:styleLbl>
+  <dgm:styleLbl name="parChTrans1D3">
+    <dgm:fillClrLst meth="repeat">
+      <a:schemeClr val="accent1"/>
+    </dgm:fillClrLst>
+    <dgm:linClrLst meth="repeat">
+      <a:schemeClr val="accent1">
+        <a:shade val="80000"/>
+      </a:schemeClr>
+    </dgm:linClrLst>
+    <dgm:effectClrLst/>
+    <dgm:txLinClrLst/>
+    <dgm:txFillClrLst meth="repeat">
+      <a:schemeClr val="tx1"/>
+    </dgm:txFillClrLst>
+    <dgm:txEffectClrLst/>
+  </dgm:styleLbl>
+  <dgm:styleLbl name="parChTrans1D4">
+    <dgm:fillClrLst meth="repeat">
+      <a:schemeClr val="accent1"/>
+    </dgm:fillClrLst>
+    <dgm:linClrLst meth="repeat">
+      <a:schemeClr val="accent1">
+        <a:shade val="80000"/>
+      </a:schemeClr>
+    </dgm:linClrLst>
+    <dgm:effectClrLst/>
+    <dgm:txLinClrLst/>
+    <dgm:txFillClrLst meth="repeat">
+      <a:schemeClr val="tx1"/>
+    </dgm:txFillClrLst>
+    <dgm:txEffectClrLst/>
+  </dgm:styleLbl>
+  <dgm:styleLbl name="fgAcc1">
+    <dgm:fillClrLst meth="repeat">
+      <a:schemeClr val="lt1">
+        <a:alpha val="90000"/>
+      </a:schemeClr>
+    </dgm:fillClrLst>
+    <dgm:linClrLst meth="repeat">
+      <a:schemeClr val="accent1"/>
+    </dgm:linClrLst>
+    <dgm:effectClrLst/>
+    <dgm:txLinClrLst/>
+    <dgm:txFillClrLst meth="repeat">
+      <a:schemeClr val="dk1"/>
+    </dgm:txFillClrLst>
+    <dgm:txEffectClrLst/>
+  </dgm:styleLbl>
+  <dgm:styleLbl name="conFgAcc1">
+    <dgm:fillClrLst meth="repeat">
+      <a:schemeClr val="lt1">
+        <a:alpha val="90000"/>
+      </a:schemeClr>
+    </dgm:fillClrLst>
+    <dgm:linClrLst meth="repeat">
+      <a:schemeClr val="accent1"/>
+    </dgm:linClrLst>
+    <dgm:effectClrLst/>
+    <dgm:txLinClrLst/>
+    <dgm:txFillClrLst meth="repeat">
+      <a:schemeClr val="dk1"/>
+    </dgm:txFillClrLst>
+    <dgm:txEffectClrLst/>
+  </dgm:styleLbl>
+  <dgm:styleLbl name="alignAcc1">
+    <dgm:fillClrLst meth="repeat">
+      <a:schemeClr val="lt1">
+        <a:alpha val="90000"/>
+      </a:schemeClr>
+    </dgm:fillClrLst>
+    <dgm:linClrLst meth="repeat">
+      <a:schemeClr val="accent1"/>
+    </dgm:linClrLst>
+    <dgm:effectClrLst/>
+    <dgm:txLinClrLst/>
+    <dgm:txFillClrLst meth="repeat">
+      <a:schemeClr val="dk1"/>
+    </dgm:txFillClrLst>
+    <dgm:txEffectClrLst/>
+  </dgm:styleLbl>
+  <dgm:styleLbl name="trAlignAcc1">
+    <dgm:fillClrLst meth="repeat">
+      <a:schemeClr val="lt1">
+        <a:alpha val="40000"/>
+      </a:schemeClr>
+    </dgm:fillClrLst>
+    <dgm:linClrLst meth="repeat">
+      <a:schemeClr val="accent1"/>
+    </dgm:linClrLst>
+    <dgm:effectClrLst/>
+    <dgm:txLinClrLst/>
+    <dgm:txFillClrLst meth="repeat">
+      <a:schemeClr val="dk1"/>
+    </dgm:txFillClrLst>
+    <dgm:txEffectClrLst/>
+  </dgm:styleLbl>
+  <dgm:styleLbl name="bgAcc1">
+    <dgm:fillClrLst meth="repeat">
+      <a:schemeClr val="lt1">
+        <a:alpha val="90000"/>
+      </a:schemeClr>
+    </dgm:fillClrLst>
+    <dgm:linClrLst meth="repeat">
+      <a:schemeClr val="accent1"/>
+    </dgm:linClrLst>
+    <dgm:effectClrLst/>
+    <dgm:txLinClrLst/>
+    <dgm:txFillClrLst meth="repeat">
+      <a:schemeClr val="dk1"/>
+    </dgm:txFillClrLst>
+    <dgm:txEffectClrLst/>
+  </dgm:styleLbl>
+  <dgm:styleLbl name="solidFgAcc1">
+    <dgm:fillClrLst meth="repeat">
+      <a:schemeClr val="lt1"/>
+    </dgm:fillClrLst>
+    <dgm:linClrLst meth="repeat">
+      <a:schemeClr val="accent1"/>
+    </dgm:linClrLst>
+    <dgm:effectClrLst/>
+    <dgm:txLinClrLst/>
+    <dgm:txFillClrLst meth="repeat">
+      <a:schemeClr val="dk1"/>
+    </dgm:txFillClrLst>
+    <dgm:txEffectClrLst/>
+  </dgm:styleLbl>
+  <dgm:styleLbl name="solidAlignAcc1">
+    <dgm:fillClrLst meth="repeat">
+      <a:schemeClr val="lt1"/>
+    </dgm:fillClrLst>
+    <dgm:linClrLst meth="repeat">
+      <a:schemeClr val="accent1"/>
+    </dgm:linClrLst>
+    <dgm:effectClrLst/>
+    <dgm:txLinClrLst/>
+    <dgm:txFillClrLst meth="repeat">
+      <a:schemeClr val="dk1"/>
+    </dgm:txFillClrLst>
+    <dgm:txEffectClrLst/>
+  </dgm:styleLbl>
+  <dgm:styleLbl name="solidBgAcc1">
+    <dgm:fillClrLst meth="repeat">
+      <a:schemeClr val="lt1"/>
+    </dgm:fillClrLst>
+    <dgm:linClrLst meth="repeat">
+      <a:schemeClr val="accent1"/>
+    </dgm:linClrLst>
+    <dgm:effectClrLst/>
+    <dgm:txLinClrLst/>
+    <dgm:txFillClrLst meth="repeat">
+      <a:schemeClr val="dk1"/>
+    </dgm:txFillClrLst>
+    <dgm:txEffectClrLst/>
+  </dgm:styleLbl>
+  <dgm:styleLbl name="fgAccFollowNode1">
+    <dgm:fillClrLst meth="repeat">
+      <a:schemeClr val="accent1">
+        <a:alpha val="90000"/>
+        <a:tint val="40000"/>
+      </a:schemeClr>
+    </dgm:fillClrLst>
+    <dgm:linClrLst meth="repeat">
+      <a:schemeClr val="accent1">
+        <a:alpha val="90000"/>
+        <a:tint val="40000"/>
+      </a:schemeClr>
+    </dgm:linClrLst>
+    <dgm:effectClrLst/>
+    <dgm:txLinClrLst/>
+    <dgm:txFillClrLst meth="repeat">
+      <a:schemeClr val="dk1"/>
+    </dgm:txFillClrLst>
+    <dgm:txEffectClrLst/>
+  </dgm:styleLbl>
+  <dgm:styleLbl name="alignAccFollowNode1">
+    <dgm:fillClrLst meth="repeat">
+      <a:schemeClr val="accent1">
+        <a:alpha val="90000"/>
+        <a:tint val="40000"/>
+      </a:schemeClr>
+    </dgm:fillClrLst>
+    <dgm:linClrLst meth="repeat">
+      <a:schemeClr val="accent1">
+        <a:alpha val="90000"/>
+        <a:tint val="40000"/>
+      </a:schemeClr>
+    </dgm:linClrLst>
+    <dgm:effectClrLst/>
+    <dgm:txLinClrLst/>
+    <dgm:txFillClrLst meth="repeat">
+      <a:schemeClr val="dk1"/>
+    </dgm:txFillClrLst>
+    <dgm:txEffectClrLst/>
+  </dgm:styleLbl>
+  <dgm:styleLbl name="bgAccFollowNode1">
+    <dgm:fillClrLst meth="repeat">
+      <a:schemeClr val="accent1">
+        <a:alpha val="90000"/>
+        <a:tint val="40000"/>
+      </a:schemeClr>
+    </dgm:fillClrLst>
+    <dgm:linClrLst meth="repeat">
+      <a:schemeClr val="accent1">
+        <a:alpha val="90000"/>
+        <a:tint val="40000"/>
+      </a:schemeClr>
+    </dgm:linClrLst>
+    <dgm:effectClrLst/>
+    <dgm:txLinClrLst/>
+    <dgm:txFillClrLst meth="repeat">
+      <a:schemeClr val="dk1"/>
+    </dgm:txFillClrLst>
+    <dgm:txEffectClrLst/>
+  </dgm:styleLbl>
+  <dgm:styleLbl name="fgAcc0">
+    <dgm:fillClrLst meth="repeat">
+      <a:schemeClr val="lt1">
+        <a:alpha val="90000"/>
+      </a:schemeClr>
+    </dgm:fillClrLst>
+    <dgm:linClrLst meth="repeat">
+      <a:schemeClr val="accent1"/>
+    </dgm:linClrLst>
+    <dgm:effectClrLst/>
+    <dgm:txLinClrLst/>
+    <dgm:txFillClrLst meth="repeat">
+      <a:schemeClr val="dk1"/>
+    </dgm:txFillClrLst>
+    <dgm:txEffectClrLst/>
+  </dgm:styleLbl>
+  <dgm:styleLbl name="fgAcc2">
+    <dgm:fillClrLst meth="repeat">
+      <a:schemeClr val="lt1">
+        <a:alpha val="90000"/>
+      </a:schemeClr>
+    </dgm:fillClrLst>
+    <dgm:linClrLst meth="repeat">
+      <a:schemeClr val="accent1"/>
+    </dgm:linClrLst>
+    <dgm:effectClrLst/>
+    <dgm:txLinClrLst/>
+    <dgm:txFillClrLst meth="repeat">
+      <a:schemeClr val="dk1"/>
+    </dgm:txFillClrLst>
+    <dgm:txEffectClrLst/>
+  </dgm:styleLbl>
+  <dgm:styleLbl name="fgAcc3">
+    <dgm:fillClrLst meth="repeat">
+      <a:schemeClr val="lt1">
+        <a:alpha val="90000"/>
+      </a:schemeClr>
+    </dgm:fillClrLst>
+    <dgm:linClrLst meth="repeat">
+      <a:schemeClr val="accent1"/>
+    </dgm:linClrLst>
+    <dgm:effectClrLst/>
+    <dgm:txLinClrLst/>
+    <dgm:txFillClrLst meth="repeat">
+      <a:schemeClr val="dk1"/>
+    </dgm:txFillClrLst>
+    <dgm:txEffectClrLst/>
+  </dgm:styleLbl>
+  <dgm:styleLbl name="fgAcc4">
+    <dgm:fillClrLst meth="repeat">
+      <a:schemeClr val="lt1">
+        <a:alpha val="90000"/>
+      </a:schemeClr>
+    </dgm:fillClrLst>
+    <dgm:linClrLst meth="repeat">
+      <a:schemeClr val="accent1"/>
+    </dgm:linClrLst>
+    <dgm:effectClrLst/>
+    <dgm:txLinClrLst/>
+    <dgm:txFillClrLst meth="repeat">
+      <a:schemeClr val="dk1"/>
+    </dgm:txFillClrLst>
+    <dgm:txEffectClrLst/>
+  </dgm:styleLbl>
+  <dgm:styleLbl name="bgShp">
+    <dgm:fillClrLst meth="repeat">
+      <a:schemeClr val="accent1">
+        <a:tint val="40000"/>
+      </a:schemeClr>
+    </dgm:fillClrLst>
+    <dgm:linClrLst meth="repeat">
+      <a:schemeClr val="accent1"/>
+    </dgm:linClrLst>
+    <dgm:effectClrLst/>
+    <dgm:txLinClrLst/>
+    <dgm:txFillClrLst meth="repeat">
+      <a:schemeClr val="dk1"/>
+    </dgm:txFillClrLst>
+    <dgm:txEffectClrLst/>
+  </dgm:styleLbl>
+  <dgm:styleLbl name="dkBgShp">
+    <dgm:fillClrLst meth="repeat">
+      <a:schemeClr val="accent1">
+        <a:shade val="80000"/>
+      </a:schemeClr>
+    </dgm:fillClrLst>
+    <dgm:linClrLst meth="repeat">
+      <a:schemeClr val="accent1"/>
+    </dgm:linClrLst>
+    <dgm:effectClrLst/>
+    <dgm:txLinClrLst/>
+    <dgm:txFillClrLst meth="repeat">
+      <a:schemeClr val="lt1"/>
+    </dgm:txFillClrLst>
+    <dgm:txEffectClrLst/>
+  </dgm:styleLbl>
+  <dgm:styleLbl name="trBgShp">
+    <dgm:fillClrLst meth="repeat">
+      <a:schemeClr val="accent1">
+        <a:tint val="50000"/>
+        <a:alpha val="40000"/>
+      </a:schemeClr>
+    </dgm:fillClrLst>
+    <dgm:linClrLst meth="repeat">
+      <a:schemeClr val="accent1"/>
+    </dgm:linClrLst>
+    <dgm:effectClrLst/>
+    <dgm:txLinClrLst/>
+    <dgm:txFillClrLst meth="repeat">
+      <a:schemeClr val="lt1"/>
+    </dgm:txFillClrLst>
+    <dgm:txEffectClrLst/>
+  </dgm:styleLbl>
+  <dgm:styleLbl name="fgShp">
+    <dgm:fillClrLst meth="repeat">
+      <a:schemeClr val="accent1">
+        <a:tint val="60000"/>
+      </a:schemeClr>
+    </dgm:fillClrLst>
+    <dgm:linClrLst meth="repeat">
+      <a:schemeClr val="lt1"/>
+    </dgm:linClrLst>
+    <dgm:effectClrLst/>
+    <dgm:txLinClrLst/>
+    <dgm:txFillClrLst meth="repeat">
+      <a:schemeClr val="dk1"/>
+    </dgm:txFillClrLst>
+    <dgm:txEffectClrLst/>
+  </dgm:styleLbl>
+  <dgm:styleLbl name="revTx">
+    <dgm:fillClrLst meth="repeat">
+      <a:schemeClr val="lt1">
+        <a:alpha val="0"/>
+      </a:schemeClr>
+    </dgm:fillClrLst>
+    <dgm:linClrLst meth="repeat">
+      <a:schemeClr val="dk1">
+        <a:alpha val="0"/>
+      </a:schemeClr>
+    </dgm:linClrLst>
+    <dgm:effectClrLst/>
+    <dgm:txLinClrLst/>
+    <dgm:txFillClrLst meth="repeat">
+      <a:schemeClr val="tx1"/>
+    </dgm:txFillClrLst>
+    <dgm:txEffectClrLst/>
+  </dgm:styleLbl>
+</dgm:colorsDef>
+</file>
+
+<file path=ppt/diagrams/data1.xml><?xml version="1.0" encoding="utf-8"?>
+<dgm:dataModel xmlns:dgm="http://schemas.openxmlformats.org/drawingml/2006/diagram" xmlns:a="http://schemas.openxmlformats.org/drawingml/2006/main">
+  <dgm:ptLst>
+    <dgm:pt modelId="{34A36129-7D75-4ACD-9AE0-60243EEC3087}" type="doc">
+      <dgm:prSet loTypeId="urn:microsoft.com/office/officeart/2005/8/layout/process2" loCatId="process" qsTypeId="urn:microsoft.com/office/officeart/2005/8/quickstyle/simple1" qsCatId="simple" csTypeId="urn:microsoft.com/office/officeart/2005/8/colors/accent1_2" csCatId="accent1" phldr="1"/>
+      <dgm:spPr/>
+    </dgm:pt>
+    <dgm:pt modelId="{DE4AD8AB-3343-4AA7-9391-000999368BD0}">
+      <dgm:prSet phldrT="[Text]">
+        <dgm:style>
+          <a:lnRef idx="1">
+            <a:schemeClr val="accent5"/>
+          </a:lnRef>
+          <a:fillRef idx="2">
+            <a:schemeClr val="accent5"/>
+          </a:fillRef>
+          <a:effectRef idx="1">
+            <a:schemeClr val="accent5"/>
+          </a:effectRef>
+          <a:fontRef idx="minor">
+            <a:schemeClr val="dk1"/>
+          </a:fontRef>
+        </dgm:style>
+      </dgm:prSet>
+      <dgm:spPr/>
+      <dgm:t>
+        <a:bodyPr/>
+        <a:lstStyle/>
+        <a:p>
+          <a:r>
+            <a:rPr lang="en-AU" dirty="0" smtClean="0">
+              <a:solidFill>
+                <a:schemeClr val="tx1"/>
+              </a:solidFill>
+            </a:rPr>
+            <a:t>HLO-1 - Mandatory</a:t>
+          </a:r>
+        </a:p>
+        <a:p>
+          <a:r>
+            <a:rPr lang="en-AU" dirty="0" smtClean="0">
+              <a:solidFill>
+                <a:schemeClr val="tx1"/>
+              </a:solidFill>
+            </a:rPr>
+            <a:t>Conduct a literature review on FMS, control and aircraft dynamics</a:t>
+          </a:r>
+          <a:endParaRPr lang="en-AU" dirty="0">
+            <a:solidFill>
+              <a:schemeClr val="tx1"/>
+            </a:solidFill>
+          </a:endParaRPr>
+        </a:p>
+      </dgm:t>
+    </dgm:pt>
+    <dgm:pt modelId="{16BB91F0-511A-47B5-9F6D-A58CD2937DD0}" type="parTrans" cxnId="{1A4DA247-7928-4F26-8810-A45A25316F79}">
+      <dgm:prSet/>
+      <dgm:spPr/>
+      <dgm:t>
+        <a:bodyPr/>
+        <a:lstStyle/>
+        <a:p>
+          <a:endParaRPr lang="en-AU"/>
+        </a:p>
+      </dgm:t>
+    </dgm:pt>
+    <dgm:pt modelId="{49A9375E-CCA4-4E4A-9BA7-50BA552724E9}" type="sibTrans" cxnId="{1A4DA247-7928-4F26-8810-A45A25316F79}">
+      <dgm:prSet>
+        <dgm:style>
+          <a:lnRef idx="1">
+            <a:schemeClr val="accent5"/>
+          </a:lnRef>
+          <a:fillRef idx="2">
+            <a:schemeClr val="accent5"/>
+          </a:fillRef>
+          <a:effectRef idx="1">
+            <a:schemeClr val="accent5"/>
+          </a:effectRef>
+          <a:fontRef idx="minor">
+            <a:schemeClr val="dk1"/>
+          </a:fontRef>
+        </dgm:style>
+      </dgm:prSet>
+      <dgm:spPr/>
+      <dgm:t>
+        <a:bodyPr/>
+        <a:lstStyle/>
+        <a:p>
+          <a:endParaRPr lang="en-AU"/>
+        </a:p>
+      </dgm:t>
+    </dgm:pt>
+    <dgm:pt modelId="{38E8A24F-D48C-4672-9FEC-405CD7FF7AB7}">
+      <dgm:prSet phldrT="[Text]">
+        <dgm:style>
+          <a:lnRef idx="1">
+            <a:schemeClr val="accent5"/>
+          </a:lnRef>
+          <a:fillRef idx="2">
+            <a:schemeClr val="accent5"/>
+          </a:fillRef>
+          <a:effectRef idx="1">
+            <a:schemeClr val="accent5"/>
+          </a:effectRef>
+          <a:fontRef idx="minor">
+            <a:schemeClr val="dk1"/>
+          </a:fontRef>
+        </dgm:style>
+      </dgm:prSet>
+      <dgm:spPr/>
+      <dgm:t>
+        <a:bodyPr/>
+        <a:lstStyle/>
+        <a:p>
+          <a:r>
+            <a:rPr lang="en-AU" dirty="0" smtClean="0">
+              <a:solidFill>
+                <a:schemeClr val="tx1"/>
+              </a:solidFill>
+            </a:rPr>
+            <a:t>HLO-2 - Mandatory</a:t>
+          </a:r>
+        </a:p>
+        <a:p>
+          <a:r>
+            <a:rPr lang="en-AU" dirty="0" smtClean="0">
+              <a:solidFill>
+                <a:schemeClr val="tx1"/>
+              </a:solidFill>
+            </a:rPr>
+            <a:t>Develop a 2D &amp; 3D PFMS simulation</a:t>
+          </a:r>
+          <a:endParaRPr lang="en-AU" dirty="0">
+            <a:solidFill>
+              <a:schemeClr val="tx1"/>
+            </a:solidFill>
+          </a:endParaRPr>
+        </a:p>
+      </dgm:t>
+    </dgm:pt>
+    <dgm:pt modelId="{751AED92-E6A2-496F-A41E-D7ECB36C7F4E}" type="parTrans" cxnId="{2D77343F-067C-4629-AA33-EC1C8D10E7FE}">
+      <dgm:prSet/>
+      <dgm:spPr/>
+      <dgm:t>
+        <a:bodyPr/>
+        <a:lstStyle/>
+        <a:p>
+          <a:endParaRPr lang="en-AU"/>
+        </a:p>
+      </dgm:t>
+    </dgm:pt>
+    <dgm:pt modelId="{B86B56B5-200D-44BA-9F73-C5E28579F1B2}" type="sibTrans" cxnId="{2D77343F-067C-4629-AA33-EC1C8D10E7FE}">
+      <dgm:prSet>
+        <dgm:style>
+          <a:lnRef idx="1">
+            <a:schemeClr val="accent5"/>
+          </a:lnRef>
+          <a:fillRef idx="2">
+            <a:schemeClr val="accent5"/>
+          </a:fillRef>
+          <a:effectRef idx="1">
+            <a:schemeClr val="accent5"/>
+          </a:effectRef>
+          <a:fontRef idx="minor">
+            <a:schemeClr val="dk1"/>
+          </a:fontRef>
+        </dgm:style>
+      </dgm:prSet>
+      <dgm:spPr/>
+      <dgm:t>
+        <a:bodyPr/>
+        <a:lstStyle/>
+        <a:p>
+          <a:endParaRPr lang="en-AU"/>
+        </a:p>
+      </dgm:t>
+    </dgm:pt>
+    <dgm:pt modelId="{27FD279B-4475-4639-897B-4FC26EB6F3EF}">
+      <dgm:prSet phldrT="[Text]">
+        <dgm:style>
+          <a:lnRef idx="1">
+            <a:schemeClr val="accent5"/>
+          </a:lnRef>
+          <a:fillRef idx="2">
+            <a:schemeClr val="accent5"/>
+          </a:fillRef>
+          <a:effectRef idx="1">
+            <a:schemeClr val="accent5"/>
+          </a:effectRef>
+          <a:fontRef idx="minor">
+            <a:schemeClr val="dk1"/>
+          </a:fontRef>
+        </dgm:style>
+      </dgm:prSet>
+      <dgm:spPr/>
+      <dgm:t>
+        <a:bodyPr/>
+        <a:lstStyle/>
+        <a:p>
+          <a:r>
+            <a:rPr lang="en-AU" dirty="0" smtClean="0">
+              <a:solidFill>
+                <a:schemeClr val="tx1"/>
+              </a:solidFill>
+            </a:rPr>
+            <a:t>HLO-3 - Desired</a:t>
+          </a:r>
+        </a:p>
+        <a:p>
+          <a:r>
+            <a:rPr lang="en-AU" dirty="0" smtClean="0">
+              <a:solidFill>
+                <a:schemeClr val="tx1"/>
+              </a:solidFill>
+            </a:rPr>
+            <a:t>Install and validate the PFMS capability onboard a UAV</a:t>
+          </a:r>
+          <a:endParaRPr lang="en-AU" dirty="0">
+            <a:solidFill>
+              <a:schemeClr val="tx1"/>
+            </a:solidFill>
+          </a:endParaRPr>
+        </a:p>
+      </dgm:t>
+    </dgm:pt>
+    <dgm:pt modelId="{FFF35ED6-940B-451B-9FEC-5E3EB08D7E93}" type="parTrans" cxnId="{55023507-4F18-42B0-841C-6DA6D2A92EEB}">
+      <dgm:prSet/>
+      <dgm:spPr/>
+      <dgm:t>
+        <a:bodyPr/>
+        <a:lstStyle/>
+        <a:p>
+          <a:endParaRPr lang="en-AU"/>
+        </a:p>
+      </dgm:t>
+    </dgm:pt>
+    <dgm:pt modelId="{48906FF7-615A-46AF-9BE2-E3558D16041B}" type="sibTrans" cxnId="{55023507-4F18-42B0-841C-6DA6D2A92EEB}">
+      <dgm:prSet>
+        <dgm:style>
+          <a:lnRef idx="1">
+            <a:schemeClr val="accent5"/>
+          </a:lnRef>
+          <a:fillRef idx="2">
+            <a:schemeClr val="accent5"/>
+          </a:fillRef>
+          <a:effectRef idx="1">
+            <a:schemeClr val="accent5"/>
+          </a:effectRef>
+          <a:fontRef idx="minor">
+            <a:schemeClr val="dk1"/>
+          </a:fontRef>
+        </dgm:style>
+      </dgm:prSet>
+      <dgm:spPr/>
+      <dgm:t>
+        <a:bodyPr/>
+        <a:lstStyle/>
+        <a:p>
+          <a:endParaRPr lang="en-AU"/>
+        </a:p>
+      </dgm:t>
+    </dgm:pt>
+    <dgm:pt modelId="{D3EBB73C-E248-4BD4-8001-403EE5E1FAA8}">
+      <dgm:prSet phldrT="[Text]">
+        <dgm:style>
+          <a:lnRef idx="1">
+            <a:schemeClr val="accent5"/>
+          </a:lnRef>
+          <a:fillRef idx="2">
+            <a:schemeClr val="accent5"/>
+          </a:fillRef>
+          <a:effectRef idx="1">
+            <a:schemeClr val="accent5"/>
+          </a:effectRef>
+          <a:fontRef idx="minor">
+            <a:schemeClr val="dk1"/>
+          </a:fontRef>
+        </dgm:style>
+      </dgm:prSet>
+      <dgm:spPr/>
+      <dgm:t>
+        <a:bodyPr/>
+        <a:lstStyle/>
+        <a:p>
+          <a:r>
+            <a:rPr lang="en-AU" dirty="0" smtClean="0">
+              <a:solidFill>
+                <a:schemeClr val="tx1"/>
+              </a:solidFill>
+            </a:rPr>
+            <a:t>HLO-4 - Desired</a:t>
+          </a:r>
+        </a:p>
+        <a:p>
+          <a:r>
+            <a:rPr lang="en-AU" dirty="0" smtClean="0">
+              <a:solidFill>
+                <a:schemeClr val="tx1"/>
+              </a:solidFill>
+            </a:rPr>
+            <a:t>Design an advanced PFMS capability and install and validate on a UAV</a:t>
+          </a:r>
+          <a:endParaRPr lang="en-AU" dirty="0">
+            <a:solidFill>
+              <a:schemeClr val="tx1"/>
+            </a:solidFill>
+          </a:endParaRPr>
+        </a:p>
+      </dgm:t>
+    </dgm:pt>
+    <dgm:pt modelId="{321E9C06-5C91-462A-9058-DC94816A2034}" type="parTrans" cxnId="{32E3ABB6-E3C1-4BF8-AB87-9968BCC1B1C1}">
+      <dgm:prSet/>
+      <dgm:spPr/>
+      <dgm:t>
+        <a:bodyPr/>
+        <a:lstStyle/>
+        <a:p>
+          <a:endParaRPr lang="en-AU"/>
+        </a:p>
+      </dgm:t>
+    </dgm:pt>
+    <dgm:pt modelId="{9EF0E200-0758-49AD-87DE-E2FF883C60E1}" type="sibTrans" cxnId="{32E3ABB6-E3C1-4BF8-AB87-9968BCC1B1C1}">
+      <dgm:prSet/>
+      <dgm:spPr/>
+      <dgm:t>
+        <a:bodyPr/>
+        <a:lstStyle/>
+        <a:p>
+          <a:endParaRPr lang="en-AU"/>
+        </a:p>
+      </dgm:t>
+    </dgm:pt>
+    <dgm:pt modelId="{89450E8D-3284-47B3-A416-65FDBC0F66CB}" type="pres">
+      <dgm:prSet presAssocID="{34A36129-7D75-4ACD-9AE0-60243EEC3087}" presName="linearFlow" presStyleCnt="0">
+        <dgm:presLayoutVars>
+          <dgm:resizeHandles val="exact"/>
+        </dgm:presLayoutVars>
+      </dgm:prSet>
+      <dgm:spPr/>
+    </dgm:pt>
+    <dgm:pt modelId="{54E4F9EA-4470-4E4C-B041-BBC0C67C5B1F}" type="pres">
+      <dgm:prSet presAssocID="{DE4AD8AB-3343-4AA7-9391-000999368BD0}" presName="node" presStyleLbl="node1" presStyleIdx="0" presStyleCnt="4">
+        <dgm:presLayoutVars>
+          <dgm:bulletEnabled val="1"/>
+        </dgm:presLayoutVars>
+      </dgm:prSet>
+      <dgm:spPr/>
+      <dgm:t>
+        <a:bodyPr/>
+        <a:lstStyle/>
+        <a:p>
+          <a:endParaRPr lang="en-AU"/>
+        </a:p>
+      </dgm:t>
+    </dgm:pt>
+    <dgm:pt modelId="{466940E3-EA6A-42DC-95A3-5E4EE200E6DD}" type="pres">
+      <dgm:prSet presAssocID="{49A9375E-CCA4-4E4A-9BA7-50BA552724E9}" presName="sibTrans" presStyleLbl="sibTrans2D1" presStyleIdx="0" presStyleCnt="3"/>
+      <dgm:spPr/>
+    </dgm:pt>
+    <dgm:pt modelId="{D54E16DE-697B-4E35-BF10-1530BA6E5CB1}" type="pres">
+      <dgm:prSet presAssocID="{49A9375E-CCA4-4E4A-9BA7-50BA552724E9}" presName="connectorText" presStyleLbl="sibTrans2D1" presStyleIdx="0" presStyleCnt="3"/>
+      <dgm:spPr/>
+    </dgm:pt>
+    <dgm:pt modelId="{24C4A362-B06F-414B-ADEE-63CF2ADA0169}" type="pres">
+      <dgm:prSet presAssocID="{38E8A24F-D48C-4672-9FEC-405CD7FF7AB7}" presName="node" presStyleLbl="node1" presStyleIdx="1" presStyleCnt="4">
+        <dgm:presLayoutVars>
+          <dgm:bulletEnabled val="1"/>
+        </dgm:presLayoutVars>
+      </dgm:prSet>
+      <dgm:spPr/>
+      <dgm:t>
+        <a:bodyPr/>
+        <a:lstStyle/>
+        <a:p>
+          <a:endParaRPr lang="en-AU"/>
+        </a:p>
+      </dgm:t>
+    </dgm:pt>
+    <dgm:pt modelId="{01A15108-7EEB-4D44-9843-E50B56D0EDA2}" type="pres">
+      <dgm:prSet presAssocID="{B86B56B5-200D-44BA-9F73-C5E28579F1B2}" presName="sibTrans" presStyleLbl="sibTrans2D1" presStyleIdx="1" presStyleCnt="3"/>
+      <dgm:spPr/>
+    </dgm:pt>
+    <dgm:pt modelId="{B41B84E2-57A5-4B2D-85AC-E307298248C0}" type="pres">
+      <dgm:prSet presAssocID="{B86B56B5-200D-44BA-9F73-C5E28579F1B2}" presName="connectorText" presStyleLbl="sibTrans2D1" presStyleIdx="1" presStyleCnt="3"/>
+      <dgm:spPr/>
+    </dgm:pt>
+    <dgm:pt modelId="{D637E2F0-B3F4-410A-A86F-1CBEB1FDA3DD}" type="pres">
+      <dgm:prSet presAssocID="{27FD279B-4475-4639-897B-4FC26EB6F3EF}" presName="node" presStyleLbl="node1" presStyleIdx="2" presStyleCnt="4">
+        <dgm:presLayoutVars>
+          <dgm:bulletEnabled val="1"/>
+        </dgm:presLayoutVars>
+      </dgm:prSet>
+      <dgm:spPr/>
+      <dgm:t>
+        <a:bodyPr/>
+        <a:lstStyle/>
+        <a:p>
+          <a:endParaRPr lang="en-AU"/>
+        </a:p>
+      </dgm:t>
+    </dgm:pt>
+    <dgm:pt modelId="{561699BC-813B-4CD3-BC2C-125017980F12}" type="pres">
+      <dgm:prSet presAssocID="{48906FF7-615A-46AF-9BE2-E3558D16041B}" presName="sibTrans" presStyleLbl="sibTrans2D1" presStyleIdx="2" presStyleCnt="3"/>
+      <dgm:spPr/>
+    </dgm:pt>
+    <dgm:pt modelId="{D028C623-DF73-49F0-92ED-5AD4A513974B}" type="pres">
+      <dgm:prSet presAssocID="{48906FF7-615A-46AF-9BE2-E3558D16041B}" presName="connectorText" presStyleLbl="sibTrans2D1" presStyleIdx="2" presStyleCnt="3"/>
+      <dgm:spPr/>
+    </dgm:pt>
+    <dgm:pt modelId="{0D92213F-F40C-42DB-938C-9595938BC88E}" type="pres">
+      <dgm:prSet presAssocID="{D3EBB73C-E248-4BD4-8001-403EE5E1FAA8}" presName="node" presStyleLbl="node1" presStyleIdx="3" presStyleCnt="4">
+        <dgm:presLayoutVars>
+          <dgm:bulletEnabled val="1"/>
+        </dgm:presLayoutVars>
+      </dgm:prSet>
+      <dgm:spPr/>
+      <dgm:t>
+        <a:bodyPr/>
+        <a:lstStyle/>
+        <a:p>
+          <a:endParaRPr lang="en-AU"/>
+        </a:p>
+      </dgm:t>
+    </dgm:pt>
+  </dgm:ptLst>
+  <dgm:cxnLst>
+    <dgm:cxn modelId="{1FDC279D-B722-4D0B-A754-BA666B7439DC}" type="presOf" srcId="{B86B56B5-200D-44BA-9F73-C5E28579F1B2}" destId="{B41B84E2-57A5-4B2D-85AC-E307298248C0}" srcOrd="1" destOrd="0" presId="urn:microsoft.com/office/officeart/2005/8/layout/process2"/>
+    <dgm:cxn modelId="{2D77343F-067C-4629-AA33-EC1C8D10E7FE}" srcId="{34A36129-7D75-4ACD-9AE0-60243EEC3087}" destId="{38E8A24F-D48C-4672-9FEC-405CD7FF7AB7}" srcOrd="1" destOrd="0" parTransId="{751AED92-E6A2-496F-A41E-D7ECB36C7F4E}" sibTransId="{B86B56B5-200D-44BA-9F73-C5E28579F1B2}"/>
+    <dgm:cxn modelId="{DC38DF5D-A039-4125-BDF5-C695315B2AD5}" type="presOf" srcId="{48906FF7-615A-46AF-9BE2-E3558D16041B}" destId="{561699BC-813B-4CD3-BC2C-125017980F12}" srcOrd="0" destOrd="0" presId="urn:microsoft.com/office/officeart/2005/8/layout/process2"/>
+    <dgm:cxn modelId="{55023507-4F18-42B0-841C-6DA6D2A92EEB}" srcId="{34A36129-7D75-4ACD-9AE0-60243EEC3087}" destId="{27FD279B-4475-4639-897B-4FC26EB6F3EF}" srcOrd="2" destOrd="0" parTransId="{FFF35ED6-940B-451B-9FEC-5E3EB08D7E93}" sibTransId="{48906FF7-615A-46AF-9BE2-E3558D16041B}"/>
+    <dgm:cxn modelId="{1A4DA247-7928-4F26-8810-A45A25316F79}" srcId="{34A36129-7D75-4ACD-9AE0-60243EEC3087}" destId="{DE4AD8AB-3343-4AA7-9391-000999368BD0}" srcOrd="0" destOrd="0" parTransId="{16BB91F0-511A-47B5-9F6D-A58CD2937DD0}" sibTransId="{49A9375E-CCA4-4E4A-9BA7-50BA552724E9}"/>
+    <dgm:cxn modelId="{32E3ABB6-E3C1-4BF8-AB87-9968BCC1B1C1}" srcId="{34A36129-7D75-4ACD-9AE0-60243EEC3087}" destId="{D3EBB73C-E248-4BD4-8001-403EE5E1FAA8}" srcOrd="3" destOrd="0" parTransId="{321E9C06-5C91-462A-9058-DC94816A2034}" sibTransId="{9EF0E200-0758-49AD-87DE-E2FF883C60E1}"/>
+    <dgm:cxn modelId="{FBD99760-3C0D-4060-B51E-CDDE7ED70EF3}" type="presOf" srcId="{49A9375E-CCA4-4E4A-9BA7-50BA552724E9}" destId="{D54E16DE-697B-4E35-BF10-1530BA6E5CB1}" srcOrd="1" destOrd="0" presId="urn:microsoft.com/office/officeart/2005/8/layout/process2"/>
+    <dgm:cxn modelId="{31B3A5E5-9438-43A2-BE55-9CA6E8F8E31C}" type="presOf" srcId="{48906FF7-615A-46AF-9BE2-E3558D16041B}" destId="{D028C623-DF73-49F0-92ED-5AD4A513974B}" srcOrd="1" destOrd="0" presId="urn:microsoft.com/office/officeart/2005/8/layout/process2"/>
+    <dgm:cxn modelId="{8BC662E4-9FDE-4100-B6CE-E39D1A1A6745}" type="presOf" srcId="{49A9375E-CCA4-4E4A-9BA7-50BA552724E9}" destId="{466940E3-EA6A-42DC-95A3-5E4EE200E6DD}" srcOrd="0" destOrd="0" presId="urn:microsoft.com/office/officeart/2005/8/layout/process2"/>
+    <dgm:cxn modelId="{1A5089A5-0A73-49DE-B9BC-E9E25F7B8383}" type="presOf" srcId="{27FD279B-4475-4639-897B-4FC26EB6F3EF}" destId="{D637E2F0-B3F4-410A-A86F-1CBEB1FDA3DD}" srcOrd="0" destOrd="0" presId="urn:microsoft.com/office/officeart/2005/8/layout/process2"/>
+    <dgm:cxn modelId="{1CF2B01B-C043-45A6-A7B1-80718D74C2B9}" type="presOf" srcId="{D3EBB73C-E248-4BD4-8001-403EE5E1FAA8}" destId="{0D92213F-F40C-42DB-938C-9595938BC88E}" srcOrd="0" destOrd="0" presId="urn:microsoft.com/office/officeart/2005/8/layout/process2"/>
+    <dgm:cxn modelId="{1B6E36C5-A856-49B2-9419-35F6348AB5BB}" type="presOf" srcId="{B86B56B5-200D-44BA-9F73-C5E28579F1B2}" destId="{01A15108-7EEB-4D44-9843-E50B56D0EDA2}" srcOrd="0" destOrd="0" presId="urn:microsoft.com/office/officeart/2005/8/layout/process2"/>
+    <dgm:cxn modelId="{FE71541C-6737-412F-8DA3-17C8479D1BD7}" type="presOf" srcId="{34A36129-7D75-4ACD-9AE0-60243EEC3087}" destId="{89450E8D-3284-47B3-A416-65FDBC0F66CB}" srcOrd="0" destOrd="0" presId="urn:microsoft.com/office/officeart/2005/8/layout/process2"/>
+    <dgm:cxn modelId="{E9509821-1400-4170-9DF6-50D432216EB3}" type="presOf" srcId="{38E8A24F-D48C-4672-9FEC-405CD7FF7AB7}" destId="{24C4A362-B06F-414B-ADEE-63CF2ADA0169}" srcOrd="0" destOrd="0" presId="urn:microsoft.com/office/officeart/2005/8/layout/process2"/>
+    <dgm:cxn modelId="{8562BAE8-E166-47EE-A148-17A06E2FC599}" type="presOf" srcId="{DE4AD8AB-3343-4AA7-9391-000999368BD0}" destId="{54E4F9EA-4470-4E4C-B041-BBC0C67C5B1F}" srcOrd="0" destOrd="0" presId="urn:microsoft.com/office/officeart/2005/8/layout/process2"/>
+    <dgm:cxn modelId="{F7A4FB48-D31F-46E9-A8ED-4F3AE7D345D1}" type="presParOf" srcId="{89450E8D-3284-47B3-A416-65FDBC0F66CB}" destId="{54E4F9EA-4470-4E4C-B041-BBC0C67C5B1F}" srcOrd="0" destOrd="0" presId="urn:microsoft.com/office/officeart/2005/8/layout/process2"/>
+    <dgm:cxn modelId="{1D66ACD8-B94D-48BA-9084-F2E058036E8F}" type="presParOf" srcId="{89450E8D-3284-47B3-A416-65FDBC0F66CB}" destId="{466940E3-EA6A-42DC-95A3-5E4EE200E6DD}" srcOrd="1" destOrd="0" presId="urn:microsoft.com/office/officeart/2005/8/layout/process2"/>
+    <dgm:cxn modelId="{B7E91906-31BB-4C23-8163-B4C84C1B9DB6}" type="presParOf" srcId="{466940E3-EA6A-42DC-95A3-5E4EE200E6DD}" destId="{D54E16DE-697B-4E35-BF10-1530BA6E5CB1}" srcOrd="0" destOrd="0" presId="urn:microsoft.com/office/officeart/2005/8/layout/process2"/>
+    <dgm:cxn modelId="{E5F48662-7706-4E89-B777-2B504FDF547A}" type="presParOf" srcId="{89450E8D-3284-47B3-A416-65FDBC0F66CB}" destId="{24C4A362-B06F-414B-ADEE-63CF2ADA0169}" srcOrd="2" destOrd="0" presId="urn:microsoft.com/office/officeart/2005/8/layout/process2"/>
+    <dgm:cxn modelId="{290B00F4-73A6-4D67-800F-6B63FFE96BBA}" type="presParOf" srcId="{89450E8D-3284-47B3-A416-65FDBC0F66CB}" destId="{01A15108-7EEB-4D44-9843-E50B56D0EDA2}" srcOrd="3" destOrd="0" presId="urn:microsoft.com/office/officeart/2005/8/layout/process2"/>
+    <dgm:cxn modelId="{7C32EF57-C3D2-4C3E-9FDD-7B323376BC90}" type="presParOf" srcId="{01A15108-7EEB-4D44-9843-E50B56D0EDA2}" destId="{B41B84E2-57A5-4B2D-85AC-E307298248C0}" srcOrd="0" destOrd="0" presId="urn:microsoft.com/office/officeart/2005/8/layout/process2"/>
+    <dgm:cxn modelId="{C0F82C7B-BE94-4BE1-95D8-F08707DDD8B2}" type="presParOf" srcId="{89450E8D-3284-47B3-A416-65FDBC0F66CB}" destId="{D637E2F0-B3F4-410A-A86F-1CBEB1FDA3DD}" srcOrd="4" destOrd="0" presId="urn:microsoft.com/office/officeart/2005/8/layout/process2"/>
+    <dgm:cxn modelId="{FA6C29B6-EA19-4423-B751-DCF25DA4A1CA}" type="presParOf" srcId="{89450E8D-3284-47B3-A416-65FDBC0F66CB}" destId="{561699BC-813B-4CD3-BC2C-125017980F12}" srcOrd="5" destOrd="0" presId="urn:microsoft.com/office/officeart/2005/8/layout/process2"/>
+    <dgm:cxn modelId="{41116A8B-E8FD-465C-9FE7-5A412EC134C1}" type="presParOf" srcId="{561699BC-813B-4CD3-BC2C-125017980F12}" destId="{D028C623-DF73-49F0-92ED-5AD4A513974B}" srcOrd="0" destOrd="0" presId="urn:microsoft.com/office/officeart/2005/8/layout/process2"/>
+    <dgm:cxn modelId="{73423F3F-DCB3-475D-85A8-830676E4F83B}" type="presParOf" srcId="{89450E8D-3284-47B3-A416-65FDBC0F66CB}" destId="{0D92213F-F40C-42DB-938C-9595938BC88E}" srcOrd="6" destOrd="0" presId="urn:microsoft.com/office/officeart/2005/8/layout/process2"/>
+  </dgm:cxnLst>
+  <dgm:bg/>
+  <dgm:whole/>
+</dgm:dataModel>
+</file>
+
+<file path=ppt/diagrams/layout1.xml><?xml version="1.0" encoding="utf-8"?>
+<dgm:layoutDef xmlns:dgm="http://schemas.openxmlformats.org/drawingml/2006/diagram" xmlns:a="http://schemas.openxmlformats.org/drawingml/2006/main" uniqueId="urn:microsoft.com/office/officeart/2005/8/layout/process2">
+  <dgm:title val=""/>
+  <dgm:desc val=""/>
+  <dgm:catLst>
+    <dgm:cat type="process" pri="13000"/>
+  </dgm:catLst>
+  <dgm:sampData useDef="1">
+    <dgm:dataModel>
+      <dgm:ptLst/>
+      <dgm:bg/>
+      <dgm:whole/>
+    </dgm:dataModel>
+  </dgm:sampData>
+  <dgm:styleData>
+    <dgm:dataModel>
+      <dgm:ptLst>
+        <dgm:pt modelId="0" type="doc"/>
+        <dgm:pt modelId="1"/>
+        <dgm:pt modelId="2"/>
+      </dgm:ptLst>
+      <dgm:cxnLst>
+        <dgm:cxn modelId="3" srcId="0" destId="1" srcOrd="0" destOrd="0"/>
+        <dgm:cxn modelId="4" srcId="0" destId="2" srcOrd="1" destOrd="0"/>
+      </dgm:cxnLst>
+      <dgm:bg/>
+      <dgm:whole/>
+    </dgm:dataModel>
+  </dgm:styleData>
+  <dgm:clrData>
+    <dgm:dataModel>
+      <dgm:ptLst>
+        <dgm:pt modelId="0" type="doc"/>
+        <dgm:pt modelId="1"/>
+        <dgm:pt modelId="2"/>
+        <dgm:pt modelId="3"/>
+        <dgm:pt modelId="4"/>
+      </dgm:ptLst>
+      <dgm:cxnLst>
+        <dgm:cxn modelId="5" srcId="0" destId="1" srcOrd="0" destOrd="0"/>
+        <dgm:cxn modelId="6" srcId="0" destId="2" srcOrd="1" destOrd="0"/>
+        <dgm:cxn modelId="7" srcId="0" destId="3" srcOrd="2" destOrd="0"/>
+        <dgm:cxn modelId="8" srcId="0" destId="4" srcOrd="3" destOrd="0"/>
+      </dgm:cxnLst>
+      <dgm:bg/>
+      <dgm:whole/>
+    </dgm:dataModel>
+  </dgm:clrData>
+  <dgm:layoutNode name="linearFlow">
+    <dgm:varLst>
+      <dgm:resizeHandles val="exact"/>
+    </dgm:varLst>
+    <dgm:alg type="lin">
+      <dgm:param type="linDir" val="fromT"/>
+    </dgm:alg>
+    <dgm:shape xmlns:r="http://schemas.openxmlformats.org/officeDocument/2006/relationships" r:blip="">
+      <dgm:adjLst/>
+    </dgm:shape>
+    <dgm:presOf/>
+    <dgm:constrLst>
+      <dgm:constr type="h" for="ch" ptType="node" refType="h"/>
+      <dgm:constr type="h" for="ch" ptType="sibTrans" refType="h" refFor="ch" refPtType="node" fact="0.5"/>
+      <dgm:constr type="w" for="ch" ptType="node" op="equ"/>
+      <dgm:constr type="primFontSz" for="ch" ptType="node" op="equ" val="65"/>
+      <dgm:constr type="primFontSz" for="des" forName="connectorText" op="equ" val="55"/>
+      <dgm:constr type="primFontSz" for="des" forName="connectorText" refType="primFontSz" refFor="ch" refPtType="node" op="lte" fact="0.8"/>
+    </dgm:constrLst>
+    <dgm:ruleLst/>
+    <dgm:forEach name="nodesForEach" axis="ch" ptType="node">
+      <dgm:layoutNode name="node">
+        <dgm:varLst>
+          <dgm:bulletEnabled val="1"/>
+        </dgm:varLst>
+        <dgm:choose name="Name0">
+          <dgm:if name="Name1" axis="root des" ptType="all node" func="maxDepth" op="gt" val="1">
+            <dgm:alg type="tx">
+              <dgm:param type="parTxLTRAlign" val="l"/>
+              <dgm:param type="parTxRTLAlign" val="r"/>
+              <dgm:param type="txAnchorVertCh" val="mid"/>
+            </dgm:alg>
+          </dgm:if>
+          <dgm:else name="Name2">
+            <dgm:alg type="tx"/>
+          </dgm:else>
+        </dgm:choose>
+        <dgm:shape xmlns:r="http://schemas.openxmlformats.org/officeDocument/2006/relationships" type="roundRect" r:blip="">
+          <dgm:adjLst>
+            <dgm:adj idx="1" val="0.1"/>
+          </dgm:adjLst>
+        </dgm:shape>
+        <dgm:presOf axis="desOrSelf" ptType="node"/>
+        <dgm:constrLst>
+          <dgm:constr type="w" refType="h" fact="1.8"/>
+          <dgm:constr type="tMarg" refType="primFontSz" fact="0.3"/>
+          <dgm:constr type="bMarg" refType="primFontSz" fact="0.3"/>
+          <dgm:constr type="lMarg" refType="primFontSz" fact="0.3"/>
+          <dgm:constr type="rMarg" refType="primFontSz" fact="0.3"/>
+        </dgm:constrLst>
+        <dgm:ruleLst>
+          <dgm:rule type="primFontSz" val="18" fact="NaN" max="NaN"/>
+          <dgm:rule type="w" val="NaN" fact="4" max="NaN"/>
+          <dgm:rule type="primFontSz" val="5" fact="NaN" max="NaN"/>
+        </dgm:ruleLst>
+      </dgm:layoutNode>
+      <dgm:forEach name="sibTransForEach" axis="followSib" ptType="sibTrans" cnt="1">
+        <dgm:layoutNode name="sibTrans">
+          <dgm:alg type="conn">
+            <dgm:param type="begPts" val="auto"/>
+            <dgm:param type="endPts" val="auto"/>
+          </dgm:alg>
+          <dgm:shape xmlns:r="http://schemas.openxmlformats.org/officeDocument/2006/relationships" type="conn" r:blip="">
+            <dgm:adjLst/>
+          </dgm:shape>
+          <dgm:presOf axis="self"/>
+          <dgm:constrLst>
+            <dgm:constr type="w" refType="h" fact="0.9"/>
+            <dgm:constr type="connDist"/>
+            <dgm:constr type="wArH" refType="w" fact="0.5"/>
+            <dgm:constr type="hArH" refType="w"/>
+            <dgm:constr type="stemThick" refType="w" fact="0.6"/>
+            <dgm:constr type="begPad" refType="connDist" fact="0.125"/>
+            <dgm:constr type="endPad" refType="connDist" fact="0.125"/>
+          </dgm:constrLst>
+          <dgm:ruleLst/>
+          <dgm:layoutNode name="connectorText">
+            <dgm:alg type="tx">
+              <dgm:param type="autoTxRot" val="upr"/>
+            </dgm:alg>
+            <dgm:shape xmlns:r="http://schemas.openxmlformats.org/officeDocument/2006/relationships" type="conn" r:blip="" hideGeom="1">
+              <dgm:adjLst/>
+            </dgm:shape>
+            <dgm:presOf axis="self"/>
+            <dgm:constrLst>
+              <dgm:constr type="lMarg"/>
+              <dgm:constr type="rMarg"/>
+              <dgm:constr type="tMarg"/>
+              <dgm:constr type="bMarg"/>
+            </dgm:constrLst>
+            <dgm:ruleLst>
+              <dgm:rule type="primFontSz" val="5" fact="NaN" max="NaN"/>
+            </dgm:ruleLst>
+          </dgm:layoutNode>
+        </dgm:layoutNode>
+      </dgm:forEach>
+    </dgm:forEach>
+  </dgm:layoutNode>
+</dgm:layoutDef>
+</file>
+
+<file path=ppt/diagrams/quickStyle1.xml><?xml version="1.0" encoding="utf-8"?>
+<dgm:styleDef xmlns:dgm="http://schemas.openxmlformats.org/drawingml/2006/diagram" xmlns:a="http://schemas.openxmlformats.org/drawingml/2006/main" uniqueId="urn:microsoft.com/office/officeart/2005/8/quickstyle/simple1">
+  <dgm:title val=""/>
+  <dgm:desc val=""/>
+  <dgm:catLst>
+    <dgm:cat type="simple" pri="10100"/>
+  </dgm:catLst>
+  <dgm:scene3d>
+    <a:camera prst="orthographicFront"/>
+    <a:lightRig rig="threePt" dir="t"/>
+  </dgm:scene3d>
+  <dgm:styleLbl name="node0">
+    <dgm:scene3d>
+      <a:camera prst="orthographicFront"/>
+      <a:lightRig rig="threePt" dir="t"/>
+    </dgm:scene3d>
+    <dgm:sp3d/>
+    <dgm:txPr/>
+    <dgm:style>
+      <a:lnRef idx="2">
+        <a:scrgbClr r="0" g="0" b="0"/>
+      </a:lnRef>
+      <a:fillRef idx="1">
+        <a:scrgbClr r="0" g="0" b="0"/>
+      </a:fillRef>
+      <a:effectRef idx="0">
+        <a:scrgbClr r="0" g="0" b="0"/>
+      </a:effectRef>
+      <a:fontRef idx="minor">
+        <a:schemeClr val="lt1"/>
+      </a:fontRef>
+    </dgm:style>
+  </dgm:styleLbl>
+  <dgm:styleLbl name="lnNode1">
+    <dgm:scene3d>
+      <a:camera prst="orthographicFront"/>
+      <a:lightRig rig="threePt" dir="t"/>
+    </dgm:scene3d>
+    <dgm:sp3d/>
+    <dgm:txPr/>
+    <dgm:style>
+      <a:lnRef idx="2">
+        <a:scrgbClr r="0" g="0" b="0"/>
+      </a:lnRef>
+      <a:fillRef idx="1">
+        <a:scrgbClr r="0" g="0" b="0"/>
+      </a:fillRef>
+      <a:effectRef idx="0">
+        <a:scrgbClr r="0" g="0" b="0"/>
+      </a:effectRef>
+      <a:fontRef idx="minor">
+        <a:schemeClr val="lt1"/>
+      </a:fontRef>
+    </dgm:style>
+  </dgm:styleLbl>
+  <dgm:styleLbl name="vennNode1">
+    <dgm:scene3d>
+      <a:camera prst="orthographicFront"/>
+      <a:lightRig rig="threePt" dir="t"/>
+    </dgm:scene3d>
+    <dgm:sp3d/>
+    <dgm:txPr/>
+    <dgm:style>
+      <a:lnRef idx="2">
+        <a:scrgbClr r="0" g="0" b="0"/>
+      </a:lnRef>
+      <a:fillRef idx="1">
+        <a:scrgbClr r="0" g="0" b="0"/>
+      </a:fillRef>
+      <a:effectRef idx="0">
+        <a:scrgbClr r="0" g="0" b="0"/>
+      </a:effectRef>
+      <a:fontRef idx="minor">
+        <a:schemeClr val="tx1"/>
+      </a:fontRef>
+    </dgm:style>
+  </dgm:styleLbl>
+  <dgm:styleLbl name="alignNode1">
+    <dgm:scene3d>
+      <a:camera prst="orthographicFront"/>
+      <a:lightRig rig="threePt" dir="t"/>
+    </dgm:scene3d>
+    <dgm:sp3d/>
+    <dgm:txPr/>
+    <dgm:style>
+      <a:lnRef idx="2">
+        <a:scrgbClr r="0" g="0" b="0"/>
+      </a:lnRef>
+      <a:fillRef idx="1">
+        <a:scrgbClr r="0" g="0" b="0"/>
+      </a:fillRef>
+      <a:effectRef idx="0">
+        <a:scrgbClr r="0" g="0" b="0"/>
+      </a:effectRef>
+      <a:fontRef idx="minor">
+        <a:schemeClr val="lt1"/>
+      </a:fontRef>
+    </dgm:style>
+  </dgm:styleLbl>
+  <dgm:styleLbl name="node1">
+    <dgm:scene3d>
+      <a:camera prst="orthographicFront"/>
+      <a:lightRig rig="threePt" dir="t"/>
+    </dgm:scene3d>
+    <dgm:sp3d/>
+    <dgm:txPr/>
+    <dgm:style>
+      <a:lnRef idx="2">
+        <a:scrgbClr r="0" g="0" b="0"/>
+      </a:lnRef>
+      <a:fillRef idx="1">
+        <a:scrgbClr r="0" g="0" b="0"/>
+      </a:fillRef>
+      <a:effectRef idx="0">
+        <a:scrgbClr r="0" g="0" b="0"/>
+      </a:effectRef>
+      <a:fontRef idx="minor">
+        <a:schemeClr val="lt1"/>
+      </a:fontRef>
+    </dgm:style>
+  </dgm:styleLbl>
+  <dgm:styleLbl name="node2">
+    <dgm:scene3d>
+      <a:camera prst="orthographicFront"/>
+      <a:lightRig rig="threePt" dir="t"/>
+    </dgm:scene3d>
+    <dgm:sp3d/>
+    <dgm:txPr/>
+    <dgm:style>
+      <a:lnRef idx="2">
+        <a:scrgbClr r="0" g="0" b="0"/>
+      </a:lnRef>
+      <a:fillRef idx="1">
+        <a:scrgbClr r="0" g="0" b="0"/>
+      </a:fillRef>
+      <a:effectRef idx="0">
+        <a:scrgbClr r="0" g="0" b="0"/>
+      </a:effectRef>
+      <a:fontRef idx="minor">
+        <a:schemeClr val="lt1"/>
+      </a:fontRef>
+    </dgm:style>
+  </dgm:styleLbl>
+  <dgm:styleLbl name="node3">
+    <dgm:scene3d>
+      <a:camera prst="orthographicFront"/>
+      <a:lightRig rig="threePt" dir="t"/>
+    </dgm:scene3d>
+    <dgm:sp3d/>
+    <dgm:txPr/>
+    <dgm:style>
+      <a:lnRef idx="2">
+        <a:scrgbClr r="0" g="0" b="0"/>
+      </a:lnRef>
+      <a:fillRef idx="1">
+        <a:scrgbClr r="0" g="0" b="0"/>
+      </a:fillRef>
+      <a:effectRef idx="0">
+        <a:scrgbClr r="0" g="0" b="0"/>
+      </a:effectRef>
+      <a:fontRef idx="minor">
+        <a:schemeClr val="lt1"/>
+      </a:fontRef>
+    </dgm:style>
+  </dgm:styleLbl>
+  <dgm:styleLbl name="node4">
+    <dgm:scene3d>
+      <a:camera prst="orthographicFront"/>
+      <a:lightRig rig="threePt" dir="t"/>
+    </dgm:scene3d>
+    <dgm:sp3d/>
+    <dgm:txPr/>
+    <dgm:style>
+      <a:lnRef idx="2">
+        <a:scrgbClr r="0" g="0" b="0"/>
+      </a:lnRef>
+      <a:fillRef idx="1">
+        <a:scrgbClr r="0" g="0" b="0"/>
+      </a:fillRef>
+      <a:effectRef idx="0">
+        <a:scrgbClr r="0" g="0" b="0"/>
+      </a:effectRef>
+      <a:fontRef idx="minor">
+        <a:schemeClr val="lt1"/>
+      </a:fontRef>
+    </dgm:style>
+  </dgm:styleLbl>
+  <dgm:styleLbl name="fgImgPlace1">
+    <dgm:scene3d>
+      <a:camera prst="orthographicFront"/>
+      <a:lightRig rig="threePt" dir="t"/>
+    </dgm:scene3d>
+    <dgm:sp3d/>
+    <dgm:txPr/>
+    <dgm:style>
+      <a:lnRef idx="2">
+        <a:scrgbClr r="0" g="0" b="0"/>
+      </a:lnRef>
+      <a:fillRef idx="1">
+        <a:scrgbClr r="0" g="0" b="0"/>
+      </a:fillRef>
+      <a:effectRef idx="0">
+        <a:scrgbClr r="0" g="0" b="0"/>
+      </a:effectRef>
+      <a:fontRef idx="minor"/>
+    </dgm:style>
+  </dgm:styleLbl>
+  <dgm:styleLbl name="alignImgPlace1">
+    <dgm:scene3d>
+      <a:camera prst="orthographicFront"/>
+      <a:lightRig rig="threePt" dir="t"/>
+    </dgm:scene3d>
+    <dgm:sp3d/>
+    <dgm:txPr/>
+    <dgm:style>
+      <a:lnRef idx="2">
+        <a:scrgbClr r="0" g="0" b="0"/>
+      </a:lnRef>
+      <a:fillRef idx="1">
+        <a:scrgbClr r="0" g="0" b="0"/>
+      </a:fillRef>
+      <a:effectRef idx="0">
+        <a:scrgbClr r="0" g="0" b="0"/>
+      </a:effectRef>
+      <a:fontRef idx="minor"/>
+    </dgm:style>
+  </dgm:styleLbl>
+  <dgm:styleLbl name="bgImgPlace1">
+    <dgm:scene3d>
+      <a:camera prst="orthographicFront"/>
+      <a:lightRig rig="threePt" dir="t"/>
+    </dgm:scene3d>
+    <dgm:sp3d/>
+    <dgm:txPr/>
+    <dgm:style>
+      <a:lnRef idx="2">
+        <a:scrgbClr r="0" g="0" b="0"/>
+      </a:lnRef>
+      <a:fillRef idx="1">
+        <a:scrgbClr r="0" g="0" b="0"/>
+      </a:fillRef>
+      <a:effectRef idx="0">
+        <a:scrgbClr r="0" g="0" b="0"/>
+      </a:effectRef>
+      <a:fontRef idx="minor"/>
+    </dgm:style>
+  </dgm:styleLbl>
+  <dgm:styleLbl name="sibTrans2D1">
+    <dgm:scene3d>
+      <a:camera prst="orthographicFront"/>
+      <a:lightRig rig="threePt" dir="t"/>
+    </dgm:scene3d>
+    <dgm:sp3d/>
+    <dgm:txPr/>
+    <dgm:style>
+      <a:lnRef idx="0">
+        <a:scrgbClr r="0" g="0" b="0"/>
+      </a:lnRef>
+      <a:fillRef idx="1">
+        <a:scrgbClr r="0" g="0" b="0"/>
+      </a:fillRef>
+      <a:effectRef idx="0">
+        <a:scrgbClr r="0" g="0" b="0"/>
+      </a:effectRef>
+      <a:fontRef idx="minor">
+        <a:schemeClr val="lt1"/>
+      </a:fontRef>
+    </dgm:style>
+  </dgm:styleLbl>
+  <dgm:styleLbl name="fgSibTrans2D1">
+    <dgm:scene3d>
+      <a:camera prst="orthographicFront"/>
+      <a:lightRig rig="threePt" dir="t"/>
+    </dgm:scene3d>
+    <dgm:sp3d/>
+    <dgm:txPr/>
+    <dgm:style>
+      <a:lnRef idx="0">
+        <a:scrgbClr r="0" g="0" b="0"/>
+      </a:lnRef>
+      <a:fillRef idx="1">
+        <a:scrgbClr r="0" g="0" b="0"/>
+      </a:fillRef>
+      <a:effectRef idx="0">
+        <a:scrgbClr r="0" g="0" b="0"/>
+      </a:effectRef>
+      <a:fontRef idx="minor">
+        <a:schemeClr val="lt1"/>
+      </a:fontRef>
+    </dgm:style>
+  </dgm:styleLbl>
+  <dgm:styleLbl name="bgSibTrans2D1">
+    <dgm:scene3d>
+      <a:camera prst="orthographicFront"/>
+      <a:lightRig rig="threePt" dir="t"/>
+    </dgm:scene3d>
+    <dgm:sp3d/>
+    <dgm:txPr/>
+    <dgm:style>
+      <a:lnRef idx="0">
+        <a:scrgbClr r="0" g="0" b="0"/>
+      </a:lnRef>
+      <a:fillRef idx="1">
+        <a:scrgbClr r="0" g="0" b="0"/>
+      </a:fillRef>
+      <a:effectRef idx="0">
+        <a:scrgbClr r="0" g="0" b="0"/>
+      </a:effectRef>
+      <a:fontRef idx="minor">
+        <a:schemeClr val="lt1"/>
+      </a:fontRef>
+    </dgm:style>
+  </dgm:styleLbl>
+  <dgm:styleLbl name="sibTrans1D1">
+    <dgm:scene3d>
+      <a:camera prst="orthographicFront"/>
+      <a:lightRig rig="threePt" dir="t"/>
+    </dgm:scene3d>
+    <dgm:sp3d/>
+    <dgm:txPr/>
+    <dgm:style>
+      <a:lnRef idx="1">
+        <a:scrgbClr r="0" g="0" b="0"/>
+      </a:lnRef>
+      <a:fillRef idx="0">
+        <a:scrgbClr r="0" g="0" b="0"/>
+      </a:fillRef>
+      <a:effectRef idx="0">
+        <a:scrgbClr r="0" g="0" b="0"/>
+      </a:effectRef>
+      <a:fontRef idx="minor"/>
+    </dgm:style>
+  </dgm:styleLbl>
+  <dgm:styleLbl name="callout">
+    <dgm:scene3d>
+      <a:camera prst="orthographicFront"/>
+      <a:lightRig rig="threePt" dir="t"/>
+    </dgm:scene3d>
+    <dgm:sp3d/>
+    <dgm:txPr/>
+    <dgm:style>
+      <a:lnRef idx="2">
+        <a:scrgbClr r="0" g="0" b="0"/>
+      </a:lnRef>
+      <a:fillRef idx="1">
+        <a:scrgbClr r="0" g="0" b="0"/>
+      </a:fillRef>
+      <a:effectRef idx="0">
+        <a:scrgbClr r="0" g="0" b="0"/>
+      </a:effectRef>
+      <a:fontRef idx="minor"/>
+    </dgm:style>
+  </dgm:styleLbl>
+  <dgm:styleLbl name="asst0">
+    <dgm:scene3d>
+      <a:camera prst="orthographicFront"/>
+      <a:lightRig rig="threePt" dir="t"/>
+    </dgm:scene3d>
+    <dgm:sp3d/>
+    <dgm:txPr/>
+    <dgm:style>
+      <a:lnRef idx="2">
+        <a:scrgbClr r="0" g="0" b="0"/>
+      </a:lnRef>
+      <a:fillRef idx="1">
+        <a:scrgbClr r="0" g="0" b="0"/>
+      </a:fillRef>
+      <a:effectRef idx="0">
+        <a:scrgbClr r="0" g="0" b="0"/>
+      </a:effectRef>
+      <a:fontRef idx="minor">
+        <a:schemeClr val="lt1"/>
+      </a:fontRef>
+    </dgm:style>
+  </dgm:styleLbl>
+  <dgm:styleLbl name="asst1">
+    <dgm:scene3d>
+      <a:camera prst="orthographicFront"/>
+      <a:lightRig rig="threePt" dir="t"/>
+    </dgm:scene3d>
+    <dgm:sp3d/>
+    <dgm:txPr/>
+    <dgm:style>
+      <a:lnRef idx="2">
+        <a:scrgbClr r="0" g="0" b="0"/>
+      </a:lnRef>
+      <a:fillRef idx="1">
+        <a:scrgbClr r="0" g="0" b="0"/>
+      </a:fillRef>
+      <a:effectRef idx="0">
+        <a:scrgbClr r="0" g="0" b="0"/>
+      </a:effectRef>
+      <a:fontRef idx="minor">
+        <a:schemeClr val="lt1"/>
+      </a:fontRef>
+    </dgm:style>
+  </dgm:styleLbl>
+  <dgm:styleLbl name="asst2">
+    <dgm:scene3d>
+      <a:camera prst="orthographicFront"/>
+      <a:lightRig rig="threePt" dir="t"/>
+    </dgm:scene3d>
+    <dgm:sp3d/>
+    <dgm:txPr/>
+    <dgm:style>
+      <a:lnRef idx="2">
+        <a:scrgbClr r="0" g="0" b="0"/>
+      </a:lnRef>
+      <a:fillRef idx="1">
+        <a:scrgbClr r="0" g="0" b="0"/>
+      </a:fillRef>
+      <a:effectRef idx="0">
+        <a:scrgbClr r="0" g="0" b="0"/>
+      </a:effectRef>
+      <a:fontRef idx="minor">
+        <a:schemeClr val="lt1"/>
+      </a:fontRef>
+    </dgm:style>
+  </dgm:styleLbl>
+  <dgm:styleLbl name="asst3">
+    <dgm:scene3d>
+      <a:camera prst="orthographicFront"/>
+      <a:lightRig rig="threePt" dir="t"/>
+    </dgm:scene3d>
+    <dgm:sp3d/>
+    <dgm:txPr/>
+    <dgm:style>
+      <a:lnRef idx="2">
+        <a:scrgbClr r="0" g="0" b="0"/>
+      </a:lnRef>
+      <a:fillRef idx="1">
+        <a:scrgbClr r="0" g="0" b="0"/>
+      </a:fillRef>
+      <a:effectRef idx="0">
+        <a:scrgbClr r="0" g="0" b="0"/>
+      </a:effectRef>
+      <a:fontRef idx="minor">
+        <a:schemeClr val="lt1"/>
+      </a:fontRef>
+    </dgm:style>
+  </dgm:styleLbl>
+  <dgm:styleLbl name="asst4">
+    <dgm:scene3d>
+      <a:camera prst="orthographicFront"/>
+      <a:lightRig rig="threePt" dir="t"/>
+    </dgm:scene3d>
+    <dgm:sp3d/>
+    <dgm:txPr/>
+    <dgm:style>
+      <a:lnRef idx="2">
+        <a:scrgbClr r="0" g="0" b="0"/>
+      </a:lnRef>
+      <a:fillRef idx="1">
+        <a:scrgbClr r="0" g="0" b="0"/>
+      </a:fillRef>
+      <a:effectRef idx="0">
+        <a:scrgbClr r="0" g="0" b="0"/>
+      </a:effectRef>
+      <a:fontRef idx="minor">
+        <a:schemeClr val="lt1"/>
+      </a:fontRef>
+    </dgm:style>
+  </dgm:styleLbl>
+  <dgm:styleLbl name="parChTrans2D1">
+    <dgm:scene3d>
+      <a:camera prst="orthographicFront"/>
+      <a:lightRig rig="threePt" dir="t"/>
+    </dgm:scene3d>
+    <dgm:sp3d/>
+    <dgm:txPr/>
+    <dgm:style>
+      <a:lnRef idx="2">
+        <a:scrgbClr r="0" g="0" b="0"/>
+      </a:lnRef>
+      <a:fillRef idx="1">
+        <a:scrgbClr r="0" g="0" b="0"/>
+      </a:fillRef>
+      <a:effectRef idx="0">
+        <a:scrgbClr r="0" g="0" b="0"/>
+      </a:effectRef>
+      <a:fontRef idx="minor">
+        <a:schemeClr val="lt1"/>
+      </a:fontRef>
+    </dgm:style>
+  </dgm:styleLbl>
+  <dgm:styleLbl name="parChTrans2D2">
+    <dgm:scene3d>
+      <a:camera prst="orthographicFront"/>
+      <a:lightRig rig="threePt" dir="t"/>
+    </dgm:scene3d>
+    <dgm:sp3d/>
+    <dgm:txPr/>
+    <dgm:style>
+      <a:lnRef idx="2">
+        <a:scrgbClr r="0" g="0" b="0"/>
+      </a:lnRef>
+      <a:fillRef idx="1">
+        <a:scrgbClr r="0" g="0" b="0"/>
+      </a:fillRef>
+      <a:effectRef idx="0">
+        <a:scrgbClr r="0" g="0" b="0"/>
+      </a:effectRef>
+      <a:fontRef idx="minor">
+        <a:schemeClr val="lt1"/>
+      </a:fontRef>
+    </dgm:style>
+  </dgm:styleLbl>
+  <dgm:styleLbl name="parChTrans2D3">
+    <dgm:scene3d>
+      <a:camera prst="orthographicFront"/>
+      <a:lightRig rig="threePt" dir="t"/>
+    </dgm:scene3d>
+    <dgm:sp3d/>
+    <dgm:txPr/>
+    <dgm:style>
+      <a:lnRef idx="2">
+        <a:scrgbClr r="0" g="0" b="0"/>
+      </a:lnRef>
+      <a:fillRef idx="1">
+        <a:scrgbClr r="0" g="0" b="0"/>
+      </a:fillRef>
+      <a:effectRef idx="0">
+        <a:scrgbClr r="0" g="0" b="0"/>
+      </a:effectRef>
+      <a:fontRef idx="minor">
+        <a:schemeClr val="lt1"/>
+      </a:fontRef>
+    </dgm:style>
+  </dgm:styleLbl>
+  <dgm:styleLbl name="parChTrans2D4">
+    <dgm:scene3d>
+      <a:camera prst="orthographicFront"/>
+      <a:lightRig rig="threePt" dir="t"/>
+    </dgm:scene3d>
+    <dgm:sp3d/>
+    <dgm:txPr/>
+    <dgm:style>
+      <a:lnRef idx="2">
+        <a:scrgbClr r="0" g="0" b="0"/>
+      </a:lnRef>
+      <a:fillRef idx="1">
+        <a:scrgbClr r="0" g="0" b="0"/>
+      </a:fillRef>
+      <a:effectRef idx="0">
+        <a:scrgbClr r="0" g="0" b="0"/>
+      </a:effectRef>
+      <a:fontRef idx="minor">
+        <a:schemeClr val="lt1"/>
+      </a:fontRef>
+    </dgm:style>
+  </dgm:styleLbl>
+  <dgm:styleLbl name="parChTrans1D1">
+    <dgm:scene3d>
+      <a:camera prst="orthographicFront"/>
+      <a:lightRig rig="threePt" dir="t"/>
+    </dgm:scene3d>
+    <dgm:sp3d/>
+    <dgm:txPr/>
+    <dgm:style>
+      <a:lnRef idx="2">
+        <a:scrgbClr r="0" g="0" b="0"/>
+      </a:lnRef>
+      <a:fillRef idx="0">
+        <a:scrgbClr r="0" g="0" b="0"/>
+      </a:fillRef>
+      <a:effectRef idx="0">
+        <a:scrgbClr r="0" g="0" b="0"/>
+      </a:effectRef>
+      <a:fontRef idx="minor"/>
+    </dgm:style>
+  </dgm:styleLbl>
+  <dgm:styleLbl name="parChTrans1D2">
+    <dgm:scene3d>
+      <a:camera prst="orthographicFront"/>
+      <a:lightRig rig="threePt" dir="t"/>
+    </dgm:scene3d>
+    <dgm:sp3d/>
+    <dgm:txPr/>
+    <dgm:style>
+      <a:lnRef idx="2">
+        <a:scrgbClr r="0" g="0" b="0"/>
+      </a:lnRef>
+      <a:fillRef idx="0">
+        <a:scrgbClr r="0" g="0" b="0"/>
+      </a:fillRef>
+      <a:effectRef idx="0">
+        <a:scrgbClr r="0" g="0" b="0"/>
+      </a:effectRef>
+      <a:fontRef idx="minor"/>
+    </dgm:style>
+  </dgm:styleLbl>
+  <dgm:styleLbl name="parChTrans1D3">
+    <dgm:scene3d>
+      <a:camera prst="orthographicFront"/>
+      <a:lightRig rig="threePt" dir="t"/>
+    </dgm:scene3d>
+    <dgm:sp3d/>
+    <dgm:txPr/>
+    <dgm:style>
+      <a:lnRef idx="2">
+        <a:scrgbClr r="0" g="0" b="0"/>
+      </a:lnRef>
+      <a:fillRef idx="0">
+        <a:scrgbClr r="0" g="0" b="0"/>
+      </a:fillRef>
+      <a:effectRef idx="0">
+        <a:scrgbClr r="0" g="0" b="0"/>
+      </a:effectRef>
+      <a:fontRef idx="minor"/>
+    </dgm:style>
+  </dgm:styleLbl>
+  <dgm:styleLbl name="parChTrans1D4">
+    <dgm:scene3d>
+      <a:camera prst="orthographicFront"/>
+      <a:lightRig rig="threePt" dir="t"/>
+    </dgm:scene3d>
+    <dgm:sp3d/>
+    <dgm:txPr/>
+    <dgm:style>
+      <a:lnRef idx="2">
+        <a:scrgbClr r="0" g="0" b="0"/>
+      </a:lnRef>
+      <a:fillRef idx="0">
+        <a:scrgbClr r="0" g="0" b="0"/>
+      </a:fillRef>
+      <a:effectRef idx="0">
+        <a:scrgbClr r="0" g="0" b="0"/>
+      </a:effectRef>
+      <a:fontRef idx="minor"/>
+    </dgm:style>
+  </dgm:styleLbl>
+  <dgm:styleLbl name="fgAcc1">
+    <dgm:scene3d>
+      <a:camera prst="orthographicFront"/>
+      <a:lightRig rig="threePt" dir="t"/>
+    </dgm:scene3d>
+    <dgm:sp3d/>
+    <dgm:txPr/>
+    <dgm:style>
+      <a:lnRef idx="2">
+        <a:scrgbClr r="0" g="0" b="0"/>
+      </a:lnRef>
+      <a:fillRef idx="1">
+        <a:scrgbClr r="0" g="0" b="0"/>
+      </a:fillRef>
+      <a:effectRef idx="0">
+        <a:scrgbClr r="0" g="0" b="0"/>
+      </a:effectRef>
+      <a:fontRef idx="minor"/>
+    </dgm:style>
+  </dgm:styleLbl>
+  <dgm:styleLbl name="conFgAcc1">
+    <dgm:scene3d>
+      <a:camera prst="orthographicFront"/>
+      <a:lightRig rig="threePt" dir="t"/>
+    </dgm:scene3d>
+    <dgm:sp3d/>
+    <dgm:txPr/>
+    <dgm:style>
+      <a:lnRef idx="2">
+        <a:scrgbClr r="0" g="0" b="0"/>
+      </a:lnRef>
+      <a:fillRef idx="1">
+        <a:scrgbClr r="0" g="0" b="0"/>
+      </a:fillRef>
+      <a:effectRef idx="0">
+        <a:scrgbClr r="0" g="0" b="0"/>
+      </a:effectRef>
+      <a:fontRef idx="minor"/>
+    </dgm:style>
+  </dgm:styleLbl>
+  <dgm:styleLbl name="alignAcc1">
+    <dgm:scene3d>
+      <a:camera prst="orthographicFront"/>
+      <a:lightRig rig="threePt" dir="t"/>
+    </dgm:scene3d>
+    <dgm:sp3d/>
+    <dgm:txPr/>
+    <dgm:style>
+      <a:lnRef idx="2">
+        <a:scrgbClr r="0" g="0" b="0"/>
+      </a:lnRef>
+      <a:fillRef idx="1">
+        <a:scrgbClr r="0" g="0" b="0"/>
+      </a:fillRef>
+      <a:effectRef idx="0">
+        <a:scrgbClr r="0" g="0" b="0"/>
+      </a:effectRef>
+      <a:fontRef idx="minor"/>
+    </dgm:style>
+  </dgm:styleLbl>
+  <dgm:styleLbl name="trAlignAcc1">
+    <dgm:scene3d>
+      <a:camera prst="orthographicFront"/>
+      <a:lightRig rig="threePt" dir="t"/>
+    </dgm:scene3d>
+    <dgm:sp3d/>
+    <dgm:txPr/>
+    <dgm:style>
+      <a:lnRef idx="1">
+        <a:scrgbClr r="0" g="0" b="0"/>
+      </a:lnRef>
+      <a:fillRef idx="1">
+        <a:scrgbClr r="0" g="0" b="0"/>
+      </a:fillRef>
+      <a:effectRef idx="0">
+        <a:scrgbClr r="0" g="0" b="0"/>
+      </a:effectRef>
+      <a:fontRef idx="minor"/>
+    </dgm:style>
+  </dgm:styleLbl>
+  <dgm:styleLbl name="bgAcc1">
+    <dgm:scene3d>
+      <a:camera prst="orthographicFront"/>
+      <a:lightRig rig="threePt" dir="t"/>
+    </dgm:scene3d>
+    <dgm:sp3d/>
+    <dgm:txPr/>
+    <dgm:style>
+      <a:lnRef idx="2">
+        <a:scrgbClr r="0" g="0" b="0"/>
+      </a:lnRef>
+      <a:fillRef idx="1">
+        <a:scrgbClr r="0" g="0" b="0"/>
+      </a:fillRef>
+      <a:effectRef idx="0">
+        <a:scrgbClr r="0" g="0" b="0"/>
+      </a:effectRef>
+      <a:fontRef idx="minor"/>
+    </dgm:style>
+  </dgm:styleLbl>
+  <dgm:styleLbl name="solidFgAcc1">
+    <dgm:scene3d>
+      <a:camera prst="orthographicFront"/>
+      <a:lightRig rig="threePt" dir="t"/>
+    </dgm:scene3d>
+    <dgm:sp3d/>
+    <dgm:txPr/>
+    <dgm:style>
+      <a:lnRef idx="2">
+        <a:scrgbClr r="0" g="0" b="0"/>
+      </a:lnRef>
+      <a:fillRef idx="1">
+        <a:scrgbClr r="0" g="0" b="0"/>
+      </a:fillRef>
+      <a:effectRef idx="0">
+        <a:scrgbClr r="0" g="0" b="0"/>
+      </a:effectRef>
+      <a:fontRef idx="minor"/>
+    </dgm:style>
+  </dgm:styleLbl>
+  <dgm:styleLbl name="solidAlignAcc1">
+    <dgm:scene3d>
+      <a:camera prst="orthographicFront"/>
+      <a:lightRig rig="threePt" dir="t"/>
+    </dgm:scene3d>
+    <dgm:sp3d/>
+    <dgm:txPr/>
+    <dgm:style>
+      <a:lnRef idx="2">
+        <a:scrgbClr r="0" g="0" b="0"/>
+      </a:lnRef>
+      <a:fillRef idx="1">
+        <a:scrgbClr r="0" g="0" b="0"/>
+      </a:fillRef>
+      <a:effectRef idx="0">
+        <a:scrgbClr r="0" g="0" b="0"/>
+      </a:effectRef>
+      <a:fontRef idx="minor"/>
+    </dgm:style>
+  </dgm:styleLbl>
+  <dgm:styleLbl name="solidBgAcc1">
+    <dgm:scene3d>
+      <a:camera prst="orthographicFront"/>
+      <a:lightRig rig="threePt" dir="t"/>
+    </dgm:scene3d>
+    <dgm:sp3d/>
+    <dgm:txPr/>
+    <dgm:style>
+      <a:lnRef idx="2">
+        <a:scrgbClr r="0" g="0" b="0"/>
+      </a:lnRef>
+      <a:fillRef idx="1">
+        <a:scrgbClr r="0" g="0" b="0"/>
+      </a:fillRef>
+      <a:effectRef idx="0">
+        <a:scrgbClr r="0" g="0" b="0"/>
+      </a:effectRef>
+      <a:fontRef idx="minor"/>
+    </dgm:style>
+  </dgm:styleLbl>
+  <dgm:styleLbl name="fgAccFollowNode1">
+    <dgm:scene3d>
+      <a:camera prst="orthographicFront"/>
+      <a:lightRig rig="threePt" dir="t"/>
+    </dgm:scene3d>
+    <dgm:sp3d/>
+    <dgm:txPr/>
+    <dgm:style>
+      <a:lnRef idx="2">
+        <a:scrgbClr r="0" g="0" b="0"/>
+      </a:lnRef>
+      <a:fillRef idx="1">
+        <a:scrgbClr r="0" g="0" b="0"/>
+      </a:fillRef>
+      <a:effectRef idx="0">
+        <a:scrgbClr r="0" g="0" b="0"/>
+      </a:effectRef>
+      <a:fontRef idx="minor"/>
+    </dgm:style>
+  </dgm:styleLbl>
+  <dgm:styleLbl name="alignAccFollowNode1">
+    <dgm:scene3d>
+      <a:camera prst="orthographicFront"/>
+      <a:lightRig rig="threePt" dir="t"/>
+    </dgm:scene3d>
+    <dgm:sp3d/>
+    <dgm:txPr/>
+    <dgm:style>
+      <a:lnRef idx="2">
+        <a:scrgbClr r="0" g="0" b="0"/>
+      </a:lnRef>
+      <a:fillRef idx="1">
+        <a:scrgbClr r="0" g="0" b="0"/>
+      </a:fillRef>
+      <a:effectRef idx="0">
+        <a:scrgbClr r="0" g="0" b="0"/>
+      </a:effectRef>
+      <a:fontRef idx="minor"/>
+    </dgm:style>
+  </dgm:styleLbl>
+  <dgm:styleLbl name="bgAccFollowNode1">
+    <dgm:scene3d>
+      <a:camera prst="orthographicFront"/>
+      <a:lightRig rig="threePt" dir="t"/>
+    </dgm:scene3d>
+    <dgm:sp3d/>
+    <dgm:txPr/>
+    <dgm:style>
+      <a:lnRef idx="2">
+        <a:scrgbClr r="0" g="0" b="0"/>
+      </a:lnRef>
+      <a:fillRef idx="1">
+        <a:scrgbClr r="0" g="0" b="0"/>
+      </a:fillRef>
+      <a:effectRef idx="0">
+        <a:scrgbClr r="0" g="0" b="0"/>
+      </a:effectRef>
+      <a:fontRef idx="minor"/>
+    </dgm:style>
+  </dgm:styleLbl>
+  <dgm:styleLbl name="fgAcc0">
+    <dgm:scene3d>
+      <a:camera prst="orthographicFront"/>
+      <a:lightRig rig="threePt" dir="t"/>
+    </dgm:scene3d>
+    <dgm:sp3d/>
+    <dgm:txPr/>
+    <dgm:style>
+      <a:lnRef idx="2">
+        <a:scrgbClr r="0" g="0" b="0"/>
+      </a:lnRef>
+      <a:fillRef idx="1">
+        <a:scrgbClr r="0" g="0" b="0"/>
+      </a:fillRef>
+      <a:effectRef idx="0">
+        <a:scrgbClr r="0" g="0" b="0"/>
+      </a:effectRef>
+      <a:fontRef idx="minor"/>
+    </dgm:style>
+  </dgm:styleLbl>
+  <dgm:styleLbl name="fgAcc2">
+    <dgm:scene3d>
+      <a:camera prst="orthographicFront"/>
+      <a:lightRig rig="threePt" dir="t"/>
+    </dgm:scene3d>
+    <dgm:sp3d/>
+    <dgm:txPr/>
+    <dgm:style>
+      <a:lnRef idx="2">
+        <a:scrgbClr r="0" g="0" b="0"/>
+      </a:lnRef>
+      <a:fillRef idx="1">
+        <a:scrgbClr r="0" g="0" b="0"/>
+      </a:fillRef>
+      <a:effectRef idx="0">
+        <a:scrgbClr r="0" g="0" b="0"/>
+      </a:effectRef>
+      <a:fontRef idx="minor"/>
+    </dgm:style>
+  </dgm:styleLbl>
+  <dgm:styleLbl name="fgAcc3">
+    <dgm:scene3d>
+      <a:camera prst="orthographicFront"/>
+      <a:lightRig rig="threePt" dir="t"/>
+    </dgm:scene3d>
+    <dgm:sp3d/>
+    <dgm:txPr/>
+    <dgm:style>
+      <a:lnRef idx="2">
+        <a:scrgbClr r="0" g="0" b="0"/>
+      </a:lnRef>
+      <a:fillRef idx="1">
+        <a:scrgbClr r="0" g="0" b="0"/>
+      </a:fillRef>
+      <a:effectRef idx="0">
+        <a:scrgbClr r="0" g="0" b="0"/>
+      </a:effectRef>
+      <a:fontRef idx="minor"/>
+    </dgm:style>
+  </dgm:styleLbl>
+  <dgm:styleLbl name="fgAcc4">
+    <dgm:scene3d>
+      <a:camera prst="orthographicFront"/>
+      <a:lightRig rig="threePt" dir="t"/>
+    </dgm:scene3d>
+    <dgm:sp3d/>
+    <dgm:txPr/>
+    <dgm:style>
+      <a:lnRef idx="2">
+        <a:scrgbClr r="0" g="0" b="0"/>
+      </a:lnRef>
+      <a:fillRef idx="1">
+        <a:scrgbClr r="0" g="0" b="0"/>
+      </a:fillRef>
+      <a:effectRef idx="0">
+        <a:scrgbClr r="0" g="0" b="0"/>
+      </a:effectRef>
+      <a:fontRef idx="minor"/>
+    </dgm:style>
+  </dgm:styleLbl>
+  <dgm:styleLbl name="bgShp">
+    <dgm:scene3d>
+      <a:camera prst="orthographicFront"/>
+      <a:lightRig rig="threePt" dir="t"/>
+    </dgm:scene3d>
+    <dgm:sp3d/>
+    <dgm:txPr/>
+    <dgm:style>
+      <a:lnRef idx="0">
+        <a:scrgbClr r="0" g="0" b="0"/>
+      </a:lnRef>
+      <a:fillRef idx="1">
+        <a:scrgbClr r="0" g="0" b="0"/>
+      </a:fillRef>
+      <a:effectRef idx="0">
+        <a:scrgbClr r="0" g="0" b="0"/>
+      </a:effectRef>
+      <a:fontRef idx="minor"/>
+    </dgm:style>
+  </dgm:styleLbl>
+  <dgm:styleLbl name="dkBgShp">
+    <dgm:scene3d>
+      <a:camera prst="orthographicFront"/>
+      <a:lightRig rig="threePt" dir="t"/>
+    </dgm:scene3d>
+    <dgm:sp3d/>
+    <dgm:txPr/>
+    <dgm:style>
+      <a:lnRef idx="0">
+        <a:scrgbClr r="0" g="0" b="0"/>
+      </a:lnRef>
+      <a:fillRef idx="1">
+        <a:scrgbClr r="0" g="0" b="0"/>
+      </a:fillRef>
+      <a:effectRef idx="0">
+        <a:scrgbClr r="0" g="0" b="0"/>
+      </a:effectRef>
+      <a:fontRef idx="minor"/>
+    </dgm:style>
+  </dgm:styleLbl>
+  <dgm:styleLbl name="trBgShp">
+    <dgm:scene3d>
+      <a:camera prst="orthographicFront"/>
+      <a:lightRig rig="threePt" dir="t"/>
+    </dgm:scene3d>
+    <dgm:sp3d/>
+    <dgm:txPr/>
+    <dgm:style>
+      <a:lnRef idx="0">
+        <a:scrgbClr r="0" g="0" b="0"/>
+      </a:lnRef>
+      <a:fillRef idx="1">
+        <a:scrgbClr r="0" g="0" b="0"/>
+      </a:fillRef>
+      <a:effectRef idx="0">
+        <a:scrgbClr r="0" g="0" b="0"/>
+      </a:effectRef>
+      <a:fontRef idx="minor"/>
+    </dgm:style>
+  </dgm:styleLbl>
+  <dgm:styleLbl name="fgShp">
+    <dgm:scene3d>
+      <a:camera prst="orthographicFront"/>
+      <a:lightRig rig="threePt" dir="t"/>
+    </dgm:scene3d>
+    <dgm:sp3d/>
+    <dgm:txPr/>
+    <dgm:style>
+      <a:lnRef idx="2">
+        <a:scrgbClr r="0" g="0" b="0"/>
+      </a:lnRef>
+      <a:fillRef idx="1">
+        <a:scrgbClr r="0" g="0" b="0"/>
+      </a:fillRef>
+      <a:effectRef idx="0">
+        <a:scrgbClr r="0" g="0" b="0"/>
+      </a:effectRef>
+      <a:fontRef idx="minor"/>
+    </dgm:style>
+  </dgm:styleLbl>
+  <dgm:styleLbl name="revTx">
+    <dgm:scene3d>
+      <a:camera prst="orthographicFront"/>
+      <a:lightRig rig="threePt" dir="t"/>
+    </dgm:scene3d>
+    <dgm:sp3d/>
+    <dgm:txPr/>
+    <dgm:style>
+      <a:lnRef idx="0">
+        <a:scrgbClr r="0" g="0" b="0"/>
+      </a:lnRef>
+      <a:fillRef idx="0">
+        <a:scrgbClr r="0" g="0" b="0"/>
+      </a:fillRef>
+      <a:effectRef idx="0">
+        <a:scrgbClr r="0" g="0" b="0"/>
+      </a:effectRef>
+      <a:fontRef idx="minor"/>
+    </dgm:style>
+  </dgm:styleLbl>
+</dgm:styleDef>
 </file>
 
 <file path=ppt/notesMasters/notesMaster1.xml><?xml version="1.0" encoding="utf-8"?>
@@ -4259,7 +6647,11 @@
             </a:pPr>
             <a:r>
               <a:rPr lang="en-AU" dirty="0" smtClean="0"/>
-              <a:t>Project Risk</a:t>
+              <a:t>Project </a:t>
+            </a:r>
+            <a:r>
+              <a:rPr lang="en-AU" dirty="0" smtClean="0"/>
+              <a:t>Risks</a:t>
             </a:r>
           </a:p>
           <a:p>
@@ -4272,8 +6664,44 @@
             </a:pPr>
             <a:r>
               <a:rPr lang="en-AU" dirty="0" smtClean="0"/>
-              <a:t>1 person </a:t>
-            </a:r>
+              <a:t>Risk Management Plan.</a:t>
+            </a:r>
+          </a:p>
+          <a:p>
+            <a:pPr lvl="1">
+              <a:buClr>
+                <a:srgbClr val="0070C0"/>
+              </a:buClr>
+              <a:buFont typeface="Wingdings" pitchFamily="2" charset="2"/>
+              <a:buChar char="Ø"/>
+            </a:pPr>
+            <a:r>
+              <a:rPr lang="en-AU" dirty="0" smtClean="0"/>
+              <a:t>Single Working Engineer.</a:t>
+            </a:r>
+          </a:p>
+          <a:p>
+            <a:pPr lvl="1">
+              <a:buClr>
+                <a:srgbClr val="0070C0"/>
+              </a:buClr>
+              <a:buFont typeface="Wingdings" pitchFamily="2" charset="2"/>
+              <a:buChar char="Ø"/>
+            </a:pPr>
+            <a:r>
+              <a:rPr lang="en-AU" dirty="0" smtClean="0"/>
+              <a:t>Possible complex control methods and high level of coding proficiency.</a:t>
+            </a:r>
+          </a:p>
+          <a:p>
+            <a:pPr lvl="1">
+              <a:buClr>
+                <a:srgbClr val="0070C0"/>
+              </a:buClr>
+              <a:buFont typeface="Wingdings" pitchFamily="2" charset="2"/>
+              <a:buChar char="Ø"/>
+            </a:pPr>
+            <a:endParaRPr lang="en-AU" dirty="0" smtClean="0"/>
           </a:p>
         </p:txBody>
       </p:sp>
@@ -4293,17 +6721,10 @@
           <a:lstStyle/>
           <a:p>
             <a:r>
-              <a:rPr lang="en-AU" smtClean="0"/>
-              <a:t>Commercial-in-Confidence</a:t>
-            </a:r>
-            <a:br>
-              <a:rPr lang="en-AU" smtClean="0"/>
-            </a:br>
-            <a:r>
-              <a:rPr lang="en-AU" smtClean="0"/>
-              <a:t>Do not distribute</a:t>
-            </a:r>
-            <a:endParaRPr lang="en-AU"/>
+              <a:rPr lang="en-AU" dirty="0" smtClean="0"/>
+              <a:t>Nicholas Rutherford</a:t>
+            </a:r>
+            <a:endParaRPr lang="en-AU" dirty="0"/>
           </a:p>
         </p:txBody>
       </p:sp>
@@ -5089,7 +7510,7 @@
         </p:blipFill>
         <p:spPr bwMode="auto">
           <a:xfrm>
-            <a:off x="4929190" y="3643314"/>
+            <a:off x="5143504" y="3714752"/>
             <a:ext cx="2900128" cy="2247890"/>
           </a:xfrm>
           <a:prstGeom prst="rect">
@@ -5105,6 +7526,40 @@
           <a:effectLst/>
         </p:spPr>
       </p:pic>
+      <p:sp>
+        <p:nvSpPr>
+          <p:cNvPr id="8" name="TextBox 7"/>
+          <p:cNvSpPr txBox="1"/>
+          <p:nvPr/>
+        </p:nvSpPr>
+        <p:spPr>
+          <a:xfrm rot="16200000">
+            <a:off x="6996516" y="4504946"/>
+            <a:ext cx="2428892" cy="276999"/>
+          </a:xfrm>
+          <a:prstGeom prst="rect">
+            <a:avLst/>
+          </a:prstGeom>
+          <a:noFill/>
+        </p:spPr>
+        <p:txBody>
+          <a:bodyPr wrap="square" rtlCol="0">
+            <a:spAutoFit/>
+          </a:bodyPr>
+          <a:lstStyle/>
+          <a:p>
+            <a:r>
+              <a:rPr lang="en-AU" sz="1200" i="1" dirty="0" err="1" smtClean="0"/>
+              <a:t>FlightGear</a:t>
+            </a:r>
+            <a:r>
+              <a:rPr lang="en-AU" sz="1200" i="1" dirty="0" smtClean="0"/>
+              <a:t> Flight Simulation</a:t>
+            </a:r>
+            <a:endParaRPr lang="en-AU" sz="1200" i="1" dirty="0"/>
+          </a:p>
+        </p:txBody>
+      </p:sp>
     </p:spTree>
   </p:cSld>
   <p:clrMapOvr>
@@ -5121,7 +7576,7 @@
 </file>
 
 <file path=ppt/slides/slide15.xml><?xml version="1.0" encoding="utf-8"?>
-<p:sld xmlns:a="http://schemas.openxmlformats.org/drawingml/2006/main" xmlns:r="http://schemas.openxmlformats.org/officeDocument/2006/relationships" xmlns:p="http://schemas.openxmlformats.org/presentationml/2006/main">
+<p:sld xmlns:a="http://schemas.openxmlformats.org/drawingml/2006/main" xmlns:r="http://schemas.openxmlformats.org/officeDocument/2006/relationships" xmlns:p="http://schemas.openxmlformats.org/presentationml/2006/main" showMasterSp="0">
   <p:cSld>
     <p:spTree>
       <p:nvGrpSpPr>
@@ -5137,79 +7592,6 @@
           <a:chExt cx="0" cy="0"/>
         </a:xfrm>
       </p:grpSpPr>
-      <p:sp>
-        <p:nvSpPr>
-          <p:cNvPr id="2" name="Title 1"/>
-          <p:cNvSpPr>
-            <a:spLocks noGrp="1"/>
-          </p:cNvSpPr>
-          <p:nvPr>
-            <p:ph type="title"/>
-          </p:nvPr>
-        </p:nvSpPr>
-        <p:spPr/>
-        <p:txBody>
-          <a:bodyPr/>
-          <a:lstStyle/>
-          <a:p>
-            <a:r>
-              <a:rPr lang="en-AU" sz="3600" b="0" u="none" dirty="0" err="1" smtClean="0"/>
-              <a:t>Simulink</a:t>
-            </a:r>
-            <a:r>
-              <a:rPr lang="en-AU" sz="3600" b="0" u="none" dirty="0" smtClean="0"/>
-              <a:t> Implementation</a:t>
-            </a:r>
-          </a:p>
-        </p:txBody>
-      </p:sp>
-      <p:sp>
-        <p:nvSpPr>
-          <p:cNvPr id="4" name="Footer Placeholder 3"/>
-          <p:cNvSpPr>
-            <a:spLocks noGrp="1"/>
-          </p:cNvSpPr>
-          <p:nvPr>
-            <p:ph type="ftr" sz="quarter" idx="11"/>
-          </p:nvPr>
-        </p:nvSpPr>
-        <p:spPr/>
-        <p:txBody>
-          <a:bodyPr/>
-          <a:lstStyle/>
-          <a:p>
-            <a:r>
-              <a:rPr lang="en-AU" dirty="0" smtClean="0"/>
-              <a:t>Nicholas Rutherford</a:t>
-            </a:r>
-            <a:endParaRPr lang="en-AU" dirty="0"/>
-          </a:p>
-        </p:txBody>
-      </p:sp>
-      <p:sp>
-        <p:nvSpPr>
-          <p:cNvPr id="5" name="Slide Number Placeholder 4"/>
-          <p:cNvSpPr>
-            <a:spLocks noGrp="1"/>
-          </p:cNvSpPr>
-          <p:nvPr>
-            <p:ph type="sldNum" sz="quarter" idx="12"/>
-          </p:nvPr>
-        </p:nvSpPr>
-        <p:spPr/>
-        <p:txBody>
-          <a:bodyPr/>
-          <a:lstStyle/>
-          <a:p>
-            <a:fld id="{67E377A3-AA8F-49BD-B6AB-3E7FC26AB1DC}" type="slidenum">
-              <a:rPr lang="en-AU" smtClean="0"/>
-              <a:pPr/>
-              <a:t>15</a:t>
-            </a:fld>
-            <a:endParaRPr lang="en-AU"/>
-          </a:p>
-        </p:txBody>
-      </p:sp>
       <p:pic>
         <p:nvPicPr>
           <p:cNvPr id="34818" name="Picture 2"/>
@@ -5227,8 +7609,8 @@
         </p:blipFill>
         <p:spPr bwMode="auto">
           <a:xfrm>
-            <a:off x="1071538" y="1285860"/>
-            <a:ext cx="6738840" cy="4643864"/>
+            <a:off x="1142976" y="228225"/>
+            <a:ext cx="8001024" cy="6272585"/>
           </a:xfrm>
           <a:prstGeom prst="rect">
             <a:avLst/>
@@ -5243,6 +7625,102 @@
           <a:effectLst/>
         </p:spPr>
       </p:pic>
+      <p:sp>
+        <p:nvSpPr>
+          <p:cNvPr id="6" name="Rectangle 5"/>
+          <p:cNvSpPr/>
+          <p:nvPr/>
+        </p:nvSpPr>
+        <p:spPr>
+          <a:xfrm rot="16200000">
+            <a:off x="-1325553" y="2087559"/>
+            <a:ext cx="3541354" cy="461665"/>
+          </a:xfrm>
+          <a:prstGeom prst="rect">
+            <a:avLst/>
+          </a:prstGeom>
+        </p:spPr>
+        <p:txBody>
+          <a:bodyPr wrap="none">
+            <a:spAutoFit/>
+          </a:bodyPr>
+          <a:lstStyle/>
+          <a:p>
+            <a:r>
+              <a:rPr lang="en-AU" sz="2400" dirty="0" err="1" smtClean="0"/>
+              <a:t>Simulink</a:t>
+            </a:r>
+            <a:r>
+              <a:rPr lang="en-AU" sz="2400" dirty="0" smtClean="0"/>
+              <a:t> Implementation</a:t>
+            </a:r>
+            <a:endParaRPr lang="en-AU" sz="2400" dirty="0"/>
+          </a:p>
+        </p:txBody>
+      </p:sp>
+      <p:pic>
+        <p:nvPicPr>
+          <p:cNvPr id="7" name="Picture 3"/>
+          <p:cNvPicPr>
+            <a:picLocks noChangeAspect="1" noChangeArrowheads="1"/>
+          </p:cNvPicPr>
+          <p:nvPr/>
+        </p:nvPicPr>
+        <p:blipFill>
+          <a:blip r:embed="rId3"/>
+          <a:srcRect/>
+          <a:stretch>
+            <a:fillRect/>
+          </a:stretch>
+        </p:blipFill>
+        <p:spPr bwMode="auto">
+          <a:xfrm rot="16200000">
+            <a:off x="-638175" y="5181600"/>
+            <a:ext cx="2314575" cy="1038225"/>
+          </a:xfrm>
+          <a:prstGeom prst="rect">
+            <a:avLst/>
+          </a:prstGeom>
+          <a:noFill/>
+          <a:ln w="9525">
+            <a:noFill/>
+            <a:miter lim="800000"/>
+            <a:headEnd/>
+            <a:tailEnd/>
+          </a:ln>
+          <a:effectLst/>
+        </p:spPr>
+      </p:pic>
+      <p:cxnSp>
+        <p:nvCxnSpPr>
+          <p:cNvPr id="8" name="Straight Connector 7"/>
+          <p:cNvCxnSpPr/>
+          <p:nvPr/>
+        </p:nvCxnSpPr>
+        <p:spPr>
+          <a:xfrm rot="5400000">
+            <a:off x="-2464619" y="3393281"/>
+            <a:ext cx="6858000" cy="71438"/>
+          </a:xfrm>
+          <a:prstGeom prst="line">
+            <a:avLst/>
+          </a:prstGeom>
+        </p:spPr>
+        <p:style>
+          <a:lnRef idx="1">
+            <a:schemeClr val="accent4"/>
+          </a:lnRef>
+          <a:fillRef idx="0">
+            <a:schemeClr val="accent4"/>
+          </a:fillRef>
+          <a:effectRef idx="0">
+            <a:schemeClr val="accent4"/>
+          </a:effectRef>
+          <a:fontRef idx="minor">
+            <a:schemeClr val="tx1"/>
+          </a:fontRef>
+        </p:style>
+      </p:cxnSp>
     </p:spTree>
   </p:cSld>
   <p:clrMapOvr>
@@ -5277,12 +7755,12 @@
       </p:grpSpPr>
       <p:sp>
         <p:nvSpPr>
-          <p:cNvPr id="2" name="Title 1"/>
+          <p:cNvPr id="4" name="Footer Placeholder 3"/>
           <p:cNvSpPr>
             <a:spLocks noGrp="1"/>
           </p:cNvSpPr>
           <p:nvPr>
-            <p:ph type="title"/>
+            <p:ph type="ftr" sz="quarter" idx="11"/>
           </p:nvPr>
         </p:nvSpPr>
         <p:spPr/>
@@ -5290,56 +7768,11 @@
           <a:bodyPr/>
           <a:lstStyle/>
           <a:p>
-            <a:endParaRPr lang="en-AU"/>
-          </a:p>
-        </p:txBody>
-      </p:sp>
-      <p:sp>
-        <p:nvSpPr>
-          <p:cNvPr id="3" name="Content Placeholder 2"/>
-          <p:cNvSpPr>
-            <a:spLocks noGrp="1"/>
-          </p:cNvSpPr>
-          <p:nvPr>
-            <p:ph idx="1"/>
-          </p:nvPr>
-        </p:nvSpPr>
-        <p:spPr/>
-        <p:txBody>
-          <a:bodyPr/>
-          <a:lstStyle/>
-          <a:p>
+            <a:r>
+              <a:rPr lang="en-AU" dirty="0" smtClean="0"/>
+              <a:t>Nicholas Rutherford</a:t>
+            </a:r>
             <a:endParaRPr lang="en-AU" dirty="0"/>
-          </a:p>
-        </p:txBody>
-      </p:sp>
-      <p:sp>
-        <p:nvSpPr>
-          <p:cNvPr id="4" name="Footer Placeholder 3"/>
-          <p:cNvSpPr>
-            <a:spLocks noGrp="1"/>
-          </p:cNvSpPr>
-          <p:nvPr>
-            <p:ph type="ftr" sz="quarter" idx="11"/>
-          </p:nvPr>
-        </p:nvSpPr>
-        <p:spPr/>
-        <p:txBody>
-          <a:bodyPr/>
-          <a:lstStyle/>
-          <a:p>
-            <a:r>
-              <a:rPr lang="en-AU" smtClean="0"/>
-              <a:t>Commercial-in-Confidence</a:t>
-            </a:r>
-            <a:br>
-              <a:rPr lang="en-AU" smtClean="0"/>
-            </a:br>
-            <a:r>
-              <a:rPr lang="en-AU" smtClean="0"/>
-              <a:t>Do not distribute</a:t>
-            </a:r>
-            <a:endParaRPr lang="en-AU"/>
           </a:p>
         </p:txBody>
       </p:sp>
@@ -5367,9 +7800,37 @@
           </a:p>
         </p:txBody>
       </p:sp>
+      <p:sp>
+        <p:nvSpPr>
+          <p:cNvPr id="7" name="Title 1"/>
+          <p:cNvSpPr>
+            <a:spLocks noGrp="1"/>
+          </p:cNvSpPr>
+          <p:nvPr>
+            <p:ph type="title"/>
+          </p:nvPr>
+        </p:nvSpPr>
+        <p:spPr>
+          <a:xfrm>
+            <a:off x="2051050" y="44450"/>
+            <a:ext cx="6769100" cy="1143000"/>
+          </a:xfrm>
+        </p:spPr>
+        <p:txBody>
+          <a:bodyPr/>
+          <a:lstStyle/>
+          <a:p>
+            <a:r>
+              <a:rPr lang="en-AU" sz="3600" b="0" u="none" dirty="0" smtClean="0"/>
+              <a:t>Flight Trajectory</a:t>
+            </a:r>
+            <a:endParaRPr lang="en-AU" sz="3600" b="0" u="none" dirty="0"/>
+          </a:p>
+        </p:txBody>
+      </p:sp>
       <p:pic>
         <p:nvPicPr>
-          <p:cNvPr id="6" name="Picture 5" descr="6dofpfmsflight.bmp"/>
+          <p:cNvPr id="8" name="Picture 7" descr="flighttraj.bmp"/>
           <p:cNvPicPr>
             <a:picLocks noChangeAspect="1"/>
           </p:cNvPicPr>
@@ -5377,14 +7838,15 @@
         </p:nvPicPr>
         <p:blipFill>
           <a:blip r:embed="rId2"/>
+          <a:srcRect l="9375" t="31307" r="7812" b="12885"/>
           <a:stretch>
             <a:fillRect/>
           </a:stretch>
         </p:blipFill>
         <p:spPr>
           <a:xfrm>
-            <a:off x="0" y="804862"/>
-            <a:ext cx="9144000" cy="5248275"/>
+            <a:off x="642910" y="2214554"/>
+            <a:ext cx="7572428" cy="2928958"/>
           </a:xfrm>
           <a:prstGeom prst="rect">
             <a:avLst/>
@@ -5440,20 +7902,20 @@
           <a:p>
             <a:r>
               <a:rPr lang="en-AU" sz="3600" b="0" u="none" dirty="0" smtClean="0"/>
-              <a:t>System Validation</a:t>
-            </a:r>
-            <a:endParaRPr lang="en-AU" sz="3600" b="0" u="none" dirty="0"/>
-          </a:p>
-        </p:txBody>
-      </p:sp>
-      <p:sp>
-        <p:nvSpPr>
-          <p:cNvPr id="3" name="Content Placeholder 2"/>
+              <a:t>System Logs</a:t>
+            </a:r>
+            <a:endParaRPr lang="en-AU" sz="3600" b="0" u="none" dirty="0" smtClean="0"/>
+          </a:p>
+        </p:txBody>
+      </p:sp>
+      <p:sp>
+        <p:nvSpPr>
+          <p:cNvPr id="4" name="Footer Placeholder 3"/>
           <p:cNvSpPr>
             <a:spLocks noGrp="1"/>
           </p:cNvSpPr>
           <p:nvPr>
-            <p:ph idx="1"/>
+            <p:ph type="ftr" sz="quarter" idx="11"/>
           </p:nvPr>
         </p:nvSpPr>
         <p:spPr/>
@@ -5461,83 +7923,11 @@
           <a:bodyPr/>
           <a:lstStyle/>
           <a:p>
-            <a:pPr>
-              <a:buClr>
-                <a:srgbClr val="0070C0"/>
-              </a:buClr>
-              <a:buFont typeface="Wingdings" pitchFamily="2" charset="2"/>
-              <a:buChar char="q"/>
-            </a:pPr>
             <a:r>
               <a:rPr lang="en-AU" dirty="0" smtClean="0"/>
-              <a:t>Not official testing conditions.</a:t>
-            </a:r>
-          </a:p>
-          <a:p>
-            <a:pPr>
-              <a:buClr>
-                <a:srgbClr val="0070C0"/>
-              </a:buClr>
-              <a:buFont typeface="Wingdings" pitchFamily="2" charset="2"/>
-              <a:buChar char="q"/>
-            </a:pPr>
-            <a:r>
-              <a:rPr lang="en-AU" dirty="0" smtClean="0"/>
-              <a:t>Compare Standard telemetry.</a:t>
-            </a:r>
-          </a:p>
-          <a:p>
-            <a:pPr>
-              <a:buClr>
-                <a:srgbClr val="0070C0"/>
-              </a:buClr>
-              <a:buFont typeface="Wingdings" pitchFamily="2" charset="2"/>
-              <a:buChar char="q"/>
-            </a:pPr>
-            <a:endParaRPr lang="en-AU" sz="1800" dirty="0" smtClean="0"/>
-          </a:p>
-          <a:p>
-            <a:pPr>
-              <a:buClr>
-                <a:srgbClr val="0070C0"/>
-              </a:buClr>
-              <a:buFont typeface="Wingdings" pitchFamily="2" charset="2"/>
-              <a:buChar char="q"/>
-            </a:pPr>
-            <a:r>
-              <a:rPr lang="en-AU" sz="1800" dirty="0" smtClean="0"/>
-              <a:t>PLOTS FOR PROOF</a:t>
-            </a:r>
-          </a:p>
-        </p:txBody>
-      </p:sp>
-      <p:sp>
-        <p:nvSpPr>
-          <p:cNvPr id="4" name="Footer Placeholder 3"/>
-          <p:cNvSpPr>
-            <a:spLocks noGrp="1"/>
-          </p:cNvSpPr>
-          <p:nvPr>
-            <p:ph type="ftr" sz="quarter" idx="11"/>
-          </p:nvPr>
-        </p:nvSpPr>
-        <p:spPr/>
-        <p:txBody>
-          <a:bodyPr/>
-          <a:lstStyle/>
-          <a:p>
-            <a:r>
-              <a:rPr lang="en-AU" smtClean="0"/>
-              <a:t>Commercial-in-Confidence</a:t>
-            </a:r>
-            <a:br>
-              <a:rPr lang="en-AU" smtClean="0"/>
-            </a:br>
-            <a:r>
-              <a:rPr lang="en-AU" smtClean="0"/>
-              <a:t>Do not distribute</a:t>
-            </a:r>
-            <a:endParaRPr lang="en-AU"/>
+              <a:t>Nicholas Rutherford</a:t>
+            </a:r>
+            <a:endParaRPr lang="en-AU" dirty="0"/>
           </a:p>
         </p:txBody>
       </p:sp>
@@ -5565,18 +7955,83 @@
           </a:p>
         </p:txBody>
       </p:sp>
+      <p:pic>
+        <p:nvPicPr>
+          <p:cNvPr id="7" name="Picture 6" descr="inputcommands.bmp"/>
+          <p:cNvPicPr>
+            <a:picLocks noChangeAspect="1"/>
+          </p:cNvPicPr>
+          <p:nvPr/>
+        </p:nvPicPr>
+        <p:blipFill>
+          <a:blip r:embed="rId2"/>
+          <a:stretch>
+            <a:fillRect/>
+          </a:stretch>
+        </p:blipFill>
+        <p:spPr>
+          <a:xfrm>
+            <a:off x="142844" y="1142984"/>
+            <a:ext cx="4286248" cy="2460128"/>
+          </a:xfrm>
+          <a:prstGeom prst="rect">
+            <a:avLst/>
+          </a:prstGeom>
+        </p:spPr>
+      </p:pic>
+      <p:pic>
+        <p:nvPicPr>
+          <p:cNvPr id="8" name="Picture 7" descr="euler.bmp"/>
+          <p:cNvPicPr>
+            <a:picLocks noChangeAspect="1"/>
+          </p:cNvPicPr>
+          <p:nvPr/>
+        </p:nvPicPr>
+        <p:blipFill>
+          <a:blip r:embed="rId3"/>
+          <a:stretch>
+            <a:fillRect/>
+          </a:stretch>
+        </p:blipFill>
+        <p:spPr>
+          <a:xfrm>
+            <a:off x="4572000" y="1142984"/>
+            <a:ext cx="4214842" cy="2419144"/>
+          </a:xfrm>
+          <a:prstGeom prst="rect">
+            <a:avLst/>
+          </a:prstGeom>
+        </p:spPr>
+      </p:pic>
+      <p:pic>
+        <p:nvPicPr>
+          <p:cNvPr id="9" name="Picture 8" descr="flightdynamics.bmp"/>
+          <p:cNvPicPr>
+            <a:picLocks noChangeAspect="1"/>
+          </p:cNvPicPr>
+          <p:nvPr/>
+        </p:nvPicPr>
+        <p:blipFill>
+          <a:blip r:embed="rId4"/>
+          <a:stretch>
+            <a:fillRect/>
+          </a:stretch>
+        </p:blipFill>
+        <p:spPr>
+          <a:xfrm>
+            <a:off x="2143108" y="3643314"/>
+            <a:ext cx="4357686" cy="2501130"/>
+          </a:xfrm>
+          <a:prstGeom prst="rect">
+            <a:avLst/>
+          </a:prstGeom>
+        </p:spPr>
+      </p:pic>
     </p:spTree>
   </p:cSld>
   <p:clrMapOvr>
     <a:masterClrMapping/>
   </p:clrMapOvr>
-  <p:timing>
-    <p:tnLst>
-      <p:par>
-        <p:cTn id="1" dur="indefinite" restart="never" nodeType="tmRoot"/>
-      </p:par>
-    </p:tnLst>
-  </p:timing>
 </p:sld>
 </file>
 
@@ -5614,7 +8069,7 @@
           <a:p>
             <a:r>
               <a:rPr lang="en-AU" sz="3600" b="0" u="none" dirty="0" smtClean="0"/>
-              <a:t>Project Future and Final Notes</a:t>
+              <a:t>System Validation</a:t>
             </a:r>
             <a:endParaRPr lang="en-AU" sz="3600" b="0" u="none" dirty="0"/>
           </a:p>
@@ -5630,7 +8085,12 @@
             <p:ph idx="1"/>
           </p:nvPr>
         </p:nvSpPr>
-        <p:spPr/>
+        <p:spPr>
+          <a:xfrm>
+            <a:off x="323851" y="1268413"/>
+            <a:ext cx="4462464" cy="5040312"/>
+          </a:xfrm>
+        </p:spPr>
         <p:txBody>
           <a:bodyPr/>
           <a:lstStyle/>
@@ -5642,9 +8102,27 @@
               <a:buFont typeface="Wingdings" pitchFamily="2" charset="2"/>
               <a:buChar char="q"/>
             </a:pPr>
-            <a:r>
-              <a:rPr lang="en-AU" sz="2400" dirty="0" smtClean="0"/>
-              <a:t>Final Key Points of interest	</a:t>
+            <a:endParaRPr lang="en-AU" dirty="0" smtClean="0"/>
+          </a:p>
+          <a:p>
+            <a:pPr>
+              <a:buClr>
+                <a:srgbClr val="0070C0"/>
+              </a:buClr>
+              <a:buFont typeface="Wingdings" pitchFamily="2" charset="2"/>
+              <a:buChar char="q"/>
+            </a:pPr>
+            <a:r>
+              <a:rPr lang="en-AU" dirty="0" smtClean="0"/>
+              <a:t>Not </a:t>
+            </a:r>
+            <a:r>
+              <a:rPr lang="en-AU" dirty="0" smtClean="0"/>
+              <a:t>official testing conditions</a:t>
+            </a:r>
+            <a:r>
+              <a:rPr lang="en-AU" dirty="0" smtClean="0"/>
+              <a:t>.</a:t>
             </a:r>
           </a:p>
           <a:p>
@@ -5656,8 +8134,8 @@
               <a:buChar char="Ø"/>
             </a:pPr>
             <a:r>
-              <a:rPr lang="en-AU" sz="2000" dirty="0" smtClean="0"/>
-              <a:t>Processing capability.</a:t>
+              <a:rPr lang="en-AU" dirty="0" smtClean="0"/>
+              <a:t>Future controlled tests already planned.</a:t>
             </a:r>
           </a:p>
           <a:p>
@@ -5669,108 +8147,10 @@
               <a:buChar char="Ø"/>
             </a:pPr>
             <a:r>
-              <a:rPr lang="en-AU" sz="2000" dirty="0" smtClean="0"/>
-              <a:t>Other PFMS applications.</a:t>
-            </a:r>
-          </a:p>
-          <a:p>
-            <a:pPr>
-              <a:buClr>
-                <a:srgbClr val="0070C0"/>
-              </a:buClr>
-              <a:buFont typeface="Wingdings" pitchFamily="2" charset="2"/>
-              <a:buChar char="q"/>
-            </a:pPr>
-            <a:r>
-              <a:rPr lang="en-AU" sz="2400" dirty="0" smtClean="0"/>
-              <a:t>Project future</a:t>
-            </a:r>
-          </a:p>
-          <a:p>
-            <a:pPr lvl="1">
-              <a:buClr>
-                <a:srgbClr val="0070C0"/>
-              </a:buClr>
-              <a:buFont typeface="Wingdings" pitchFamily="2" charset="2"/>
-              <a:buChar char="Ø"/>
-            </a:pPr>
-            <a:r>
-              <a:rPr lang="en-AU" sz="2000" dirty="0" smtClean="0"/>
-              <a:t>Implementation onboard a UAS and testing and validation using standard telemetry.</a:t>
-            </a:r>
-          </a:p>
-          <a:p>
-            <a:pPr lvl="1">
-              <a:buClr>
-                <a:srgbClr val="0070C0"/>
-              </a:buClr>
-              <a:buFont typeface="Wingdings" pitchFamily="2" charset="2"/>
-              <a:buChar char="Ø"/>
-            </a:pPr>
-            <a:r>
-              <a:rPr lang="en-AU" sz="2000" dirty="0" smtClean="0"/>
-              <a:t>Required implementation in C++. </a:t>
-            </a:r>
-          </a:p>
-          <a:p>
-            <a:pPr lvl="2">
-              <a:buClr>
-                <a:srgbClr val="0070C0"/>
-              </a:buClr>
-              <a:buFont typeface="Wingdings" pitchFamily="2" charset="2"/>
-              <a:buChar char="q"/>
-            </a:pPr>
-            <a:r>
-              <a:rPr lang="en-AU" sz="1800" dirty="0" err="1" smtClean="0"/>
-              <a:t>Matlab</a:t>
-            </a:r>
-            <a:r>
-              <a:rPr lang="en-AU" sz="1800" dirty="0" smtClean="0"/>
-              <a:t> Real Time Workshop for building </a:t>
-            </a:r>
-            <a:r>
-              <a:rPr lang="en-AU" sz="1800" dirty="0" err="1" smtClean="0"/>
-              <a:t>Simulink</a:t>
-            </a:r>
-            <a:r>
-              <a:rPr lang="en-AU" sz="1800" dirty="0" smtClean="0"/>
-              <a:t> Model.</a:t>
-            </a:r>
-          </a:p>
-          <a:p>
-            <a:pPr lvl="1">
-              <a:buClr>
-                <a:srgbClr val="0070C0"/>
-              </a:buClr>
-              <a:buFont typeface="Wingdings" pitchFamily="2" charset="2"/>
-              <a:buChar char="Ø"/>
-            </a:pPr>
-            <a:r>
-              <a:rPr lang="en-AU" sz="2000" dirty="0" smtClean="0"/>
-              <a:t>Introduction of advanced concepts.</a:t>
-            </a:r>
-          </a:p>
-          <a:p>
-            <a:pPr lvl="2">
-              <a:buClr>
-                <a:srgbClr val="0070C0"/>
-              </a:buClr>
-              <a:buFont typeface="Wingdings" pitchFamily="2" charset="2"/>
-              <a:buChar char="q"/>
-            </a:pPr>
-            <a:endParaRPr lang="en-AU" sz="1800" dirty="0" smtClean="0"/>
-          </a:p>
-          <a:p>
-            <a:pPr lvl="1">
-              <a:buNone/>
-            </a:pPr>
+              <a:rPr lang="en-AU" dirty="0" smtClean="0"/>
+              <a:t>Capture and compare standard telemetry.</a:t>
+            </a:r>
             <a:endParaRPr lang="en-AU" dirty="0" smtClean="0"/>
-          </a:p>
-          <a:p>
-            <a:pPr lvl="1">
-              <a:buNone/>
-            </a:pPr>
-            <a:endParaRPr lang="en-AU" dirty="0"/>
           </a:p>
         </p:txBody>
       </p:sp>
@@ -5821,6 +8201,30 @@
           </a:p>
         </p:txBody>
       </p:sp>
+      <p:pic>
+        <p:nvPicPr>
+          <p:cNvPr id="6" name="Picture 5" descr="trajflam.bmp"/>
+          <p:cNvPicPr>
+            <a:picLocks noChangeAspect="1"/>
+          </p:cNvPicPr>
+          <p:nvPr/>
+        </p:nvPicPr>
+        <p:blipFill>
+          <a:blip r:embed="rId2"/>
+          <a:stretch>
+            <a:fillRect/>
+          </a:stretch>
+        </p:blipFill>
+        <p:spPr>
+          <a:xfrm>
+            <a:off x="4643438" y="1785926"/>
+            <a:ext cx="4385605" cy="3281372"/>
+          </a:xfrm>
+          <a:prstGeom prst="rect">
+            <a:avLst/>
+          </a:prstGeom>
+        </p:spPr>
+      </p:pic>
     </p:spTree>
   </p:cSld>
   <p:clrMapOvr>
@@ -5869,9 +8273,10 @@
           <a:lstStyle/>
           <a:p>
             <a:r>
-              <a:rPr lang="en-AU" sz="4600" b="0" u="none" dirty="0"/>
-              <a:t>Conclusions</a:t>
-            </a:r>
+              <a:rPr lang="en-AU" sz="3600" b="0" u="none" dirty="0" smtClean="0"/>
+              <a:t>Project Future and Final Notes</a:t>
+            </a:r>
+            <a:endParaRPr lang="en-AU" sz="3600" b="0" u="none" dirty="0"/>
           </a:p>
         </p:txBody>
       </p:sp>
@@ -5898,8 +8303,34 @@
               <a:buChar char="q"/>
             </a:pPr>
             <a:r>
-              <a:rPr lang="en-AU" sz="1800" dirty="0" smtClean="0"/>
-              <a:t>Predictive Flight Management System Concept</a:t>
+              <a:rPr lang="en-AU" sz="2400" dirty="0" smtClean="0"/>
+              <a:t>Final Key Points of interest	</a:t>
+            </a:r>
+          </a:p>
+          <a:p>
+            <a:pPr lvl="1">
+              <a:buClr>
+                <a:srgbClr val="0070C0"/>
+              </a:buClr>
+              <a:buFont typeface="Wingdings" pitchFamily="2" charset="2"/>
+              <a:buChar char="Ø"/>
+            </a:pPr>
+            <a:r>
+              <a:rPr lang="en-AU" sz="2000" dirty="0" smtClean="0"/>
+              <a:t>Processing capability.</a:t>
+            </a:r>
+          </a:p>
+          <a:p>
+            <a:pPr lvl="1">
+              <a:buClr>
+                <a:srgbClr val="0070C0"/>
+              </a:buClr>
+              <a:buFont typeface="Wingdings" pitchFamily="2" charset="2"/>
+              <a:buChar char="Ø"/>
+            </a:pPr>
+            <a:r>
+              <a:rPr lang="en-AU" sz="2000" dirty="0" smtClean="0"/>
+              <a:t>Other PFMS applications.</a:t>
             </a:r>
           </a:p>
           <a:p>
@@ -5911,6 +8342,1050 @@
               <a:buChar char="q"/>
             </a:pPr>
             <a:r>
+              <a:rPr lang="en-AU" sz="2400" dirty="0" smtClean="0"/>
+              <a:t>Project future</a:t>
+            </a:r>
+          </a:p>
+          <a:p>
+            <a:pPr lvl="1">
+              <a:buClr>
+                <a:srgbClr val="0070C0"/>
+              </a:buClr>
+              <a:buFont typeface="Wingdings" pitchFamily="2" charset="2"/>
+              <a:buChar char="Ø"/>
+            </a:pPr>
+            <a:r>
+              <a:rPr lang="en-AU" sz="2000" dirty="0" smtClean="0"/>
+              <a:t>Implementation onboard a UAS and testing and validation using standard telemetry.</a:t>
+            </a:r>
+          </a:p>
+          <a:p>
+            <a:pPr lvl="1">
+              <a:buClr>
+                <a:srgbClr val="0070C0"/>
+              </a:buClr>
+              <a:buFont typeface="Wingdings" pitchFamily="2" charset="2"/>
+              <a:buChar char="Ø"/>
+            </a:pPr>
+            <a:r>
+              <a:rPr lang="en-AU" sz="2000" dirty="0" smtClean="0"/>
+              <a:t>Required implementation in C++. </a:t>
+            </a:r>
+          </a:p>
+          <a:p>
+            <a:pPr lvl="2">
+              <a:buClr>
+                <a:srgbClr val="0070C0"/>
+              </a:buClr>
+              <a:buFont typeface="Courier New" pitchFamily="49" charset="0"/>
+              <a:buChar char="o"/>
+            </a:pPr>
+            <a:r>
+              <a:rPr lang="en-AU" sz="1800" dirty="0" err="1" smtClean="0"/>
+              <a:t>Matlab</a:t>
+            </a:r>
+            <a:r>
+              <a:rPr lang="en-AU" sz="1800" dirty="0" smtClean="0"/>
+              <a:t> Real Time Workshop for building </a:t>
+            </a:r>
+            <a:r>
+              <a:rPr lang="en-AU" sz="1800" dirty="0" err="1" smtClean="0"/>
+              <a:t>Simulink</a:t>
+            </a:r>
+            <a:r>
+              <a:rPr lang="en-AU" sz="1800" dirty="0" smtClean="0"/>
+              <a:t> Model.</a:t>
+            </a:r>
+          </a:p>
+          <a:p>
+            <a:pPr lvl="1">
+              <a:buClr>
+                <a:srgbClr val="0070C0"/>
+              </a:buClr>
+              <a:buFont typeface="Wingdings" pitchFamily="2" charset="2"/>
+              <a:buChar char="Ø"/>
+            </a:pPr>
+            <a:r>
+              <a:rPr lang="en-AU" sz="2000" dirty="0" smtClean="0"/>
+              <a:t>Introduction of advanced concepts.</a:t>
+            </a:r>
+          </a:p>
+          <a:p>
+            <a:pPr lvl="2">
+              <a:buClr>
+                <a:srgbClr val="0070C0"/>
+              </a:buClr>
+              <a:buFont typeface="Wingdings" pitchFamily="2" charset="2"/>
+              <a:buChar char="q"/>
+            </a:pPr>
+            <a:endParaRPr lang="en-AU" sz="1800" dirty="0" smtClean="0"/>
+          </a:p>
+          <a:p>
+            <a:pPr lvl="1">
+              <a:buNone/>
+            </a:pPr>
+            <a:endParaRPr lang="en-AU" dirty="0" smtClean="0"/>
+          </a:p>
+          <a:p>
+            <a:pPr lvl="1">
+              <a:buNone/>
+            </a:pPr>
+            <a:endParaRPr lang="en-AU" dirty="0"/>
+          </a:p>
+        </p:txBody>
+      </p:sp>
+      <p:sp>
+        <p:nvSpPr>
+          <p:cNvPr id="4" name="Footer Placeholder 3"/>
+          <p:cNvSpPr>
+            <a:spLocks noGrp="1"/>
+          </p:cNvSpPr>
+          <p:nvPr>
+            <p:ph type="ftr" sz="quarter" idx="11"/>
+          </p:nvPr>
+        </p:nvSpPr>
+        <p:spPr/>
+        <p:txBody>
+          <a:bodyPr/>
+          <a:lstStyle/>
+          <a:p>
+            <a:r>
+              <a:rPr lang="en-AU" dirty="0" smtClean="0"/>
+              <a:t>Nicholas Rutherford</a:t>
+            </a:r>
+            <a:endParaRPr lang="en-AU" dirty="0"/>
+          </a:p>
+        </p:txBody>
+      </p:sp>
+      <p:sp>
+        <p:nvSpPr>
+          <p:cNvPr id="5" name="Slide Number Placeholder 4"/>
+          <p:cNvSpPr>
+            <a:spLocks noGrp="1"/>
+          </p:cNvSpPr>
+          <p:nvPr>
+            <p:ph type="sldNum" sz="quarter" idx="12"/>
+          </p:nvPr>
+        </p:nvSpPr>
+        <p:spPr/>
+        <p:txBody>
+          <a:bodyPr/>
+          <a:lstStyle/>
+          <a:p>
+            <a:fld id="{67E377A3-AA8F-49BD-B6AB-3E7FC26AB1DC}" type="slidenum">
+              <a:rPr lang="en-AU" smtClean="0"/>
+              <a:pPr/>
+              <a:t>19</a:t>
+            </a:fld>
+            <a:endParaRPr lang="en-AU"/>
+          </a:p>
+        </p:txBody>
+      </p:sp>
+    </p:spTree>
+  </p:cSld>
+  <p:clrMapOvr>
+    <a:masterClrMapping/>
+  </p:clrMapOvr>
+  <p:timing>
+    <p:tnLst>
+      <p:par>
+        <p:cTn id="1" dur="indefinite" restart="never" nodeType="tmRoot"/>
+      </p:par>
+    </p:tnLst>
+  </p:timing>
+</p:sld>
+</file>
+
+<file path=ppt/slides/slide2.xml><?xml version="1.0" encoding="utf-8"?>
+<p:sld xmlns:a="http://schemas.openxmlformats.org/drawingml/2006/main" xmlns:r="http://schemas.openxmlformats.org/officeDocument/2006/relationships" xmlns:p="http://schemas.openxmlformats.org/presentationml/2006/main">
+  <p:cSld>
+    <p:spTree>
+      <p:nvGrpSpPr>
+        <p:cNvPr id="1" name=""/>
+        <p:cNvGrpSpPr/>
+        <p:nvPr/>
+      </p:nvGrpSpPr>
+      <p:grpSpPr>
+        <a:xfrm>
+          <a:off x="0" y="0"/>
+          <a:ext cx="0" cy="0"/>
+          <a:chOff x="0" y="0"/>
+          <a:chExt cx="0" cy="0"/>
+        </a:xfrm>
+      </p:grpSpPr>
+      <p:sp>
+        <p:nvSpPr>
+          <p:cNvPr id="26626" name="Title 1"/>
+          <p:cNvSpPr>
+            <a:spLocks noGrp="1"/>
+          </p:cNvSpPr>
+          <p:nvPr>
+            <p:ph type="title"/>
+          </p:nvPr>
+        </p:nvSpPr>
+        <p:spPr/>
+        <p:txBody>
+          <a:bodyPr/>
+          <a:lstStyle/>
+          <a:p>
+            <a:r>
+              <a:rPr lang="en-AU" sz="4000" b="0" u="none" dirty="0" smtClean="0"/>
+              <a:t>QUT UAS </a:t>
+            </a:r>
+            <a:r>
+              <a:rPr lang="en-AU" sz="4000" b="0" u="none" dirty="0" smtClean="0"/>
+              <a:t>Team</a:t>
+            </a:r>
+          </a:p>
+        </p:txBody>
+      </p:sp>
+      <p:sp>
+        <p:nvSpPr>
+          <p:cNvPr id="26627" name="Footer Placeholder 3"/>
+          <p:cNvSpPr>
+            <a:spLocks noGrp="1"/>
+          </p:cNvSpPr>
+          <p:nvPr>
+            <p:ph type="ftr" sz="quarter" idx="11"/>
+          </p:nvPr>
+        </p:nvSpPr>
+        <p:spPr>
+          <a:noFill/>
+        </p:spPr>
+        <p:txBody>
+          <a:bodyPr/>
+          <a:lstStyle/>
+          <a:p>
+            <a:r>
+              <a:rPr lang="en-AU" dirty="0" smtClean="0"/>
+              <a:t>Luis </a:t>
+            </a:r>
+            <a:r>
+              <a:rPr lang="en-AU" dirty="0" err="1" smtClean="0"/>
+              <a:t>Mejias</a:t>
+            </a:r>
+            <a:endParaRPr lang="en-AU" dirty="0" smtClean="0"/>
+          </a:p>
+        </p:txBody>
+      </p:sp>
+      <p:sp>
+        <p:nvSpPr>
+          <p:cNvPr id="26628" name="Slide Number Placeholder 4"/>
+          <p:cNvSpPr>
+            <a:spLocks noGrp="1"/>
+          </p:cNvSpPr>
+          <p:nvPr>
+            <p:ph type="sldNum" sz="quarter" idx="12"/>
+          </p:nvPr>
+        </p:nvSpPr>
+        <p:spPr>
+          <a:xfrm>
+            <a:off x="6659563" y="6381750"/>
+            <a:ext cx="2133600" cy="339725"/>
+          </a:xfrm>
+          <a:noFill/>
+        </p:spPr>
+        <p:txBody>
+          <a:bodyPr/>
+          <a:lstStyle/>
+          <a:p>
+            <a:fld id="{A08AACD0-A13F-490A-A4CA-15DBE4A7C077}" type="slidenum">
+              <a:rPr lang="en-AU" smtClean="0"/>
+              <a:pPr/>
+              <a:t>2</a:t>
+            </a:fld>
+            <a:endParaRPr lang="en-AU" dirty="0" smtClean="0"/>
+          </a:p>
+        </p:txBody>
+      </p:sp>
+      <p:sp>
+        <p:nvSpPr>
+          <p:cNvPr id="26629" name="Rectangle 2"/>
+          <p:cNvSpPr>
+            <a:spLocks noChangeArrowheads="1"/>
+          </p:cNvSpPr>
+          <p:nvPr/>
+        </p:nvSpPr>
+        <p:spPr bwMode="auto">
+          <a:xfrm>
+            <a:off x="0" y="0"/>
+            <a:ext cx="9144000" cy="0"/>
+          </a:xfrm>
+          <a:prstGeom prst="rect">
+            <a:avLst/>
+          </a:prstGeom>
+          <a:noFill/>
+          <a:ln w="9525">
+            <a:noFill/>
+            <a:miter lim="800000"/>
+            <a:headEnd/>
+            <a:tailEnd/>
+          </a:ln>
+        </p:spPr>
+        <p:txBody>
+          <a:bodyPr wrap="none" anchor="ctr">
+            <a:spAutoFit/>
+          </a:bodyPr>
+          <a:lstStyle/>
+          <a:p>
+            <a:endParaRPr lang="en-US" dirty="0"/>
+          </a:p>
+        </p:txBody>
+      </p:sp>
+      <p:sp>
+        <p:nvSpPr>
+          <p:cNvPr id="26632" name="Rectangle 8"/>
+          <p:cNvSpPr>
+            <a:spLocks noChangeArrowheads="1"/>
+          </p:cNvSpPr>
+          <p:nvPr/>
+        </p:nvSpPr>
+        <p:spPr bwMode="auto">
+          <a:xfrm>
+            <a:off x="1697032" y="2724137"/>
+            <a:ext cx="2087563" cy="863600"/>
+          </a:xfrm>
+          <a:prstGeom prst="rect">
+            <a:avLst/>
+          </a:prstGeom>
+          <a:ln>
+            <a:headEnd/>
+            <a:tailEnd/>
+          </a:ln>
+        </p:spPr>
+        <p:style>
+          <a:lnRef idx="1">
+            <a:schemeClr val="accent5"/>
+          </a:lnRef>
+          <a:fillRef idx="2">
+            <a:schemeClr val="accent5"/>
+          </a:fillRef>
+          <a:effectRef idx="1">
+            <a:schemeClr val="accent5"/>
+          </a:effectRef>
+          <a:fontRef idx="minor">
+            <a:schemeClr val="dk1"/>
+          </a:fontRef>
+        </p:style>
+        <p:txBody>
+          <a:bodyPr wrap="none" anchor="ctr"/>
+          <a:lstStyle/>
+          <a:p>
+            <a:pPr algn="ctr"/>
+            <a:r>
+              <a:rPr lang="en-AU" sz="1400" dirty="0">
+                <a:solidFill>
+                  <a:schemeClr val="tx1"/>
+                </a:solidFill>
+              </a:rPr>
+              <a:t>Scott McNamara</a:t>
+            </a:r>
+          </a:p>
+          <a:p>
+            <a:pPr algn="ctr"/>
+            <a:r>
+              <a:rPr lang="en-AU" sz="1200" dirty="0">
+                <a:solidFill>
+                  <a:schemeClr val="tx1"/>
+                </a:solidFill>
+              </a:rPr>
+              <a:t>UAV/payload controller</a:t>
+            </a:r>
+          </a:p>
+        </p:txBody>
+      </p:sp>
+      <p:sp>
+        <p:nvSpPr>
+          <p:cNvPr id="26633" name="Rectangle 9"/>
+          <p:cNvSpPr>
+            <a:spLocks noChangeArrowheads="1"/>
+          </p:cNvSpPr>
+          <p:nvPr/>
+        </p:nvSpPr>
+        <p:spPr bwMode="auto">
+          <a:xfrm>
+            <a:off x="3857620" y="2722550"/>
+            <a:ext cx="2087562" cy="865187"/>
+          </a:xfrm>
+          <a:prstGeom prst="rect">
+            <a:avLst/>
+          </a:prstGeom>
+          <a:ln>
+            <a:headEnd/>
+            <a:tailEnd/>
+          </a:ln>
+        </p:spPr>
+        <p:style>
+          <a:lnRef idx="1">
+            <a:schemeClr val="accent5"/>
+          </a:lnRef>
+          <a:fillRef idx="2">
+            <a:schemeClr val="accent5"/>
+          </a:fillRef>
+          <a:effectRef idx="1">
+            <a:schemeClr val="accent5"/>
+          </a:effectRef>
+          <a:fontRef idx="minor">
+            <a:schemeClr val="dk1"/>
+          </a:fontRef>
+        </p:style>
+        <p:txBody>
+          <a:bodyPr wrap="none" anchor="ctr"/>
+          <a:lstStyle/>
+          <a:p>
+            <a:pPr algn="ctr"/>
+            <a:r>
+              <a:rPr lang="en-AU" sz="1400" dirty="0">
+                <a:solidFill>
+                  <a:schemeClr val="tx1"/>
+                </a:solidFill>
+              </a:rPr>
+              <a:t>Rhys </a:t>
+            </a:r>
+            <a:r>
+              <a:rPr lang="en-AU" sz="1400" dirty="0" err="1">
+                <a:solidFill>
+                  <a:schemeClr val="tx1"/>
+                </a:solidFill>
+              </a:rPr>
+              <a:t>Mudford</a:t>
+            </a:r>
+            <a:endParaRPr lang="en-AU" sz="1400" dirty="0">
+              <a:solidFill>
+                <a:schemeClr val="tx1"/>
+              </a:solidFill>
+            </a:endParaRPr>
+          </a:p>
+          <a:p>
+            <a:pPr algn="ctr"/>
+            <a:r>
+              <a:rPr lang="en-AU" sz="1200" dirty="0">
+                <a:solidFill>
+                  <a:schemeClr val="tx1"/>
+                </a:solidFill>
+              </a:rPr>
+              <a:t>Supervising/payload controller</a:t>
+            </a:r>
+          </a:p>
+        </p:txBody>
+      </p:sp>
+      <p:sp>
+        <p:nvSpPr>
+          <p:cNvPr id="26634" name="Rectangle 10"/>
+          <p:cNvSpPr>
+            <a:spLocks noChangeArrowheads="1"/>
+          </p:cNvSpPr>
+          <p:nvPr/>
+        </p:nvSpPr>
+        <p:spPr bwMode="auto">
+          <a:xfrm>
+            <a:off x="3214678" y="3857628"/>
+            <a:ext cx="1655762" cy="792163"/>
+          </a:xfrm>
+          <a:prstGeom prst="rect">
+            <a:avLst/>
+          </a:prstGeom>
+          <a:ln>
+            <a:headEnd/>
+            <a:tailEnd/>
+          </a:ln>
+        </p:spPr>
+        <p:style>
+          <a:lnRef idx="1">
+            <a:schemeClr val="accent5"/>
+          </a:lnRef>
+          <a:fillRef idx="2">
+            <a:schemeClr val="accent5"/>
+          </a:fillRef>
+          <a:effectRef idx="1">
+            <a:schemeClr val="accent5"/>
+          </a:effectRef>
+          <a:fontRef idx="minor">
+            <a:schemeClr val="dk1"/>
+          </a:fontRef>
+        </p:style>
+        <p:txBody>
+          <a:bodyPr wrap="none" anchor="ctr"/>
+          <a:lstStyle/>
+          <a:p>
+            <a:pPr algn="ctr"/>
+            <a:r>
+              <a:rPr lang="en-AU" sz="1400" dirty="0" err="1">
+                <a:solidFill>
+                  <a:schemeClr val="tx1"/>
+                </a:solidFill>
+              </a:rPr>
+              <a:t>Brenden</a:t>
+            </a:r>
+            <a:r>
+              <a:rPr lang="en-AU" sz="1400" dirty="0">
+                <a:solidFill>
+                  <a:schemeClr val="tx1"/>
+                </a:solidFill>
+              </a:rPr>
+              <a:t> </a:t>
+            </a:r>
+            <a:r>
+              <a:rPr lang="en-AU" sz="1400" dirty="0" err="1">
+                <a:solidFill>
+                  <a:schemeClr val="tx1"/>
+                </a:solidFill>
+              </a:rPr>
+              <a:t>Menkens</a:t>
+            </a:r>
+            <a:endParaRPr lang="en-AU" sz="1400" dirty="0">
+              <a:solidFill>
+                <a:schemeClr val="tx1"/>
+              </a:solidFill>
+            </a:endParaRPr>
+          </a:p>
+          <a:p>
+            <a:pPr algn="ctr"/>
+            <a:r>
+              <a:rPr lang="en-AU" sz="1200" dirty="0" smtClean="0">
+                <a:solidFill>
+                  <a:schemeClr val="tx1"/>
+                </a:solidFill>
+              </a:rPr>
+              <a:t>Engineer</a:t>
+            </a:r>
+            <a:endParaRPr lang="en-AU" sz="1200" dirty="0">
+              <a:solidFill>
+                <a:schemeClr val="tx1"/>
+              </a:solidFill>
+            </a:endParaRPr>
+          </a:p>
+        </p:txBody>
+      </p:sp>
+      <p:sp>
+        <p:nvSpPr>
+          <p:cNvPr id="26635" name="Rectangle 11"/>
+          <p:cNvSpPr>
+            <a:spLocks noChangeArrowheads="1"/>
+          </p:cNvSpPr>
+          <p:nvPr/>
+        </p:nvSpPr>
+        <p:spPr bwMode="auto">
+          <a:xfrm>
+            <a:off x="4929190" y="3857628"/>
+            <a:ext cx="1655762" cy="792163"/>
+          </a:xfrm>
+          <a:prstGeom prst="rect">
+            <a:avLst/>
+          </a:prstGeom>
+          <a:ln>
+            <a:headEnd/>
+            <a:tailEnd/>
+          </a:ln>
+        </p:spPr>
+        <p:style>
+          <a:lnRef idx="1">
+            <a:schemeClr val="accent5"/>
+          </a:lnRef>
+          <a:fillRef idx="2">
+            <a:schemeClr val="accent5"/>
+          </a:fillRef>
+          <a:effectRef idx="1">
+            <a:schemeClr val="accent5"/>
+          </a:effectRef>
+          <a:fontRef idx="minor">
+            <a:schemeClr val="dk1"/>
+          </a:fontRef>
+        </p:style>
+        <p:txBody>
+          <a:bodyPr wrap="none" anchor="ctr"/>
+          <a:lstStyle/>
+          <a:p>
+            <a:pPr algn="ctr"/>
+            <a:r>
+              <a:rPr lang="en-AU" sz="1400" dirty="0">
+                <a:solidFill>
+                  <a:schemeClr val="tx1"/>
+                </a:solidFill>
+              </a:rPr>
+              <a:t>Nicholas Rutherford</a:t>
+            </a:r>
+          </a:p>
+          <a:p>
+            <a:pPr algn="ctr"/>
+            <a:r>
+              <a:rPr lang="en-AU" sz="1200" dirty="0" smtClean="0">
+                <a:solidFill>
+                  <a:schemeClr val="tx1"/>
+                </a:solidFill>
+              </a:rPr>
+              <a:t>Engineer</a:t>
+            </a:r>
+            <a:endParaRPr lang="en-AU" sz="1200" dirty="0">
+              <a:solidFill>
+                <a:schemeClr val="tx1"/>
+              </a:solidFill>
+            </a:endParaRPr>
+          </a:p>
+        </p:txBody>
+      </p:sp>
+      <p:sp>
+        <p:nvSpPr>
+          <p:cNvPr id="26636" name="Rectangle 12"/>
+          <p:cNvSpPr>
+            <a:spLocks noChangeArrowheads="1"/>
+          </p:cNvSpPr>
+          <p:nvPr/>
+        </p:nvSpPr>
+        <p:spPr bwMode="auto">
+          <a:xfrm>
+            <a:off x="6018207" y="2724137"/>
+            <a:ext cx="2087563" cy="863600"/>
+          </a:xfrm>
+          <a:prstGeom prst="rect">
+            <a:avLst/>
+          </a:prstGeom>
+          <a:ln>
+            <a:headEnd/>
+            <a:tailEnd/>
+          </a:ln>
+        </p:spPr>
+        <p:style>
+          <a:lnRef idx="1">
+            <a:schemeClr val="accent5"/>
+          </a:lnRef>
+          <a:fillRef idx="2">
+            <a:schemeClr val="accent5"/>
+          </a:fillRef>
+          <a:effectRef idx="1">
+            <a:schemeClr val="accent5"/>
+          </a:effectRef>
+          <a:fontRef idx="minor">
+            <a:schemeClr val="dk1"/>
+          </a:fontRef>
+        </p:style>
+        <p:txBody>
+          <a:bodyPr wrap="none" anchor="ctr"/>
+          <a:lstStyle/>
+          <a:p>
+            <a:pPr algn="ctr"/>
+            <a:r>
+              <a:rPr lang="en-AU" sz="1400" dirty="0">
+                <a:solidFill>
+                  <a:schemeClr val="tx1"/>
+                </a:solidFill>
+              </a:rPr>
+              <a:t>Richard </a:t>
+            </a:r>
+            <a:r>
+              <a:rPr lang="en-AU" sz="1400" dirty="0" err="1">
+                <a:solidFill>
+                  <a:schemeClr val="tx1"/>
+                </a:solidFill>
+              </a:rPr>
+              <a:t>Glassock</a:t>
+            </a:r>
+            <a:endParaRPr lang="en-AU" sz="1400" dirty="0">
+              <a:solidFill>
+                <a:schemeClr val="tx1"/>
+              </a:solidFill>
+            </a:endParaRPr>
+          </a:p>
+          <a:p>
+            <a:pPr algn="ctr"/>
+            <a:r>
+              <a:rPr lang="en-AU" sz="1200" dirty="0">
+                <a:solidFill>
+                  <a:schemeClr val="tx1"/>
+                </a:solidFill>
+              </a:rPr>
+              <a:t>Launch Controller</a:t>
+            </a:r>
+          </a:p>
+          <a:p>
+            <a:pPr algn="ctr"/>
+            <a:endParaRPr lang="en-AU" sz="1200" dirty="0">
+              <a:solidFill>
+                <a:schemeClr val="tx1"/>
+              </a:solidFill>
+            </a:endParaRPr>
+          </a:p>
+        </p:txBody>
+      </p:sp>
+      <p:sp>
+        <p:nvSpPr>
+          <p:cNvPr id="26637" name="Rectangle 13"/>
+          <p:cNvSpPr>
+            <a:spLocks noChangeArrowheads="1"/>
+          </p:cNvSpPr>
+          <p:nvPr/>
+        </p:nvSpPr>
+        <p:spPr bwMode="auto">
+          <a:xfrm>
+            <a:off x="3857620" y="1571612"/>
+            <a:ext cx="2087562" cy="863600"/>
+          </a:xfrm>
+          <a:prstGeom prst="rect">
+            <a:avLst/>
+          </a:prstGeom>
+          <a:ln>
+            <a:headEnd/>
+            <a:tailEnd/>
+          </a:ln>
+        </p:spPr>
+        <p:style>
+          <a:lnRef idx="1">
+            <a:schemeClr val="accent5"/>
+          </a:lnRef>
+          <a:fillRef idx="2">
+            <a:schemeClr val="accent5"/>
+          </a:fillRef>
+          <a:effectRef idx="1">
+            <a:schemeClr val="accent5"/>
+          </a:effectRef>
+          <a:fontRef idx="minor">
+            <a:schemeClr val="dk1"/>
+          </a:fontRef>
+        </p:style>
+        <p:txBody>
+          <a:bodyPr wrap="none" anchor="ctr"/>
+          <a:lstStyle/>
+          <a:p>
+            <a:pPr algn="ctr"/>
+            <a:r>
+              <a:rPr lang="en-AU" sz="1400" dirty="0">
+                <a:solidFill>
+                  <a:schemeClr val="tx1"/>
+                </a:solidFill>
+              </a:rPr>
+              <a:t>Luis </a:t>
+            </a:r>
+            <a:r>
+              <a:rPr lang="en-AU" sz="1400" dirty="0" err="1">
+                <a:solidFill>
+                  <a:schemeClr val="tx1"/>
+                </a:solidFill>
+              </a:rPr>
+              <a:t>Mejias</a:t>
+            </a:r>
+            <a:endParaRPr lang="en-AU" sz="1400" dirty="0">
+              <a:solidFill>
+                <a:schemeClr val="tx1"/>
+              </a:solidFill>
+            </a:endParaRPr>
+          </a:p>
+          <a:p>
+            <a:pPr algn="ctr"/>
+            <a:r>
+              <a:rPr lang="en-AU" sz="1200" dirty="0">
+                <a:solidFill>
+                  <a:schemeClr val="tx1"/>
+                </a:solidFill>
+              </a:rPr>
+              <a:t>Science leader</a:t>
+            </a:r>
+          </a:p>
+          <a:p>
+            <a:pPr algn="ctr"/>
+            <a:r>
+              <a:rPr lang="en-AU" sz="1200" dirty="0">
+                <a:solidFill>
+                  <a:schemeClr val="tx1"/>
+                </a:solidFill>
+              </a:rPr>
+              <a:t>Supervising Controller</a:t>
+            </a:r>
+          </a:p>
+          <a:p>
+            <a:pPr algn="ctr"/>
+            <a:endParaRPr lang="en-AU" sz="1200" dirty="0">
+              <a:solidFill>
+                <a:schemeClr val="tx1"/>
+              </a:solidFill>
+            </a:endParaRPr>
+          </a:p>
+        </p:txBody>
+      </p:sp>
+      <p:sp>
+        <p:nvSpPr>
+          <p:cNvPr id="26638" name="Text Box 14"/>
+          <p:cNvSpPr txBox="1">
+            <a:spLocks noChangeArrowheads="1"/>
+          </p:cNvSpPr>
+          <p:nvPr/>
+        </p:nvSpPr>
+        <p:spPr bwMode="auto">
+          <a:xfrm>
+            <a:off x="5072066" y="5357826"/>
+            <a:ext cx="3877985" cy="523220"/>
+          </a:xfrm>
+          <a:prstGeom prst="rect">
+            <a:avLst/>
+          </a:prstGeom>
+          <a:noFill/>
+          <a:ln w="9525">
+            <a:noFill/>
+            <a:miter lim="800000"/>
+            <a:headEnd/>
+            <a:tailEnd/>
+          </a:ln>
+          <a:effectLst/>
+        </p:spPr>
+        <p:txBody>
+          <a:bodyPr wrap="none">
+            <a:spAutoFit/>
+          </a:bodyPr>
+          <a:lstStyle/>
+          <a:p>
+            <a:pPr algn="ctr"/>
+            <a:r>
+              <a:rPr lang="en-AU" sz="1400" dirty="0"/>
+              <a:t>Task: </a:t>
+            </a:r>
+          </a:p>
+          <a:p>
+            <a:pPr algn="ctr"/>
+            <a:r>
+              <a:rPr lang="en-AU" sz="1400" dirty="0" smtClean="0"/>
+              <a:t>Predictive Flight Management System for UAS</a:t>
+            </a:r>
+            <a:endParaRPr lang="en-AU" sz="1400" dirty="0"/>
+          </a:p>
+        </p:txBody>
+      </p:sp>
+      <p:sp>
+        <p:nvSpPr>
+          <p:cNvPr id="26639" name="Line 15"/>
+          <p:cNvSpPr>
+            <a:spLocks noChangeShapeType="1"/>
+          </p:cNvSpPr>
+          <p:nvPr/>
+        </p:nvSpPr>
+        <p:spPr bwMode="auto">
+          <a:xfrm flipH="1">
+            <a:off x="2705095" y="4740262"/>
+            <a:ext cx="936625" cy="504825"/>
+          </a:xfrm>
+          <a:prstGeom prst="line">
+            <a:avLst/>
+          </a:prstGeom>
+          <a:ln>
+            <a:headEnd/>
+            <a:tailEnd type="triangle" w="med" len="med"/>
+          </a:ln>
+        </p:spPr>
+        <p:style>
+          <a:lnRef idx="3">
+            <a:schemeClr val="accent4"/>
+          </a:lnRef>
+          <a:fillRef idx="0">
+            <a:schemeClr val="accent4"/>
+          </a:fillRef>
+          <a:effectRef idx="2">
+            <a:schemeClr val="accent4"/>
+          </a:effectRef>
+          <a:fontRef idx="minor">
+            <a:schemeClr val="tx1"/>
+          </a:fontRef>
+        </p:style>
+        <p:txBody>
+          <a:bodyPr/>
+          <a:lstStyle/>
+          <a:p>
+            <a:endParaRPr lang="en-US"/>
+          </a:p>
+        </p:txBody>
+      </p:sp>
+      <p:sp>
+        <p:nvSpPr>
+          <p:cNvPr id="26640" name="Text Box 16"/>
+          <p:cNvSpPr txBox="1">
+            <a:spLocks noChangeArrowheads="1"/>
+          </p:cNvSpPr>
+          <p:nvPr/>
+        </p:nvSpPr>
+        <p:spPr bwMode="auto">
+          <a:xfrm>
+            <a:off x="866740" y="5368929"/>
+            <a:ext cx="3734612" cy="523220"/>
+          </a:xfrm>
+          <a:prstGeom prst="rect">
+            <a:avLst/>
+          </a:prstGeom>
+          <a:noFill/>
+          <a:ln w="9525">
+            <a:noFill/>
+            <a:miter lim="800000"/>
+            <a:headEnd/>
+            <a:tailEnd/>
+          </a:ln>
+          <a:effectLst/>
+        </p:spPr>
+        <p:txBody>
+          <a:bodyPr wrap="none">
+            <a:spAutoFit/>
+          </a:bodyPr>
+          <a:lstStyle/>
+          <a:p>
+            <a:pPr algn="ctr"/>
+            <a:r>
+              <a:rPr lang="en-AU" sz="1400" dirty="0"/>
+              <a:t>Task: </a:t>
+            </a:r>
+          </a:p>
+          <a:p>
+            <a:pPr algn="ctr"/>
+            <a:r>
+              <a:rPr lang="en-AU" sz="1400" dirty="0"/>
+              <a:t>Advanced </a:t>
+            </a:r>
+            <a:r>
+              <a:rPr lang="en-AU" sz="1400" dirty="0" smtClean="0"/>
+              <a:t>Flight Termination </a:t>
+            </a:r>
+            <a:r>
+              <a:rPr lang="en-AU" sz="1400" dirty="0"/>
+              <a:t>S</a:t>
+            </a:r>
+            <a:r>
+              <a:rPr lang="en-AU" sz="1400" dirty="0" smtClean="0"/>
+              <a:t>ystem </a:t>
+            </a:r>
+            <a:r>
+              <a:rPr lang="en-AU" sz="1400" dirty="0"/>
+              <a:t>for UAS</a:t>
+            </a:r>
+          </a:p>
+        </p:txBody>
+      </p:sp>
+      <p:sp>
+        <p:nvSpPr>
+          <p:cNvPr id="17" name="Line 15"/>
+          <p:cNvSpPr>
+            <a:spLocks noChangeShapeType="1"/>
+          </p:cNvSpPr>
+          <p:nvPr/>
+        </p:nvSpPr>
+        <p:spPr bwMode="auto">
+          <a:xfrm>
+            <a:off x="6143636" y="4714884"/>
+            <a:ext cx="936625" cy="504825"/>
+          </a:xfrm>
+          <a:prstGeom prst="line">
+            <a:avLst/>
+          </a:prstGeom>
+          <a:ln>
+            <a:headEnd/>
+            <a:tailEnd type="triangle" w="med" len="med"/>
+          </a:ln>
+        </p:spPr>
+        <p:style>
+          <a:lnRef idx="3">
+            <a:schemeClr val="accent4"/>
+          </a:lnRef>
+          <a:fillRef idx="0">
+            <a:schemeClr val="accent4"/>
+          </a:fillRef>
+          <a:effectRef idx="2">
+            <a:schemeClr val="accent4"/>
+          </a:effectRef>
+          <a:fontRef idx="minor">
+            <a:schemeClr val="tx1"/>
+          </a:fontRef>
+        </p:style>
+        <p:txBody>
+          <a:bodyPr/>
+          <a:lstStyle/>
+          <a:p>
+            <a:endParaRPr lang="en-US"/>
+          </a:p>
+        </p:txBody>
+      </p:sp>
+    </p:spTree>
+  </p:cSld>
+  <p:clrMapOvr>
+    <a:masterClrMapping/>
+  </p:clrMapOvr>
+  <p:timing>
+    <p:tnLst>
+      <p:par>
+        <p:cTn id="1" dur="indefinite" restart="never" nodeType="tmRoot"/>
+      </p:par>
+    </p:tnLst>
+  </p:timing>
+</p:sld>
+</file>
+
+<file path=ppt/slides/slide20.xml><?xml version="1.0" encoding="utf-8"?>
+<p:sld xmlns:a="http://schemas.openxmlformats.org/drawingml/2006/main" xmlns:r="http://schemas.openxmlformats.org/officeDocument/2006/relationships" xmlns:p="http://schemas.openxmlformats.org/presentationml/2006/main">
+  <p:cSld>
+    <p:spTree>
+      <p:nvGrpSpPr>
+        <p:cNvPr id="1" name=""/>
+        <p:cNvGrpSpPr/>
+        <p:nvPr/>
+      </p:nvGrpSpPr>
+      <p:grpSpPr>
+        <a:xfrm>
+          <a:off x="0" y="0"/>
+          <a:ext cx="0" cy="0"/>
+          <a:chOff x="0" y="0"/>
+          <a:chExt cx="0" cy="0"/>
+        </a:xfrm>
+      </p:grpSpPr>
+      <p:sp>
+        <p:nvSpPr>
+          <p:cNvPr id="2" name="Title 1"/>
+          <p:cNvSpPr>
+            <a:spLocks noGrp="1"/>
+          </p:cNvSpPr>
+          <p:nvPr>
+            <p:ph type="title"/>
+          </p:nvPr>
+        </p:nvSpPr>
+        <p:spPr/>
+        <p:txBody>
+          <a:bodyPr/>
+          <a:lstStyle/>
+          <a:p>
+            <a:r>
+              <a:rPr lang="en-AU" sz="4600" b="0" u="none" dirty="0"/>
+              <a:t>Conclusions</a:t>
+            </a:r>
+          </a:p>
+        </p:txBody>
+      </p:sp>
+      <p:sp>
+        <p:nvSpPr>
+          <p:cNvPr id="3" name="Content Placeholder 2"/>
+          <p:cNvSpPr>
+            <a:spLocks noGrp="1"/>
+          </p:cNvSpPr>
+          <p:nvPr>
+            <p:ph idx="1"/>
+          </p:nvPr>
+        </p:nvSpPr>
+        <p:spPr/>
+        <p:txBody>
+          <a:bodyPr/>
+          <a:lstStyle/>
+          <a:p>
+            <a:pPr>
+              <a:buClr>
+                <a:srgbClr val="0070C0"/>
+              </a:buClr>
+              <a:buFont typeface="Wingdings" pitchFamily="2" charset="2"/>
+              <a:buChar char="q"/>
+            </a:pPr>
+            <a:r>
+              <a:rPr lang="en-AU" sz="1800" dirty="0" smtClean="0"/>
+              <a:t>Predictive Flight Management System Concept</a:t>
+            </a:r>
+          </a:p>
+          <a:p>
+            <a:pPr>
+              <a:buClr>
+                <a:srgbClr val="0070C0"/>
+              </a:buClr>
+              <a:buFont typeface="Wingdings" pitchFamily="2" charset="2"/>
+              <a:buChar char="q"/>
+            </a:pPr>
+            <a:r>
               <a:rPr lang="en-AU" sz="1800" dirty="0" smtClean="0"/>
               <a:t>Systems Engineering Practices</a:t>
             </a:r>
@@ -6088,7 +9563,7 @@
             <a:fld id="{67E377A3-AA8F-49BD-B6AB-3E7FC26AB1DC}" type="slidenum">
               <a:rPr lang="en-AU" smtClean="0"/>
               <a:pPr/>
-              <a:t>19</a:t>
+              <a:t>20</a:t>
             </a:fld>
             <a:endParaRPr lang="en-AU"/>
           </a:p>
@@ -6142,7 +9617,7 @@
 </p:sld>
 </file>
 
-<file path=ppt/slides/slide2.xml><?xml version="1.0" encoding="utf-8"?>
+<file path=ppt/slides/slide21.xml><?xml version="1.0" encoding="utf-8"?>
 <p:sld xmlns:a="http://schemas.openxmlformats.org/drawingml/2006/main" xmlns:r="http://schemas.openxmlformats.org/officeDocument/2006/relationships" xmlns:p="http://schemas.openxmlformats.org/presentationml/2006/main">
   <p:cSld>
     <p:spTree>
@@ -6161,738 +9636,6 @@
       </p:grpSpPr>
       <p:sp>
         <p:nvSpPr>
-          <p:cNvPr id="26626" name="Title 1"/>
-          <p:cNvSpPr>
-            <a:spLocks noGrp="1"/>
-          </p:cNvSpPr>
-          <p:nvPr>
-            <p:ph type="title"/>
-          </p:nvPr>
-        </p:nvSpPr>
-        <p:spPr/>
-        <p:txBody>
-          <a:bodyPr/>
-          <a:lstStyle/>
-          <a:p>
-            <a:r>
-              <a:rPr lang="en-AU" sz="4000" b="0" u="none" dirty="0" smtClean="0"/>
-              <a:t>QUAS Team</a:t>
-            </a:r>
-          </a:p>
-        </p:txBody>
-      </p:sp>
-      <p:sp>
-        <p:nvSpPr>
-          <p:cNvPr id="26627" name="Footer Placeholder 3"/>
-          <p:cNvSpPr>
-            <a:spLocks noGrp="1"/>
-          </p:cNvSpPr>
-          <p:nvPr>
-            <p:ph type="ftr" sz="quarter" idx="11"/>
-          </p:nvPr>
-        </p:nvSpPr>
-        <p:spPr>
-          <a:noFill/>
-        </p:spPr>
-        <p:txBody>
-          <a:bodyPr/>
-          <a:lstStyle/>
-          <a:p>
-            <a:r>
-              <a:rPr lang="en-AU" dirty="0" smtClean="0"/>
-              <a:t>Luis </a:t>
-            </a:r>
-            <a:r>
-              <a:rPr lang="en-AU" dirty="0" err="1" smtClean="0"/>
-              <a:t>Mejias</a:t>
-            </a:r>
-            <a:endParaRPr lang="en-AU" dirty="0" smtClean="0"/>
-          </a:p>
-        </p:txBody>
-      </p:sp>
-      <p:sp>
-        <p:nvSpPr>
-          <p:cNvPr id="26628" name="Slide Number Placeholder 4"/>
-          <p:cNvSpPr>
-            <a:spLocks noGrp="1"/>
-          </p:cNvSpPr>
-          <p:nvPr>
-            <p:ph type="sldNum" sz="quarter" idx="12"/>
-          </p:nvPr>
-        </p:nvSpPr>
-        <p:spPr>
-          <a:xfrm>
-            <a:off x="6659563" y="6381750"/>
-            <a:ext cx="2133600" cy="339725"/>
-          </a:xfrm>
-          <a:noFill/>
-        </p:spPr>
-        <p:txBody>
-          <a:bodyPr/>
-          <a:lstStyle/>
-          <a:p>
-            <a:fld id="{A08AACD0-A13F-490A-A4CA-15DBE4A7C077}" type="slidenum">
-              <a:rPr lang="en-AU" smtClean="0"/>
-              <a:pPr/>
-              <a:t>2</a:t>
-            </a:fld>
-            <a:endParaRPr lang="en-AU" dirty="0" smtClean="0"/>
-          </a:p>
-        </p:txBody>
-      </p:sp>
-      <p:sp>
-        <p:nvSpPr>
-          <p:cNvPr id="26629" name="Rectangle 2"/>
-          <p:cNvSpPr>
-            <a:spLocks noChangeArrowheads="1"/>
-          </p:cNvSpPr>
-          <p:nvPr/>
-        </p:nvSpPr>
-        <p:spPr bwMode="auto">
-          <a:xfrm>
-            <a:off x="0" y="0"/>
-            <a:ext cx="9144000" cy="0"/>
-          </a:xfrm>
-          <a:prstGeom prst="rect">
-            <a:avLst/>
-          </a:prstGeom>
-          <a:noFill/>
-          <a:ln w="9525">
-            <a:noFill/>
-            <a:miter lim="800000"/>
-            <a:headEnd/>
-            <a:tailEnd/>
-          </a:ln>
-        </p:spPr>
-        <p:txBody>
-          <a:bodyPr wrap="none" anchor="ctr">
-            <a:spAutoFit/>
-          </a:bodyPr>
-          <a:lstStyle/>
-          <a:p>
-            <a:endParaRPr lang="en-US" dirty="0"/>
-          </a:p>
-        </p:txBody>
-      </p:sp>
-      <p:sp>
-        <p:nvSpPr>
-          <p:cNvPr id="26632" name="Rectangle 8"/>
-          <p:cNvSpPr>
-            <a:spLocks noChangeArrowheads="1"/>
-          </p:cNvSpPr>
-          <p:nvPr/>
-        </p:nvSpPr>
-        <p:spPr bwMode="auto">
-          <a:xfrm>
-            <a:off x="1697032" y="2724137"/>
-            <a:ext cx="2087563" cy="863600"/>
-          </a:xfrm>
-          <a:prstGeom prst="rect">
-            <a:avLst/>
-          </a:prstGeom>
-          <a:ln>
-            <a:headEnd/>
-            <a:tailEnd/>
-          </a:ln>
-        </p:spPr>
-        <p:style>
-          <a:lnRef idx="1">
-            <a:schemeClr val="accent1"/>
-          </a:lnRef>
-          <a:fillRef idx="2">
-            <a:schemeClr val="accent1"/>
-          </a:fillRef>
-          <a:effectRef idx="1">
-            <a:schemeClr val="accent1"/>
-          </a:effectRef>
-          <a:fontRef idx="minor">
-            <a:schemeClr val="dk1"/>
-          </a:fontRef>
-        </p:style>
-        <p:txBody>
-          <a:bodyPr wrap="none" anchor="ctr"/>
-          <a:lstStyle/>
-          <a:p>
-            <a:pPr algn="ctr"/>
-            <a:r>
-              <a:rPr lang="en-AU" sz="1400" dirty="0"/>
-              <a:t>Scott McNamara</a:t>
-            </a:r>
-          </a:p>
-          <a:p>
-            <a:pPr algn="ctr"/>
-            <a:r>
-              <a:rPr lang="en-AU" sz="1200" dirty="0"/>
-              <a:t>UAV/payload controller</a:t>
-            </a:r>
-          </a:p>
-        </p:txBody>
-      </p:sp>
-      <p:sp>
-        <p:nvSpPr>
-          <p:cNvPr id="26633" name="Rectangle 9"/>
-          <p:cNvSpPr>
-            <a:spLocks noChangeArrowheads="1"/>
-          </p:cNvSpPr>
-          <p:nvPr/>
-        </p:nvSpPr>
-        <p:spPr bwMode="auto">
-          <a:xfrm>
-            <a:off x="3857620" y="2722550"/>
-            <a:ext cx="2087562" cy="865187"/>
-          </a:xfrm>
-          <a:prstGeom prst="rect">
-            <a:avLst/>
-          </a:prstGeom>
-          <a:ln>
-            <a:headEnd/>
-            <a:tailEnd/>
-          </a:ln>
-        </p:spPr>
-        <p:style>
-          <a:lnRef idx="1">
-            <a:schemeClr val="accent1"/>
-          </a:lnRef>
-          <a:fillRef idx="2">
-            <a:schemeClr val="accent1"/>
-          </a:fillRef>
-          <a:effectRef idx="1">
-            <a:schemeClr val="accent1"/>
-          </a:effectRef>
-          <a:fontRef idx="minor">
-            <a:schemeClr val="dk1"/>
-          </a:fontRef>
-        </p:style>
-        <p:txBody>
-          <a:bodyPr wrap="none" anchor="ctr"/>
-          <a:lstStyle/>
-          <a:p>
-            <a:pPr algn="ctr"/>
-            <a:r>
-              <a:rPr lang="en-AU" sz="1400" dirty="0"/>
-              <a:t>Rhys </a:t>
-            </a:r>
-            <a:r>
-              <a:rPr lang="en-AU" sz="1400" dirty="0" err="1"/>
-              <a:t>Mudford</a:t>
-            </a:r>
-            <a:endParaRPr lang="en-AU" sz="1400" dirty="0"/>
-          </a:p>
-          <a:p>
-            <a:pPr algn="ctr"/>
-            <a:r>
-              <a:rPr lang="en-AU" sz="1200" dirty="0"/>
-              <a:t>Supervising/payload controller</a:t>
-            </a:r>
-          </a:p>
-        </p:txBody>
-      </p:sp>
-      <p:sp>
-        <p:nvSpPr>
-          <p:cNvPr id="26634" name="Rectangle 10"/>
-          <p:cNvSpPr>
-            <a:spLocks noChangeArrowheads="1"/>
-          </p:cNvSpPr>
-          <p:nvPr/>
-        </p:nvSpPr>
-        <p:spPr bwMode="auto">
-          <a:xfrm>
-            <a:off x="3214678" y="3857628"/>
-            <a:ext cx="1655762" cy="792163"/>
-          </a:xfrm>
-          <a:prstGeom prst="rect">
-            <a:avLst/>
-          </a:prstGeom>
-          <a:ln>
-            <a:headEnd/>
-            <a:tailEnd/>
-          </a:ln>
-        </p:spPr>
-        <p:style>
-          <a:lnRef idx="1">
-            <a:schemeClr val="accent1"/>
-          </a:lnRef>
-          <a:fillRef idx="2">
-            <a:schemeClr val="accent1"/>
-          </a:fillRef>
-          <a:effectRef idx="1">
-            <a:schemeClr val="accent1"/>
-          </a:effectRef>
-          <a:fontRef idx="minor">
-            <a:schemeClr val="dk1"/>
-          </a:fontRef>
-        </p:style>
-        <p:txBody>
-          <a:bodyPr wrap="none" anchor="ctr"/>
-          <a:lstStyle/>
-          <a:p>
-            <a:pPr algn="ctr"/>
-            <a:r>
-              <a:rPr lang="en-AU" sz="1400" dirty="0" err="1"/>
-              <a:t>Brenden</a:t>
-            </a:r>
-            <a:r>
-              <a:rPr lang="en-AU" sz="1400" dirty="0"/>
-              <a:t> </a:t>
-            </a:r>
-            <a:r>
-              <a:rPr lang="en-AU" sz="1400" dirty="0" err="1"/>
-              <a:t>Menkens</a:t>
-            </a:r>
-            <a:endParaRPr lang="en-AU" sz="1400" dirty="0"/>
-          </a:p>
-          <a:p>
-            <a:pPr algn="ctr"/>
-            <a:r>
-              <a:rPr lang="en-AU" sz="1200" dirty="0"/>
-              <a:t>Engineer</a:t>
-            </a:r>
-          </a:p>
-          <a:p>
-            <a:pPr algn="ctr"/>
-            <a:endParaRPr lang="en-AU" sz="1200" dirty="0"/>
-          </a:p>
-        </p:txBody>
-      </p:sp>
-      <p:sp>
-        <p:nvSpPr>
-          <p:cNvPr id="26635" name="Rectangle 11"/>
-          <p:cNvSpPr>
-            <a:spLocks noChangeArrowheads="1"/>
-          </p:cNvSpPr>
-          <p:nvPr/>
-        </p:nvSpPr>
-        <p:spPr bwMode="auto">
-          <a:xfrm>
-            <a:off x="4929190" y="3857628"/>
-            <a:ext cx="1655762" cy="792163"/>
-          </a:xfrm>
-          <a:prstGeom prst="rect">
-            <a:avLst/>
-          </a:prstGeom>
-          <a:ln>
-            <a:headEnd/>
-            <a:tailEnd/>
-          </a:ln>
-        </p:spPr>
-        <p:style>
-          <a:lnRef idx="1">
-            <a:schemeClr val="accent1"/>
-          </a:lnRef>
-          <a:fillRef idx="2">
-            <a:schemeClr val="accent1"/>
-          </a:fillRef>
-          <a:effectRef idx="1">
-            <a:schemeClr val="accent1"/>
-          </a:effectRef>
-          <a:fontRef idx="minor">
-            <a:schemeClr val="dk1"/>
-          </a:fontRef>
-        </p:style>
-        <p:txBody>
-          <a:bodyPr wrap="none" anchor="ctr"/>
-          <a:lstStyle/>
-          <a:p>
-            <a:pPr algn="ctr"/>
-            <a:r>
-              <a:rPr lang="en-AU" sz="1400" dirty="0"/>
-              <a:t>Nicholas Rutherford</a:t>
-            </a:r>
-          </a:p>
-          <a:p>
-            <a:pPr algn="ctr"/>
-            <a:r>
-              <a:rPr lang="en-AU" sz="1200" dirty="0"/>
-              <a:t>Engineer</a:t>
-            </a:r>
-          </a:p>
-          <a:p>
-            <a:pPr algn="ctr"/>
-            <a:endParaRPr lang="en-AU" sz="1200" dirty="0"/>
-          </a:p>
-        </p:txBody>
-      </p:sp>
-      <p:sp>
-        <p:nvSpPr>
-          <p:cNvPr id="26636" name="Rectangle 12"/>
-          <p:cNvSpPr>
-            <a:spLocks noChangeArrowheads="1"/>
-          </p:cNvSpPr>
-          <p:nvPr/>
-        </p:nvSpPr>
-        <p:spPr bwMode="auto">
-          <a:xfrm>
-            <a:off x="6018207" y="2724137"/>
-            <a:ext cx="2087563" cy="863600"/>
-          </a:xfrm>
-          <a:prstGeom prst="rect">
-            <a:avLst/>
-          </a:prstGeom>
-          <a:ln>
-            <a:headEnd/>
-            <a:tailEnd/>
-          </a:ln>
-        </p:spPr>
-        <p:style>
-          <a:lnRef idx="1">
-            <a:schemeClr val="accent1"/>
-          </a:lnRef>
-          <a:fillRef idx="2">
-            <a:schemeClr val="accent1"/>
-          </a:fillRef>
-          <a:effectRef idx="1">
-            <a:schemeClr val="accent1"/>
-          </a:effectRef>
-          <a:fontRef idx="minor">
-            <a:schemeClr val="dk1"/>
-          </a:fontRef>
-        </p:style>
-        <p:txBody>
-          <a:bodyPr wrap="none" anchor="ctr"/>
-          <a:lstStyle/>
-          <a:p>
-            <a:pPr algn="ctr"/>
-            <a:r>
-              <a:rPr lang="en-AU" sz="1400" dirty="0"/>
-              <a:t>Richard </a:t>
-            </a:r>
-            <a:r>
-              <a:rPr lang="en-AU" sz="1400" dirty="0" err="1"/>
-              <a:t>Glassock</a:t>
-            </a:r>
-            <a:endParaRPr lang="en-AU" sz="1400" dirty="0"/>
-          </a:p>
-          <a:p>
-            <a:pPr algn="ctr"/>
-            <a:r>
-              <a:rPr lang="en-AU" sz="1200" dirty="0"/>
-              <a:t>Launch Controller</a:t>
-            </a:r>
-          </a:p>
-          <a:p>
-            <a:pPr algn="ctr"/>
-            <a:endParaRPr lang="en-AU" sz="1200" dirty="0"/>
-          </a:p>
-        </p:txBody>
-      </p:sp>
-      <p:sp>
-        <p:nvSpPr>
-          <p:cNvPr id="26637" name="Rectangle 13"/>
-          <p:cNvSpPr>
-            <a:spLocks noChangeArrowheads="1"/>
-          </p:cNvSpPr>
-          <p:nvPr/>
-        </p:nvSpPr>
-        <p:spPr bwMode="auto">
-          <a:xfrm>
-            <a:off x="3857620" y="1571612"/>
-            <a:ext cx="2087562" cy="863600"/>
-          </a:xfrm>
-          <a:prstGeom prst="rect">
-            <a:avLst/>
-          </a:prstGeom>
-          <a:ln>
-            <a:headEnd/>
-            <a:tailEnd/>
-          </a:ln>
-        </p:spPr>
-        <p:style>
-          <a:lnRef idx="1">
-            <a:schemeClr val="accent1"/>
-          </a:lnRef>
-          <a:fillRef idx="2">
-            <a:schemeClr val="accent1"/>
-          </a:fillRef>
-          <a:effectRef idx="1">
-            <a:schemeClr val="accent1"/>
-          </a:effectRef>
-          <a:fontRef idx="minor">
-            <a:schemeClr val="dk1"/>
-          </a:fontRef>
-        </p:style>
-        <p:txBody>
-          <a:bodyPr wrap="none" anchor="ctr"/>
-          <a:lstStyle/>
-          <a:p>
-            <a:pPr algn="ctr"/>
-            <a:r>
-              <a:rPr lang="en-AU" sz="1400" dirty="0"/>
-              <a:t>Luis </a:t>
-            </a:r>
-            <a:r>
-              <a:rPr lang="en-AU" sz="1400" dirty="0" err="1"/>
-              <a:t>Mejias</a:t>
-            </a:r>
-            <a:endParaRPr lang="en-AU" sz="1400" dirty="0"/>
-          </a:p>
-          <a:p>
-            <a:pPr algn="ctr"/>
-            <a:r>
-              <a:rPr lang="en-AU" sz="1200" dirty="0"/>
-              <a:t>Science leader</a:t>
-            </a:r>
-          </a:p>
-          <a:p>
-            <a:pPr algn="ctr"/>
-            <a:r>
-              <a:rPr lang="en-AU" sz="1200" dirty="0"/>
-              <a:t>Supervising Controller</a:t>
-            </a:r>
-          </a:p>
-          <a:p>
-            <a:pPr algn="ctr"/>
-            <a:endParaRPr lang="en-AU" sz="1200" dirty="0"/>
-          </a:p>
-        </p:txBody>
-      </p:sp>
-      <p:sp>
-        <p:nvSpPr>
-          <p:cNvPr id="26638" name="Text Box 14"/>
-          <p:cNvSpPr txBox="1">
-            <a:spLocks noChangeArrowheads="1"/>
-          </p:cNvSpPr>
-          <p:nvPr/>
-        </p:nvSpPr>
-        <p:spPr bwMode="auto">
-          <a:xfrm>
-            <a:off x="5072066" y="5357826"/>
-            <a:ext cx="3877985" cy="523220"/>
-          </a:xfrm>
-          <a:prstGeom prst="rect">
-            <a:avLst/>
-          </a:prstGeom>
-          <a:noFill/>
-          <a:ln w="9525">
-            <a:noFill/>
-            <a:miter lim="800000"/>
-            <a:headEnd/>
-            <a:tailEnd/>
-          </a:ln>
-          <a:effectLst/>
-        </p:spPr>
-        <p:txBody>
-          <a:bodyPr wrap="none">
-            <a:spAutoFit/>
-          </a:bodyPr>
-          <a:lstStyle/>
-          <a:p>
-            <a:pPr algn="ctr"/>
-            <a:r>
-              <a:rPr lang="en-AU" sz="1400" dirty="0"/>
-              <a:t>Task: </a:t>
-            </a:r>
-          </a:p>
-          <a:p>
-            <a:pPr algn="ctr"/>
-            <a:r>
-              <a:rPr lang="en-AU" sz="1400" dirty="0" smtClean="0"/>
-              <a:t>Predictive Flight Management System for UAS</a:t>
-            </a:r>
-            <a:endParaRPr lang="en-AU" sz="1400" dirty="0"/>
-          </a:p>
-        </p:txBody>
-      </p:sp>
-      <p:sp>
-        <p:nvSpPr>
-          <p:cNvPr id="26639" name="Line 15"/>
-          <p:cNvSpPr>
-            <a:spLocks noChangeShapeType="1"/>
-          </p:cNvSpPr>
-          <p:nvPr/>
-        </p:nvSpPr>
-        <p:spPr bwMode="auto">
-          <a:xfrm flipH="1">
-            <a:off x="2705095" y="4740262"/>
-            <a:ext cx="936625" cy="504825"/>
-          </a:xfrm>
-          <a:prstGeom prst="line">
-            <a:avLst/>
-          </a:prstGeom>
-          <a:ln>
-            <a:headEnd/>
-            <a:tailEnd type="triangle" w="med" len="med"/>
-          </a:ln>
-        </p:spPr>
-        <p:style>
-          <a:lnRef idx="3">
-            <a:schemeClr val="accent4"/>
-          </a:lnRef>
-          <a:fillRef idx="0">
-            <a:schemeClr val="accent4"/>
-          </a:fillRef>
-          <a:effectRef idx="2">
-            <a:schemeClr val="accent4"/>
-          </a:effectRef>
-          <a:fontRef idx="minor">
-            <a:schemeClr val="tx1"/>
-          </a:fontRef>
-        </p:style>
-        <p:txBody>
-          <a:bodyPr/>
-          <a:lstStyle/>
-          <a:p>
-            <a:endParaRPr lang="en-US"/>
-          </a:p>
-        </p:txBody>
-      </p:sp>
-      <p:sp>
-        <p:nvSpPr>
-          <p:cNvPr id="26640" name="Text Box 16"/>
-          <p:cNvSpPr txBox="1">
-            <a:spLocks noChangeArrowheads="1"/>
-          </p:cNvSpPr>
-          <p:nvPr/>
-        </p:nvSpPr>
-        <p:spPr bwMode="auto">
-          <a:xfrm>
-            <a:off x="866740" y="5368929"/>
-            <a:ext cx="3734612" cy="523220"/>
-          </a:xfrm>
-          <a:prstGeom prst="rect">
-            <a:avLst/>
-          </a:prstGeom>
-          <a:noFill/>
-          <a:ln w="9525">
-            <a:noFill/>
-            <a:miter lim="800000"/>
-            <a:headEnd/>
-            <a:tailEnd/>
-          </a:ln>
-          <a:effectLst/>
-        </p:spPr>
-        <p:txBody>
-          <a:bodyPr wrap="none">
-            <a:spAutoFit/>
-          </a:bodyPr>
-          <a:lstStyle/>
-          <a:p>
-            <a:pPr algn="ctr"/>
-            <a:r>
-              <a:rPr lang="en-AU" sz="1400" dirty="0"/>
-              <a:t>Task: </a:t>
-            </a:r>
-          </a:p>
-          <a:p>
-            <a:pPr algn="ctr"/>
-            <a:r>
-              <a:rPr lang="en-AU" sz="1400" dirty="0"/>
-              <a:t>Advanced </a:t>
-            </a:r>
-            <a:r>
-              <a:rPr lang="en-AU" sz="1400" dirty="0" smtClean="0"/>
-              <a:t>Flight Termination </a:t>
-            </a:r>
-            <a:r>
-              <a:rPr lang="en-AU" sz="1400" dirty="0"/>
-              <a:t>S</a:t>
-            </a:r>
-            <a:r>
-              <a:rPr lang="en-AU" sz="1400" dirty="0" smtClean="0"/>
-              <a:t>ystem </a:t>
-            </a:r>
-            <a:r>
-              <a:rPr lang="en-AU" sz="1400" dirty="0"/>
-              <a:t>for UAS</a:t>
-            </a:r>
-          </a:p>
-        </p:txBody>
-      </p:sp>
-      <p:sp>
-        <p:nvSpPr>
-          <p:cNvPr id="17" name="Line 15"/>
-          <p:cNvSpPr>
-            <a:spLocks noChangeShapeType="1"/>
-          </p:cNvSpPr>
-          <p:nvPr/>
-        </p:nvSpPr>
-        <p:spPr bwMode="auto">
-          <a:xfrm>
-            <a:off x="6143636" y="4714884"/>
-            <a:ext cx="936625" cy="504825"/>
-          </a:xfrm>
-          <a:prstGeom prst="line">
-            <a:avLst/>
-          </a:prstGeom>
-          <a:ln>
-            <a:headEnd/>
-            <a:tailEnd type="triangle" w="med" len="med"/>
-          </a:ln>
-        </p:spPr>
-        <p:style>
-          <a:lnRef idx="3">
-            <a:schemeClr val="accent4"/>
-          </a:lnRef>
-          <a:fillRef idx="0">
-            <a:schemeClr val="accent4"/>
-          </a:fillRef>
-          <a:effectRef idx="2">
-            <a:schemeClr val="accent4"/>
-          </a:effectRef>
-          <a:fontRef idx="minor">
-            <a:schemeClr val="tx1"/>
-          </a:fontRef>
-        </p:style>
-        <p:txBody>
-          <a:bodyPr/>
-          <a:lstStyle/>
-          <a:p>
-            <a:endParaRPr lang="en-US"/>
-          </a:p>
-        </p:txBody>
-      </p:sp>
-    </p:spTree>
-  </p:cSld>
-  <p:clrMapOvr>
-    <a:masterClrMapping/>
-  </p:clrMapOvr>
-  <p:timing>
-    <p:tnLst>
-      <p:par>
-        <p:cTn id="1" dur="indefinite" restart="never" nodeType="tmRoot"/>
-      </p:par>
-    </p:tnLst>
-  </p:timing>
-</p:sld>
-</file>
-
-<file path=ppt/slides/slide20.xml><?xml version="1.0" encoding="utf-8"?>
-<p:sld xmlns:a="http://schemas.openxmlformats.org/drawingml/2006/main" xmlns:r="http://schemas.openxmlformats.org/officeDocument/2006/relationships" xmlns:p="http://schemas.openxmlformats.org/presentationml/2006/main">
-  <p:cSld>
-    <p:spTree>
-      <p:nvGrpSpPr>
-        <p:cNvPr id="1" name=""/>
-        <p:cNvGrpSpPr/>
-        <p:nvPr/>
-      </p:nvGrpSpPr>
-      <p:grpSpPr>
-        <a:xfrm>
-          <a:off x="0" y="0"/>
-          <a:ext cx="0" cy="0"/>
-          <a:chOff x="0" y="0"/>
-          <a:chExt cx="0" cy="0"/>
-        </a:xfrm>
-      </p:grpSpPr>
-      <p:sp>
-        <p:nvSpPr>
-          <p:cNvPr id="2" name="Title 1"/>
-          <p:cNvSpPr>
-            <a:spLocks noGrp="1"/>
-          </p:cNvSpPr>
-          <p:nvPr>
-            <p:ph type="title"/>
-          </p:nvPr>
-        </p:nvSpPr>
-        <p:spPr/>
-        <p:txBody>
-          <a:bodyPr/>
-          <a:lstStyle/>
-          <a:p>
-            <a:endParaRPr lang="en-AU"/>
-          </a:p>
-        </p:txBody>
-      </p:sp>
-      <p:sp>
-        <p:nvSpPr>
           <p:cNvPr id="4" name="Footer Placeholder 3"/>
           <p:cNvSpPr>
             <a:spLocks noGrp="1"/>
@@ -6939,7 +9682,7 @@
             <a:fld id="{67E377A3-AA8F-49BD-B6AB-3E7FC26AB1DC}" type="slidenum">
               <a:rPr lang="en-AU" smtClean="0"/>
               <a:pPr/>
-              <a:t>20</a:t>
+              <a:t>21</a:t>
             </a:fld>
             <a:endParaRPr lang="en-AU"/>
           </a:p>
@@ -7203,10 +9946,10 @@
           <a:lstStyle/>
           <a:p>
             <a:r>
-              <a:rPr lang="en-AU" sz="4600" b="0" u="none" dirty="0" smtClean="0"/>
+              <a:rPr lang="en-AU" sz="4000" b="0" u="none" dirty="0" smtClean="0"/>
               <a:t>Presentation Contents</a:t>
             </a:r>
-            <a:endParaRPr lang="en-AU" sz="4600" b="0" u="none" dirty="0"/>
+            <a:endParaRPr lang="en-AU" sz="4000" b="0" u="none" dirty="0"/>
           </a:p>
         </p:txBody>
       </p:sp>
@@ -7532,7 +10275,7 @@
           <a:lstStyle/>
           <a:p>
             <a:r>
-              <a:rPr lang="en-AU" sz="4600" b="0" u="none" dirty="0" smtClean="0"/>
+              <a:rPr lang="en-AU" sz="4000" b="0" u="none" dirty="0" smtClean="0"/>
               <a:t>PFMS Concept</a:t>
             </a:r>
           </a:p>
@@ -7769,10 +10512,10 @@
           <a:lstStyle/>
           <a:p>
             <a:r>
-              <a:rPr lang="en-AU" sz="4600" b="0" u="none" dirty="0" smtClean="0"/>
+              <a:rPr lang="en-AU" sz="4000" b="0" u="none" dirty="0" smtClean="0"/>
               <a:t>PFMS Concept</a:t>
             </a:r>
-            <a:endParaRPr lang="en-AU" sz="4600" dirty="0"/>
+            <a:endParaRPr lang="en-AU" sz="4000" dirty="0"/>
           </a:p>
         </p:txBody>
       </p:sp>
@@ -7968,21 +10711,17 @@
       </p:sp>
       <p:graphicFrame>
         <p:nvGraphicFramePr>
-          <p:cNvPr id="13313" name="Object 1"/>
-          <p:cNvGraphicFramePr>
-            <a:graphicFrameLocks noChangeAspect="1"/>
-          </p:cNvGraphicFramePr>
+          <p:cNvPr id="7" name="Diagram 6"/>
+          <p:cNvGraphicFramePr/>
           <p:nvPr/>
         </p:nvGraphicFramePr>
         <p:xfrm>
-          <a:off x="3071802" y="1500174"/>
-          <a:ext cx="2786081" cy="4197861"/>
+          <a:off x="3071802" y="1285860"/>
+          <a:ext cx="3357586" cy="4572032"/>
         </p:xfrm>
         <a:graphic>
-          <a:graphicData uri="http://schemas.openxmlformats.org/presentationml/2006/ole">
-            <p:oleObj spid="_x0000_s13313" name="Visio" r:id="rId3" imgW="2140804" imgH="3094747" progId="Visio.Drawing.11">
-              <p:embed/>
-            </p:oleObj>
+          <a:graphicData uri="http://schemas.openxmlformats.org/drawingml/2006/diagram">
+            <dgm:relIds xmlns:dgm="http://schemas.openxmlformats.org/drawingml/2006/diagram" xmlns:r="http://schemas.openxmlformats.org/officeDocument/2006/relationships" r:dm="rId2" r:lo="rId3" r:qs="rId4" r:cs="rId5"/>
           </a:graphicData>
         </a:graphic>
       </p:graphicFrame>
@@ -8002,7 +10741,7 @@
 </file>
 
 <file path=ppt/slides/slide8.xml><?xml version="1.0" encoding="utf-8"?>
-<p:sld xmlns:a="http://schemas.openxmlformats.org/drawingml/2006/main" xmlns:r="http://schemas.openxmlformats.org/officeDocument/2006/relationships" xmlns:p="http://schemas.openxmlformats.org/presentationml/2006/main">
+<p:sld xmlns:a="http://schemas.openxmlformats.org/drawingml/2006/main" xmlns:r="http://schemas.openxmlformats.org/officeDocument/2006/relationships" xmlns:p="http://schemas.openxmlformats.org/presentationml/2006/main" showMasterSp="0">
   <p:cSld>
     <p:spTree>
       <p:nvGrpSpPr>
@@ -8018,65 +10757,74 @@
           <a:chExt cx="0" cy="0"/>
         </a:xfrm>
       </p:grpSpPr>
-      <p:sp>
-        <p:nvSpPr>
-          <p:cNvPr id="2" name="Title 1"/>
-          <p:cNvSpPr>
-            <a:spLocks noGrp="1"/>
-          </p:cNvSpPr>
-          <p:nvPr>
-            <p:ph type="title"/>
-          </p:nvPr>
-        </p:nvSpPr>
-        <p:spPr/>
-        <p:txBody>
-          <a:bodyPr/>
+      <p:graphicFrame>
+        <p:nvGraphicFramePr>
+          <p:cNvPr id="34818" name="Object 2"/>
+          <p:cNvGraphicFramePr>
+            <a:graphicFrameLocks noChangeAspect="1"/>
+          </p:cNvGraphicFramePr>
+          <p:nvPr/>
+        </p:nvGraphicFramePr>
+        <p:xfrm>
+          <a:off x="1571604" y="142852"/>
+          <a:ext cx="7072362" cy="6572296"/>
+        </p:xfrm>
+        <a:graphic>
+          <a:graphicData uri="http://schemas.openxmlformats.org/presentationml/2006/ole">
+            <p:oleObj spid="_x0000_s34818" name="Visio" r:id="rId3" imgW="7228487" imgH="7228462" progId="Visio.Drawing.11">
+              <p:embed/>
+            </p:oleObj>
+          </a:graphicData>
+        </a:graphic>
+      </p:graphicFrame>
+      <p:sp>
+        <p:nvSpPr>
+          <p:cNvPr id="7" name="Rectangle 6"/>
+          <p:cNvSpPr/>
+          <p:nvPr/>
+        </p:nvSpPr>
+        <p:spPr>
+          <a:xfrm rot="16200000">
+            <a:off x="-1483869" y="2087559"/>
+            <a:ext cx="3857979" cy="461665"/>
+          </a:xfrm>
+          <a:prstGeom prst="rect">
+            <a:avLst/>
+          </a:prstGeom>
+        </p:spPr>
+        <p:txBody>
+          <a:bodyPr wrap="none">
+            <a:spAutoFit/>
+          </a:bodyPr>
           <a:lstStyle/>
           <a:p>
             <a:r>
-              <a:rPr lang="en-AU" sz="3600" b="0" u="none" dirty="0" smtClean="0"/>
-              <a:t>Project Work Breakdown</a:t>
-            </a:r>
-            <a:endParaRPr lang="en-AU" dirty="0"/>
-          </a:p>
-        </p:txBody>
-      </p:sp>
-      <p:sp>
-        <p:nvSpPr>
-          <p:cNvPr id="5" name="Slide Number Placeholder 4"/>
-          <p:cNvSpPr>
-            <a:spLocks noGrp="1"/>
-          </p:cNvSpPr>
-          <p:nvPr>
-            <p:ph type="sldNum" sz="quarter" idx="12"/>
-          </p:nvPr>
-        </p:nvSpPr>
-        <p:spPr/>
-        <p:txBody>
-          <a:bodyPr/>
-          <a:lstStyle/>
-          <a:p>
-            <a:fld id="{67E377A3-AA8F-49BD-B6AB-3E7FC26AB1DC}" type="slidenum">
-              <a:rPr lang="en-AU" smtClean="0"/>
-              <a:pPr/>
-              <a:t>8</a:t>
-            </a:fld>
-            <a:endParaRPr lang="en-AU"/>
-          </a:p>
-        </p:txBody>
-      </p:sp>
-      <p:sp>
-        <p:nvSpPr>
-          <p:cNvPr id="29698" name="Rectangle 2"/>
-          <p:cNvSpPr>
-            <a:spLocks noChangeArrowheads="1"/>
-          </p:cNvSpPr>
+              <a:rPr lang="en-AU" sz="2400" dirty="0" smtClean="0"/>
+              <a:t>Work Breakdown Structure</a:t>
+            </a:r>
+            <a:endParaRPr lang="en-AU" sz="2400" dirty="0"/>
+          </a:p>
+        </p:txBody>
+      </p:sp>
+      <p:pic>
+        <p:nvPicPr>
+          <p:cNvPr id="34819" name="Picture 3"/>
+          <p:cNvPicPr>
+            <a:picLocks noChangeAspect="1" noChangeArrowheads="1"/>
+          </p:cNvPicPr>
           <p:nvPr/>
-        </p:nvSpPr>
+        </p:nvPicPr>
+        <p:blipFill>
+          <a:blip r:embed="rId4"/>
+          <a:srcRect/>
+          <a:stretch>
+            <a:fillRect/>
+          </a:stretch>
+        </p:blipFill>
         <p:spPr bwMode="auto">
-          <a:xfrm>
-            <a:off x="0" y="0"/>
-            <a:ext cx="9144000" cy="0"/>
+          <a:xfrm rot="16200000">
+            <a:off x="-638175" y="5181600"/>
+            <a:ext cx="2314575" cy="1038225"/>
           </a:xfrm>
           <a:prstGeom prst="rect">
             <a:avLst/>
@@ -8090,123 +10838,37 @@
           </a:ln>
           <a:effectLst/>
         </p:spPr>
-        <p:txBody>
-          <a:bodyPr vert="horz" wrap="none" lIns="91440" tIns="45720" rIns="91440" bIns="45720" numCol="1" anchor="ctr" anchorCtr="0" compatLnSpc="1">
-            <a:prstTxWarp prst="textNoShape">
-              <a:avLst/>
-            </a:prstTxWarp>
-            <a:spAutoFit/>
-          </a:bodyPr>
-          <a:lstStyle/>
-          <a:p>
-            <a:endParaRPr lang="en-AU"/>
-          </a:p>
-        </p:txBody>
-      </p:sp>
-      <p:graphicFrame>
-        <p:nvGraphicFramePr>
-          <p:cNvPr id="29697" name="Object 1"/>
-          <p:cNvGraphicFramePr>
-            <a:graphicFrameLocks noChangeAspect="1"/>
-          </p:cNvGraphicFramePr>
+      </p:pic>
+      <p:cxnSp>
+        <p:nvCxnSpPr>
+          <p:cNvPr id="10" name="Straight Connector 9"/>
+          <p:cNvCxnSpPr/>
           <p:nvPr/>
-        </p:nvGraphicFramePr>
-        <p:xfrm>
-          <a:off x="1857356" y="928670"/>
-          <a:ext cx="5429288" cy="5429288"/>
-        </p:xfrm>
-        <a:graphic>
-          <a:graphicData uri="http://schemas.openxmlformats.org/presentationml/2006/ole">
-            <p:oleObj spid="_x0000_s29697" name="Visio" r:id="rId3" imgW="7228487" imgH="7228462" progId="Visio.Drawing.11">
-              <p:embed/>
-            </p:oleObj>
-          </a:graphicData>
-        </a:graphic>
-      </p:graphicFrame>
-      <p:sp>
-        <p:nvSpPr>
-          <p:cNvPr id="7" name="Footer Placeholder 3"/>
-          <p:cNvSpPr txBox="1">
-            <a:spLocks/>
-          </p:cNvSpPr>
-          <p:nvPr/>
-        </p:nvSpPr>
-        <p:spPr bwMode="auto">
-          <a:xfrm>
-            <a:off x="3124200" y="6381750"/>
-            <a:ext cx="2895600" cy="339725"/>
+        </p:nvCxnSpPr>
+        <p:spPr>
+          <a:xfrm rot="5400000">
+            <a:off x="-2464619" y="3393281"/>
+            <a:ext cx="6858000" cy="71438"/>
           </a:xfrm>
-          <a:prstGeom prst="rect">
+          <a:prstGeom prst="line">
             <a:avLst/>
           </a:prstGeom>
-          <a:noFill/>
-          <a:ln w="9525">
-            <a:noFill/>
-            <a:miter lim="800000"/>
-            <a:headEnd/>
-            <a:tailEnd/>
-          </a:ln>
-          <a:effectLst/>
         </p:spPr>
-        <p:txBody>
-          <a:bodyPr vert="horz" wrap="square" lIns="91440" tIns="45720" rIns="91440" bIns="45720" numCol="1" anchor="t" anchorCtr="0" compatLnSpc="1">
-            <a:prstTxWarp prst="textNoShape">
-              <a:avLst/>
-            </a:prstTxWarp>
-          </a:bodyPr>
-          <a:lstStyle/>
-          <a:p>
-            <a:pPr marL="0" marR="0" lvl="0" indent="0" algn="ctr" defTabSz="914400" rtl="0" eaLnBrk="1" fontAlgn="base" latinLnBrk="0" hangingPunct="1">
-              <a:lnSpc>
-                <a:spcPct val="100000"/>
-              </a:lnSpc>
-              <a:spcBef>
-                <a:spcPct val="0"/>
-              </a:spcBef>
-              <a:spcAft>
-                <a:spcPct val="0"/>
-              </a:spcAft>
-              <a:buClrTx/>
-              <a:buSzTx/>
-              <a:buFontTx/>
-              <a:buNone/>
-              <a:tabLst/>
-              <a:defRPr/>
-            </a:pPr>
-            <a:r>
-              <a:rPr kumimoji="0" lang="en-AU" sz="1000" b="0" i="0" u="none" strike="noStrike" kern="1200" cap="none" spc="0" normalizeH="0" baseline="0" noProof="0" dirty="0" smtClean="0">
-                <a:ln>
-                  <a:noFill/>
-                </a:ln>
-                <a:solidFill>
-                  <a:schemeClr val="tx1"/>
-                </a:solidFill>
-                <a:effectLst/>
-                <a:uLnTx/>
-                <a:uFillTx/>
-                <a:latin typeface="Arial" charset="0"/>
-                <a:ea typeface="+mn-ea"/>
-                <a:cs typeface="+mn-cs"/>
-              </a:rPr>
-              <a:t>Nicholas Rutherford</a:t>
-            </a:r>
-            <a:endParaRPr kumimoji="0" lang="en-AU" sz="1000" b="0" i="0" u="none" strike="noStrike" kern="1200" cap="none" spc="0" normalizeH="0" baseline="0" noProof="0" dirty="0">
-              <a:ln>
-                <a:noFill/>
-              </a:ln>
-              <a:solidFill>
-                <a:schemeClr val="tx1"/>
-              </a:solidFill>
-              <a:effectLst/>
-              <a:uLnTx/>
-              <a:uFillTx/>
-              <a:latin typeface="Arial" charset="0"/>
-              <a:ea typeface="+mn-ea"/>
-              <a:cs typeface="+mn-cs"/>
-            </a:endParaRPr>
-          </a:p>
-        </p:txBody>
-      </p:sp>
+        <p:style>
+          <a:lnRef idx="1">
+            <a:schemeClr val="accent4"/>
+          </a:lnRef>
+          <a:fillRef idx="0">
+            <a:schemeClr val="accent4"/>
+          </a:fillRef>
+          <a:effectRef idx="0">
+            <a:schemeClr val="accent4"/>
+          </a:effectRef>
+          <a:fontRef idx="minor">
+            <a:schemeClr val="tx1"/>
+          </a:fontRef>
+        </p:style>
+      </p:cxnSp>
     </p:spTree>
   </p:cSld>
   <p:clrMapOvr>
@@ -8317,15 +10979,15 @@
         </p:nvPicPr>
         <p:blipFill>
           <a:blip r:embed="rId2" cstate="print"/>
-          <a:srcRect l="2951" t="4151" r="2813" b="5753"/>
+          <a:srcRect l="2951" t="4151" r="2813" b="72349"/>
           <a:stretch>
             <a:fillRect/>
           </a:stretch>
         </p:blipFill>
         <p:spPr>
           <a:xfrm>
-            <a:off x="928662" y="1214422"/>
-            <a:ext cx="7429552" cy="4786346"/>
+            <a:off x="142844" y="2143116"/>
+            <a:ext cx="8858280" cy="2402699"/>
           </a:xfrm>
           <a:prstGeom prst="rect">
             <a:avLst/>

--- a/trunk/docproject/PFMS Smartskies Presentation Semester 1.pptx
+++ b/trunk/docproject/PFMS Smartskies Presentation Semester 1.pptx
@@ -5,7 +5,7 @@
     <p:sldMasterId id="2147483648" r:id="rId1"/>
   </p:sldMasterIdLst>
   <p:notesMasterIdLst>
-    <p:notesMasterId r:id="rId23"/>
+    <p:notesMasterId r:id="rId22"/>
   </p:notesMasterIdLst>
   <p:sldIdLst>
     <p:sldId id="274" r:id="rId2"/>
@@ -13,11 +13,11 @@
     <p:sldId id="276" r:id="rId4"/>
     <p:sldId id="257" r:id="rId5"/>
     <p:sldId id="258" r:id="rId6"/>
-    <p:sldId id="279" r:id="rId7"/>
-    <p:sldId id="259" r:id="rId8"/>
-    <p:sldId id="280" r:id="rId9"/>
-    <p:sldId id="264" r:id="rId10"/>
-    <p:sldId id="260" r:id="rId11"/>
+    <p:sldId id="259" r:id="rId7"/>
+    <p:sldId id="280" r:id="rId8"/>
+    <p:sldId id="264" r:id="rId9"/>
+    <p:sldId id="260" r:id="rId10"/>
+    <p:sldId id="282" r:id="rId11"/>
     <p:sldId id="265" r:id="rId12"/>
     <p:sldId id="267" r:id="rId13"/>
     <p:sldId id="268" r:id="rId14"/>
@@ -28,7 +28,6 @@
     <p:sldId id="269" r:id="rId19"/>
     <p:sldId id="270" r:id="rId20"/>
     <p:sldId id="271" r:id="rId21"/>
-    <p:sldId id="278" r:id="rId22"/>
   </p:sldIdLst>
   <p:sldSz cx="9144000" cy="6858000" type="screen4x3"/>
   <p:notesSz cx="6858000" cy="9144000"/>
@@ -1265,10 +1264,24 @@
     <dgm:pt modelId="{466940E3-EA6A-42DC-95A3-5E4EE200E6DD}" type="pres">
       <dgm:prSet presAssocID="{49A9375E-CCA4-4E4A-9BA7-50BA552724E9}" presName="sibTrans" presStyleLbl="sibTrans2D1" presStyleIdx="0" presStyleCnt="3"/>
       <dgm:spPr/>
+      <dgm:t>
+        <a:bodyPr/>
+        <a:lstStyle/>
+        <a:p>
+          <a:endParaRPr lang="en-AU"/>
+        </a:p>
+      </dgm:t>
     </dgm:pt>
     <dgm:pt modelId="{D54E16DE-697B-4E35-BF10-1530BA6E5CB1}" type="pres">
       <dgm:prSet presAssocID="{49A9375E-CCA4-4E4A-9BA7-50BA552724E9}" presName="connectorText" presStyleLbl="sibTrans2D1" presStyleIdx="0" presStyleCnt="3"/>
       <dgm:spPr/>
+      <dgm:t>
+        <a:bodyPr/>
+        <a:lstStyle/>
+        <a:p>
+          <a:endParaRPr lang="en-AU"/>
+        </a:p>
+      </dgm:t>
     </dgm:pt>
     <dgm:pt modelId="{24C4A362-B06F-414B-ADEE-63CF2ADA0169}" type="pres">
       <dgm:prSet presAssocID="{38E8A24F-D48C-4672-9FEC-405CD7FF7AB7}" presName="node" presStyleLbl="node1" presStyleIdx="1" presStyleCnt="4">
@@ -1288,10 +1301,24 @@
     <dgm:pt modelId="{01A15108-7EEB-4D44-9843-E50B56D0EDA2}" type="pres">
       <dgm:prSet presAssocID="{B86B56B5-200D-44BA-9F73-C5E28579F1B2}" presName="sibTrans" presStyleLbl="sibTrans2D1" presStyleIdx="1" presStyleCnt="3"/>
       <dgm:spPr/>
+      <dgm:t>
+        <a:bodyPr/>
+        <a:lstStyle/>
+        <a:p>
+          <a:endParaRPr lang="en-AU"/>
+        </a:p>
+      </dgm:t>
     </dgm:pt>
     <dgm:pt modelId="{B41B84E2-57A5-4B2D-85AC-E307298248C0}" type="pres">
       <dgm:prSet presAssocID="{B86B56B5-200D-44BA-9F73-C5E28579F1B2}" presName="connectorText" presStyleLbl="sibTrans2D1" presStyleIdx="1" presStyleCnt="3"/>
       <dgm:spPr/>
+      <dgm:t>
+        <a:bodyPr/>
+        <a:lstStyle/>
+        <a:p>
+          <a:endParaRPr lang="en-AU"/>
+        </a:p>
+      </dgm:t>
     </dgm:pt>
     <dgm:pt modelId="{D637E2F0-B3F4-410A-A86F-1CBEB1FDA3DD}" type="pres">
       <dgm:prSet presAssocID="{27FD279B-4475-4639-897B-4FC26EB6F3EF}" presName="node" presStyleLbl="node1" presStyleIdx="2" presStyleCnt="4">
@@ -1311,10 +1338,24 @@
     <dgm:pt modelId="{561699BC-813B-4CD3-BC2C-125017980F12}" type="pres">
       <dgm:prSet presAssocID="{48906FF7-615A-46AF-9BE2-E3558D16041B}" presName="sibTrans" presStyleLbl="sibTrans2D1" presStyleIdx="2" presStyleCnt="3"/>
       <dgm:spPr/>
+      <dgm:t>
+        <a:bodyPr/>
+        <a:lstStyle/>
+        <a:p>
+          <a:endParaRPr lang="en-AU"/>
+        </a:p>
+      </dgm:t>
     </dgm:pt>
     <dgm:pt modelId="{D028C623-DF73-49F0-92ED-5AD4A513974B}" type="pres">
       <dgm:prSet presAssocID="{48906FF7-615A-46AF-9BE2-E3558D16041B}" presName="connectorText" presStyleLbl="sibTrans2D1" presStyleIdx="2" presStyleCnt="3"/>
       <dgm:spPr/>
+      <dgm:t>
+        <a:bodyPr/>
+        <a:lstStyle/>
+        <a:p>
+          <a:endParaRPr lang="en-AU"/>
+        </a:p>
+      </dgm:t>
     </dgm:pt>
     <dgm:pt modelId="{0D92213F-F40C-42DB-938C-9595938BC88E}" type="pres">
       <dgm:prSet presAssocID="{D3EBB73C-E248-4BD4-8001-403EE5E1FAA8}" presName="node" presStyleLbl="node1" presStyleIdx="3" presStyleCnt="4">
@@ -1333,21 +1374,21 @@
     </dgm:pt>
   </dgm:ptLst>
   <dgm:cxnLst>
+    <dgm:cxn modelId="{31B3A5E5-9438-43A2-BE55-9CA6E8F8E31C}" type="presOf" srcId="{48906FF7-615A-46AF-9BE2-E3558D16041B}" destId="{D028C623-DF73-49F0-92ED-5AD4A513974B}" srcOrd="1" destOrd="0" presId="urn:microsoft.com/office/officeart/2005/8/layout/process2"/>
+    <dgm:cxn modelId="{E9509821-1400-4170-9DF6-50D432216EB3}" type="presOf" srcId="{38E8A24F-D48C-4672-9FEC-405CD7FF7AB7}" destId="{24C4A362-B06F-414B-ADEE-63CF2ADA0169}" srcOrd="0" destOrd="0" presId="urn:microsoft.com/office/officeart/2005/8/layout/process2"/>
+    <dgm:cxn modelId="{DC38DF5D-A039-4125-BDF5-C695315B2AD5}" type="presOf" srcId="{48906FF7-615A-46AF-9BE2-E3558D16041B}" destId="{561699BC-813B-4CD3-BC2C-125017980F12}" srcOrd="0" destOrd="0" presId="urn:microsoft.com/office/officeart/2005/8/layout/process2"/>
+    <dgm:cxn modelId="{8BC662E4-9FDE-4100-B6CE-E39D1A1A6745}" type="presOf" srcId="{49A9375E-CCA4-4E4A-9BA7-50BA552724E9}" destId="{466940E3-EA6A-42DC-95A3-5E4EE200E6DD}" srcOrd="0" destOrd="0" presId="urn:microsoft.com/office/officeart/2005/8/layout/process2"/>
+    <dgm:cxn modelId="{1B6E36C5-A856-49B2-9419-35F6348AB5BB}" type="presOf" srcId="{B86B56B5-200D-44BA-9F73-C5E28579F1B2}" destId="{01A15108-7EEB-4D44-9843-E50B56D0EDA2}" srcOrd="0" destOrd="0" presId="urn:microsoft.com/office/officeart/2005/8/layout/process2"/>
     <dgm:cxn modelId="{1FDC279D-B722-4D0B-A754-BA666B7439DC}" type="presOf" srcId="{B86B56B5-200D-44BA-9F73-C5E28579F1B2}" destId="{B41B84E2-57A5-4B2D-85AC-E307298248C0}" srcOrd="1" destOrd="0" presId="urn:microsoft.com/office/officeart/2005/8/layout/process2"/>
+    <dgm:cxn modelId="{FBD99760-3C0D-4060-B51E-CDDE7ED70EF3}" type="presOf" srcId="{49A9375E-CCA4-4E4A-9BA7-50BA552724E9}" destId="{D54E16DE-697B-4E35-BF10-1530BA6E5CB1}" srcOrd="1" destOrd="0" presId="urn:microsoft.com/office/officeart/2005/8/layout/process2"/>
+    <dgm:cxn modelId="{FE71541C-6737-412F-8DA3-17C8479D1BD7}" type="presOf" srcId="{34A36129-7D75-4ACD-9AE0-60243EEC3087}" destId="{89450E8D-3284-47B3-A416-65FDBC0F66CB}" srcOrd="0" destOrd="0" presId="urn:microsoft.com/office/officeart/2005/8/layout/process2"/>
+    <dgm:cxn modelId="{1CF2B01B-C043-45A6-A7B1-80718D74C2B9}" type="presOf" srcId="{D3EBB73C-E248-4BD4-8001-403EE5E1FAA8}" destId="{0D92213F-F40C-42DB-938C-9595938BC88E}" srcOrd="0" destOrd="0" presId="urn:microsoft.com/office/officeart/2005/8/layout/process2"/>
+    <dgm:cxn modelId="{32E3ABB6-E3C1-4BF8-AB87-9968BCC1B1C1}" srcId="{34A36129-7D75-4ACD-9AE0-60243EEC3087}" destId="{D3EBB73C-E248-4BD4-8001-403EE5E1FAA8}" srcOrd="3" destOrd="0" parTransId="{321E9C06-5C91-462A-9058-DC94816A2034}" sibTransId="{9EF0E200-0758-49AD-87DE-E2FF883C60E1}"/>
+    <dgm:cxn modelId="{55023507-4F18-42B0-841C-6DA6D2A92EEB}" srcId="{34A36129-7D75-4ACD-9AE0-60243EEC3087}" destId="{27FD279B-4475-4639-897B-4FC26EB6F3EF}" srcOrd="2" destOrd="0" parTransId="{FFF35ED6-940B-451B-9FEC-5E3EB08D7E93}" sibTransId="{48906FF7-615A-46AF-9BE2-E3558D16041B}"/>
+    <dgm:cxn modelId="{8562BAE8-E166-47EE-A148-17A06E2FC599}" type="presOf" srcId="{DE4AD8AB-3343-4AA7-9391-000999368BD0}" destId="{54E4F9EA-4470-4E4C-B041-BBC0C67C5B1F}" srcOrd="0" destOrd="0" presId="urn:microsoft.com/office/officeart/2005/8/layout/process2"/>
+    <dgm:cxn modelId="{1A4DA247-7928-4F26-8810-A45A25316F79}" srcId="{34A36129-7D75-4ACD-9AE0-60243EEC3087}" destId="{DE4AD8AB-3343-4AA7-9391-000999368BD0}" srcOrd="0" destOrd="0" parTransId="{16BB91F0-511A-47B5-9F6D-A58CD2937DD0}" sibTransId="{49A9375E-CCA4-4E4A-9BA7-50BA552724E9}"/>
+    <dgm:cxn modelId="{1A5089A5-0A73-49DE-B9BC-E9E25F7B8383}" type="presOf" srcId="{27FD279B-4475-4639-897B-4FC26EB6F3EF}" destId="{D637E2F0-B3F4-410A-A86F-1CBEB1FDA3DD}" srcOrd="0" destOrd="0" presId="urn:microsoft.com/office/officeart/2005/8/layout/process2"/>
     <dgm:cxn modelId="{2D77343F-067C-4629-AA33-EC1C8D10E7FE}" srcId="{34A36129-7D75-4ACD-9AE0-60243EEC3087}" destId="{38E8A24F-D48C-4672-9FEC-405CD7FF7AB7}" srcOrd="1" destOrd="0" parTransId="{751AED92-E6A2-496F-A41E-D7ECB36C7F4E}" sibTransId="{B86B56B5-200D-44BA-9F73-C5E28579F1B2}"/>
-    <dgm:cxn modelId="{DC38DF5D-A039-4125-BDF5-C695315B2AD5}" type="presOf" srcId="{48906FF7-615A-46AF-9BE2-E3558D16041B}" destId="{561699BC-813B-4CD3-BC2C-125017980F12}" srcOrd="0" destOrd="0" presId="urn:microsoft.com/office/officeart/2005/8/layout/process2"/>
-    <dgm:cxn modelId="{55023507-4F18-42B0-841C-6DA6D2A92EEB}" srcId="{34A36129-7D75-4ACD-9AE0-60243EEC3087}" destId="{27FD279B-4475-4639-897B-4FC26EB6F3EF}" srcOrd="2" destOrd="0" parTransId="{FFF35ED6-940B-451B-9FEC-5E3EB08D7E93}" sibTransId="{48906FF7-615A-46AF-9BE2-E3558D16041B}"/>
-    <dgm:cxn modelId="{1A4DA247-7928-4F26-8810-A45A25316F79}" srcId="{34A36129-7D75-4ACD-9AE0-60243EEC3087}" destId="{DE4AD8AB-3343-4AA7-9391-000999368BD0}" srcOrd="0" destOrd="0" parTransId="{16BB91F0-511A-47B5-9F6D-A58CD2937DD0}" sibTransId="{49A9375E-CCA4-4E4A-9BA7-50BA552724E9}"/>
-    <dgm:cxn modelId="{32E3ABB6-E3C1-4BF8-AB87-9968BCC1B1C1}" srcId="{34A36129-7D75-4ACD-9AE0-60243EEC3087}" destId="{D3EBB73C-E248-4BD4-8001-403EE5E1FAA8}" srcOrd="3" destOrd="0" parTransId="{321E9C06-5C91-462A-9058-DC94816A2034}" sibTransId="{9EF0E200-0758-49AD-87DE-E2FF883C60E1}"/>
-    <dgm:cxn modelId="{FBD99760-3C0D-4060-B51E-CDDE7ED70EF3}" type="presOf" srcId="{49A9375E-CCA4-4E4A-9BA7-50BA552724E9}" destId="{D54E16DE-697B-4E35-BF10-1530BA6E5CB1}" srcOrd="1" destOrd="0" presId="urn:microsoft.com/office/officeart/2005/8/layout/process2"/>
-    <dgm:cxn modelId="{31B3A5E5-9438-43A2-BE55-9CA6E8F8E31C}" type="presOf" srcId="{48906FF7-615A-46AF-9BE2-E3558D16041B}" destId="{D028C623-DF73-49F0-92ED-5AD4A513974B}" srcOrd="1" destOrd="0" presId="urn:microsoft.com/office/officeart/2005/8/layout/process2"/>
-    <dgm:cxn modelId="{8BC662E4-9FDE-4100-B6CE-E39D1A1A6745}" type="presOf" srcId="{49A9375E-CCA4-4E4A-9BA7-50BA552724E9}" destId="{466940E3-EA6A-42DC-95A3-5E4EE200E6DD}" srcOrd="0" destOrd="0" presId="urn:microsoft.com/office/officeart/2005/8/layout/process2"/>
-    <dgm:cxn modelId="{1A5089A5-0A73-49DE-B9BC-E9E25F7B8383}" type="presOf" srcId="{27FD279B-4475-4639-897B-4FC26EB6F3EF}" destId="{D637E2F0-B3F4-410A-A86F-1CBEB1FDA3DD}" srcOrd="0" destOrd="0" presId="urn:microsoft.com/office/officeart/2005/8/layout/process2"/>
-    <dgm:cxn modelId="{1CF2B01B-C043-45A6-A7B1-80718D74C2B9}" type="presOf" srcId="{D3EBB73C-E248-4BD4-8001-403EE5E1FAA8}" destId="{0D92213F-F40C-42DB-938C-9595938BC88E}" srcOrd="0" destOrd="0" presId="urn:microsoft.com/office/officeart/2005/8/layout/process2"/>
-    <dgm:cxn modelId="{1B6E36C5-A856-49B2-9419-35F6348AB5BB}" type="presOf" srcId="{B86B56B5-200D-44BA-9F73-C5E28579F1B2}" destId="{01A15108-7EEB-4D44-9843-E50B56D0EDA2}" srcOrd="0" destOrd="0" presId="urn:microsoft.com/office/officeart/2005/8/layout/process2"/>
-    <dgm:cxn modelId="{FE71541C-6737-412F-8DA3-17C8479D1BD7}" type="presOf" srcId="{34A36129-7D75-4ACD-9AE0-60243EEC3087}" destId="{89450E8D-3284-47B3-A416-65FDBC0F66CB}" srcOrd="0" destOrd="0" presId="urn:microsoft.com/office/officeart/2005/8/layout/process2"/>
-    <dgm:cxn modelId="{E9509821-1400-4170-9DF6-50D432216EB3}" type="presOf" srcId="{38E8A24F-D48C-4672-9FEC-405CD7FF7AB7}" destId="{24C4A362-B06F-414B-ADEE-63CF2ADA0169}" srcOrd="0" destOrd="0" presId="urn:microsoft.com/office/officeart/2005/8/layout/process2"/>
-    <dgm:cxn modelId="{8562BAE8-E166-47EE-A148-17A06E2FC599}" type="presOf" srcId="{DE4AD8AB-3343-4AA7-9391-000999368BD0}" destId="{54E4F9EA-4470-4E4C-B041-BBC0C67C5B1F}" srcOrd="0" destOrd="0" presId="urn:microsoft.com/office/officeart/2005/8/layout/process2"/>
     <dgm:cxn modelId="{F7A4FB48-D31F-46E9-A8ED-4F3AE7D345D1}" type="presParOf" srcId="{89450E8D-3284-47B3-A416-65FDBC0F66CB}" destId="{54E4F9EA-4470-4E4C-B041-BBC0C67C5B1F}" srcOrd="0" destOrd="0" presId="urn:microsoft.com/office/officeart/2005/8/layout/process2"/>
     <dgm:cxn modelId="{1D66ACD8-B94D-48BA-9084-F2E058036E8F}" type="presParOf" srcId="{89450E8D-3284-47B3-A416-65FDBC0F66CB}" destId="{466940E3-EA6A-42DC-95A3-5E4EE200E6DD}" srcOrd="1" destOrd="0" presId="urn:microsoft.com/office/officeart/2005/8/layout/process2"/>
     <dgm:cxn modelId="{B7E91906-31BB-4C23-8163-B4C84C1B9DB6}" type="presParOf" srcId="{466940E3-EA6A-42DC-95A3-5E4EE200E6DD}" destId="{D54E16DE-697B-4E35-BF10-1530BA6E5CB1}" srcOrd="0" destOrd="0" presId="urn:microsoft.com/office/officeart/2005/8/layout/process2"/>
@@ -6577,131 +6618,14 @@
           <a:lstStyle/>
           <a:p>
             <a:r>
-              <a:rPr lang="en-AU" sz="4000" b="0" u="none" dirty="0" smtClean="0"/>
-              <a:t>Project Budget &amp; Risks</a:t>
-            </a:r>
-            <a:endParaRPr lang="en-AU" sz="4000" b="0" u="none" dirty="0"/>
-          </a:p>
-        </p:txBody>
-      </p:sp>
-      <p:sp>
-        <p:nvSpPr>
-          <p:cNvPr id="3" name="Content Placeholder 2"/>
-          <p:cNvSpPr>
-            <a:spLocks noGrp="1"/>
-          </p:cNvSpPr>
-          <p:nvPr>
-            <p:ph idx="1"/>
-          </p:nvPr>
-        </p:nvSpPr>
-        <p:spPr/>
-        <p:txBody>
-          <a:bodyPr/>
-          <a:lstStyle/>
-          <a:p>
-            <a:pPr>
-              <a:buClr>
-                <a:srgbClr val="0070C0"/>
-              </a:buClr>
-              <a:buFont typeface="Wingdings" pitchFamily="2" charset="2"/>
-              <a:buChar char="q"/>
-            </a:pPr>
-            <a:r>
-              <a:rPr lang="en-AU" dirty="0" smtClean="0"/>
-              <a:t>Project Budget</a:t>
-            </a:r>
-          </a:p>
-          <a:p>
-            <a:pPr lvl="1">
-              <a:buClr>
-                <a:srgbClr val="0070C0"/>
-              </a:buClr>
-              <a:buFont typeface="Wingdings" pitchFamily="2" charset="2"/>
-              <a:buChar char="Ø"/>
-            </a:pPr>
-            <a:r>
-              <a:rPr lang="en-AU" dirty="0" smtClean="0"/>
-              <a:t>No incurred costs for software development.</a:t>
-            </a:r>
-          </a:p>
-          <a:p>
-            <a:pPr lvl="1">
-              <a:buClr>
-                <a:srgbClr val="0070C0"/>
-              </a:buClr>
-              <a:buFont typeface="Wingdings" pitchFamily="2" charset="2"/>
-              <a:buChar char="Ø"/>
-            </a:pPr>
-            <a:r>
-              <a:rPr lang="en-AU" dirty="0" smtClean="0"/>
-              <a:t>Future Costs will be covered by the QUAS project.</a:t>
-            </a:r>
-          </a:p>
-          <a:p>
-            <a:pPr>
-              <a:buClr>
-                <a:srgbClr val="0070C0"/>
-              </a:buClr>
-              <a:buFont typeface="Wingdings" pitchFamily="2" charset="2"/>
-              <a:buChar char="q"/>
-            </a:pPr>
-            <a:r>
-              <a:rPr lang="en-AU" dirty="0" smtClean="0"/>
-              <a:t>Project </a:t>
-            </a:r>
-            <a:r>
-              <a:rPr lang="en-AU" dirty="0" smtClean="0"/>
-              <a:t>Risks</a:t>
-            </a:r>
-          </a:p>
-          <a:p>
-            <a:pPr lvl="1">
-              <a:buClr>
-                <a:srgbClr val="0070C0"/>
-              </a:buClr>
-              <a:buFont typeface="Wingdings" pitchFamily="2" charset="2"/>
-              <a:buChar char="Ø"/>
-            </a:pPr>
-            <a:r>
-              <a:rPr lang="en-AU" dirty="0" smtClean="0"/>
-              <a:t>Risk Management Plan.</a:t>
-            </a:r>
-          </a:p>
-          <a:p>
-            <a:pPr lvl="1">
-              <a:buClr>
-                <a:srgbClr val="0070C0"/>
-              </a:buClr>
-              <a:buFont typeface="Wingdings" pitchFamily="2" charset="2"/>
-              <a:buChar char="Ø"/>
-            </a:pPr>
-            <a:r>
-              <a:rPr lang="en-AU" dirty="0" smtClean="0"/>
-              <a:t>Single Working Engineer.</a:t>
-            </a:r>
-          </a:p>
-          <a:p>
-            <a:pPr lvl="1">
-              <a:buClr>
-                <a:srgbClr val="0070C0"/>
-              </a:buClr>
-              <a:buFont typeface="Wingdings" pitchFamily="2" charset="2"/>
-              <a:buChar char="Ø"/>
-            </a:pPr>
-            <a:r>
-              <a:rPr lang="en-AU" dirty="0" smtClean="0"/>
-              <a:t>Possible complex control methods and high level of coding proficiency.</a:t>
-            </a:r>
-          </a:p>
-          <a:p>
-            <a:pPr lvl="1">
-              <a:buClr>
-                <a:srgbClr val="0070C0"/>
-              </a:buClr>
-              <a:buFont typeface="Wingdings" pitchFamily="2" charset="2"/>
-              <a:buChar char="Ø"/>
-            </a:pPr>
-            <a:endParaRPr lang="en-AU" dirty="0" smtClean="0"/>
+              <a:rPr lang="en-AU" sz="3600" b="0" u="none" dirty="0" smtClean="0"/>
+              <a:t>System </a:t>
+            </a:r>
+            <a:r>
+              <a:rPr lang="en-AU" sz="3600" b="0" u="none" dirty="0" smtClean="0"/>
+              <a:t>Architecture of PFMS</a:t>
+            </a:r>
+            <a:endParaRPr lang="en-AU" sz="3600" b="0" u="none" dirty="0" smtClean="0"/>
           </a:p>
         </p:txBody>
       </p:sp>
@@ -6752,18 +6676,69 @@
           </a:p>
         </p:txBody>
       </p:sp>
+      <p:sp>
+        <p:nvSpPr>
+          <p:cNvPr id="56322" name="Rectangle 2"/>
+          <p:cNvSpPr>
+            <a:spLocks noChangeArrowheads="1"/>
+          </p:cNvSpPr>
+          <p:nvPr/>
+        </p:nvSpPr>
+        <p:spPr bwMode="auto">
+          <a:xfrm>
+            <a:off x="0" y="0"/>
+            <a:ext cx="9144000" cy="0"/>
+          </a:xfrm>
+          <a:prstGeom prst="rect">
+            <a:avLst/>
+          </a:prstGeom>
+          <a:noFill/>
+          <a:ln w="9525">
+            <a:noFill/>
+            <a:miter lim="800000"/>
+            <a:headEnd/>
+            <a:tailEnd/>
+          </a:ln>
+          <a:effectLst/>
+        </p:spPr>
+        <p:txBody>
+          <a:bodyPr vert="horz" wrap="none" lIns="91440" tIns="45720" rIns="91440" bIns="45720" numCol="1" anchor="ctr" anchorCtr="0" compatLnSpc="1">
+            <a:prstTxWarp prst="textNoShape">
+              <a:avLst/>
+            </a:prstTxWarp>
+            <a:spAutoFit/>
+          </a:bodyPr>
+          <a:lstStyle/>
+          <a:p>
+            <a:endParaRPr lang="en-AU"/>
+          </a:p>
+        </p:txBody>
+      </p:sp>
+      <p:graphicFrame>
+        <p:nvGraphicFramePr>
+          <p:cNvPr id="56321" name="Object 1"/>
+          <p:cNvGraphicFramePr>
+            <a:graphicFrameLocks noChangeAspect="1"/>
+          </p:cNvGraphicFramePr>
+          <p:nvPr/>
+        </p:nvGraphicFramePr>
+        <p:xfrm>
+          <a:off x="857224" y="1500174"/>
+          <a:ext cx="7486702" cy="3643338"/>
+        </p:xfrm>
+        <a:graphic>
+          <a:graphicData uri="http://schemas.openxmlformats.org/presentationml/2006/ole">
+            <p:oleObj spid="_x0000_s56321" name="Visio" r:id="rId3" imgW="4981522" imgH="2428672" progId="Visio.Drawing.11">
+              <p:embed/>
+            </p:oleObj>
+          </a:graphicData>
+        </a:graphic>
+      </p:graphicFrame>
     </p:spTree>
   </p:cSld>
   <p:clrMapOvr>
     <a:masterClrMapping/>
   </p:clrMapOvr>
-  <p:timing>
-    <p:tnLst>
-      <p:par>
-        <p:cTn id="1" dur="indefinite" restart="never" nodeType="tmRoot"/>
-      </p:par>
-    </p:tnLst>
-  </p:timing>
 </p:sld>
 </file>
 
@@ -6799,11 +6774,16 @@
           <a:bodyPr/>
           <a:lstStyle/>
           <a:p>
+            <a:pPr marL="400050"/>
             <a:r>
               <a:rPr lang="en-AU" sz="3600" b="0" u="none" dirty="0" smtClean="0"/>
-              <a:t>PFMS Models</a:t>
-            </a:r>
-            <a:endParaRPr lang="en-AU" sz="3600" b="0" u="none" dirty="0"/>
+              <a:t>3 </a:t>
+            </a:r>
+            <a:r>
+              <a:rPr lang="en-AU" sz="3600" b="0" u="none" dirty="0" smtClean="0"/>
+              <a:t>DOF Vehicle Dynamics Model</a:t>
+            </a:r>
+            <a:endParaRPr lang="en-AU" sz="3600" dirty="0" smtClean="0"/>
           </a:p>
         </p:txBody>
       </p:sp>
@@ -6822,7 +6802,7 @@
           <a:bodyPr/>
           <a:lstStyle/>
           <a:p>
-            <a:pPr marL="400050">
+            <a:pPr>
               <a:buClr>
                 <a:srgbClr val="0070C0"/>
               </a:buClr>
@@ -6830,60 +6810,51 @@
               <a:buChar char="q"/>
             </a:pPr>
             <a:r>
+              <a:rPr lang="en-AU" dirty="0" err="1" smtClean="0"/>
+              <a:t>Matlab</a:t>
+            </a:r>
+            <a:r>
               <a:rPr lang="en-AU" dirty="0" smtClean="0"/>
-              <a:t>Three Degree of Freedom Model</a:t>
-            </a:r>
-          </a:p>
-          <a:p>
-            <a:pPr lvl="1">
+              <a:t> </a:t>
+            </a:r>
+            <a:r>
+              <a:rPr lang="en-AU" dirty="0" smtClean="0"/>
+              <a:t>used for implementation.</a:t>
+            </a:r>
+          </a:p>
+          <a:p>
+            <a:pPr>
               <a:buClr>
                 <a:srgbClr val="0070C0"/>
               </a:buClr>
               <a:buFont typeface="Wingdings" pitchFamily="2" charset="2"/>
-              <a:buChar char="Ø"/>
+              <a:buChar char="q"/>
             </a:pPr>
             <a:r>
-              <a:rPr lang="en-AU" dirty="0" err="1" smtClean="0"/>
-              <a:t>Matlab</a:t>
-            </a:r>
-            <a:r>
               <a:rPr lang="en-AU" dirty="0" smtClean="0"/>
-              <a:t> used for implementation.</a:t>
-            </a:r>
-          </a:p>
-          <a:p>
-            <a:pPr lvl="1">
+              <a:t>Lacking multiple waypoint considerations.</a:t>
+            </a:r>
+          </a:p>
+          <a:p>
+            <a:pPr>
               <a:buClr>
                 <a:srgbClr val="0070C0"/>
               </a:buClr>
               <a:buFont typeface="Wingdings" pitchFamily="2" charset="2"/>
-              <a:buChar char="Ø"/>
+              <a:buChar char="q"/>
             </a:pPr>
             <a:r>
               <a:rPr lang="en-AU" dirty="0" smtClean="0"/>
-              <a:t>Lacking multiple waypoint considerations.</a:t>
-            </a:r>
-          </a:p>
-          <a:p>
-            <a:pPr lvl="1">
+              <a:t>2D prediction model with Rate of Turn Constraints at cruise velocity.</a:t>
+            </a:r>
+          </a:p>
+          <a:p>
+            <a:pPr>
               <a:buClr>
                 <a:srgbClr val="0070C0"/>
               </a:buClr>
               <a:buFont typeface="Wingdings" pitchFamily="2" charset="2"/>
-              <a:buChar char="Ø"/>
-            </a:pPr>
-            <a:r>
-              <a:rPr lang="en-AU" dirty="0" smtClean="0"/>
-              <a:t>2D prediction model with Rate of Turn Constraints at cruise velocity.</a:t>
-            </a:r>
-          </a:p>
-          <a:p>
-            <a:pPr lvl="1">
-              <a:buClr>
-                <a:srgbClr val="0070C0"/>
-              </a:buClr>
-              <a:buFont typeface="Wingdings" pitchFamily="2" charset="2"/>
-              <a:buChar char="Ø"/>
+              <a:buChar char="q"/>
             </a:pPr>
             <a:r>
               <a:rPr lang="en-AU" dirty="0" smtClean="0"/>
@@ -7098,8 +7069,8 @@
         </p:blipFill>
         <p:spPr>
           <a:xfrm>
-            <a:off x="1142976" y="1214422"/>
-            <a:ext cx="6707896" cy="5181315"/>
+            <a:off x="1071538" y="1071546"/>
+            <a:ext cx="6779334" cy="5236495"/>
           </a:xfrm>
           <a:prstGeom prst="rect">
             <a:avLst/>
@@ -7180,8 +7151,8 @@
         </p:blipFill>
         <p:spPr>
           <a:xfrm>
-            <a:off x="1071538" y="1357298"/>
-            <a:ext cx="7215238" cy="4143404"/>
+            <a:off x="428596" y="1357298"/>
+            <a:ext cx="8334844" cy="4786346"/>
           </a:xfrm>
         </p:spPr>
       </p:pic>
@@ -7281,7 +7252,7 @@
           <a:p>
             <a:r>
               <a:rPr lang="en-AU" sz="3600" b="0" u="none" dirty="0" smtClean="0"/>
-              <a:t>Six Degree of Freedom Model</a:t>
+              <a:t>6 DOF Vehicle Dynamics Model</a:t>
             </a:r>
             <a:endParaRPr lang="en-AU" sz="3600" b="0" u="none" dirty="0"/>
           </a:p>
@@ -7319,7 +7290,7 @@
             </a:r>
             <a:r>
               <a:rPr lang="en-AU" sz="2000" dirty="0" smtClean="0"/>
-              <a:t> Autopilot</a:t>
+              <a:t> Autopilot.</a:t>
             </a:r>
           </a:p>
           <a:p>
@@ -7358,7 +7329,10 @@
               <a:rPr lang="en-AU" sz="2000" dirty="0" err="1" smtClean="0"/>
               <a:t>Blockset</a:t>
             </a:r>
-            <a:endParaRPr lang="en-AU" sz="2000" dirty="0" smtClean="0"/>
+            <a:r>
+              <a:rPr lang="en-AU" sz="2000" dirty="0" smtClean="0"/>
+              <a:t>.</a:t>
+            </a:r>
           </a:p>
           <a:p>
             <a:pPr>
@@ -7370,7 +7344,7 @@
             </a:pPr>
             <a:r>
               <a:rPr lang="en-AU" sz="2000" dirty="0" smtClean="0"/>
-              <a:t>Capable of prediction of a UAS in with waypoint navigation and attitude considerations</a:t>
+              <a:t>Capable of prediction of a UAS in with waypoint navigation and attitude considerations.</a:t>
             </a:r>
           </a:p>
           <a:p>
@@ -7404,7 +7378,7 @@
             </a:r>
             <a:r>
               <a:rPr lang="en-AU" sz="2000" dirty="0" err="1" smtClean="0"/>
-              <a:t>JBSim</a:t>
+              <a:t>JSBSim</a:t>
             </a:r>
             <a:r>
               <a:rPr lang="en-AU" sz="2000" dirty="0" smtClean="0"/>
@@ -7721,6 +7695,34 @@
           </a:fontRef>
         </p:style>
       </p:cxnSp>
+      <p:sp>
+        <p:nvSpPr>
+          <p:cNvPr id="9" name="Footer Placeholder 3"/>
+          <p:cNvSpPr>
+            <a:spLocks noGrp="1"/>
+          </p:cNvSpPr>
+          <p:nvPr>
+            <p:ph type="ftr" sz="quarter" idx="11"/>
+          </p:nvPr>
+        </p:nvSpPr>
+        <p:spPr>
+          <a:xfrm>
+            <a:off x="3124200" y="6381750"/>
+            <a:ext cx="2895600" cy="339725"/>
+          </a:xfrm>
+        </p:spPr>
+        <p:txBody>
+          <a:bodyPr/>
+          <a:lstStyle/>
+          <a:p>
+            <a:r>
+              <a:rPr lang="en-AU" dirty="0" smtClean="0"/>
+              <a:t>Nicholas Rutherford</a:t>
+            </a:r>
+            <a:endParaRPr lang="en-AU" dirty="0"/>
+          </a:p>
+        </p:txBody>
+      </p:sp>
     </p:spTree>
   </p:cSld>
   <p:clrMapOvr>
@@ -7904,7 +7906,6 @@
               <a:rPr lang="en-AU" sz="3600" b="0" u="none" dirty="0" smtClean="0"/>
               <a:t>System Logs</a:t>
             </a:r>
-            <a:endParaRPr lang="en-AU" sz="3600" b="0" u="none" dirty="0" smtClean="0"/>
           </a:p>
         </p:txBody>
       </p:sp>
@@ -8019,7 +8020,7 @@
         </p:blipFill>
         <p:spPr>
           <a:xfrm>
-            <a:off x="2143108" y="3643314"/>
+            <a:off x="2285984" y="3714752"/>
             <a:ext cx="4357686" cy="2501130"/>
           </a:xfrm>
           <a:prstGeom prst="rect">
@@ -8027,11 +8028,108 @@
           </a:prstGeom>
         </p:spPr>
       </p:pic>
+      <p:sp>
+        <p:nvSpPr>
+          <p:cNvPr id="10" name="TextBox 9"/>
+          <p:cNvSpPr txBox="1"/>
+          <p:nvPr/>
+        </p:nvSpPr>
+        <p:spPr>
+          <a:xfrm>
+            <a:off x="1500166" y="3429000"/>
+            <a:ext cx="2428892" cy="276999"/>
+          </a:xfrm>
+          <a:prstGeom prst="rect">
+            <a:avLst/>
+          </a:prstGeom>
+          <a:noFill/>
+        </p:spPr>
+        <p:txBody>
+          <a:bodyPr wrap="square" rtlCol="0">
+            <a:spAutoFit/>
+          </a:bodyPr>
+          <a:lstStyle/>
+          <a:p>
+            <a:r>
+              <a:rPr lang="en-AU" sz="1200" i="1" dirty="0" smtClean="0"/>
+              <a:t>Control Inputs</a:t>
+            </a:r>
+            <a:endParaRPr lang="en-AU" sz="1200" i="1" dirty="0"/>
+          </a:p>
+        </p:txBody>
+      </p:sp>
+      <p:sp>
+        <p:nvSpPr>
+          <p:cNvPr id="11" name="TextBox 10"/>
+          <p:cNvSpPr txBox="1"/>
+          <p:nvPr/>
+        </p:nvSpPr>
+        <p:spPr>
+          <a:xfrm>
+            <a:off x="3786182" y="6000768"/>
+            <a:ext cx="2428892" cy="276999"/>
+          </a:xfrm>
+          <a:prstGeom prst="rect">
+            <a:avLst/>
+          </a:prstGeom>
+          <a:noFill/>
+        </p:spPr>
+        <p:txBody>
+          <a:bodyPr wrap="square" rtlCol="0">
+            <a:spAutoFit/>
+          </a:bodyPr>
+          <a:lstStyle/>
+          <a:p>
+            <a:r>
+              <a:rPr lang="en-AU" sz="1200" i="1" dirty="0" smtClean="0"/>
+              <a:t>Flight Dynamics</a:t>
+            </a:r>
+            <a:endParaRPr lang="en-AU" sz="1200" i="1" dirty="0"/>
+          </a:p>
+        </p:txBody>
+      </p:sp>
+      <p:sp>
+        <p:nvSpPr>
+          <p:cNvPr id="12" name="TextBox 11"/>
+          <p:cNvSpPr txBox="1"/>
+          <p:nvPr/>
+        </p:nvSpPr>
+        <p:spPr>
+          <a:xfrm>
+            <a:off x="6143636" y="3429000"/>
+            <a:ext cx="2428892" cy="276999"/>
+          </a:xfrm>
+          <a:prstGeom prst="rect">
+            <a:avLst/>
+          </a:prstGeom>
+          <a:noFill/>
+        </p:spPr>
+        <p:txBody>
+          <a:bodyPr wrap="square" rtlCol="0">
+            <a:spAutoFit/>
+          </a:bodyPr>
+          <a:lstStyle/>
+          <a:p>
+            <a:r>
+              <a:rPr lang="en-AU" sz="1200" i="1" dirty="0" smtClean="0"/>
+              <a:t>Euler Angles</a:t>
+            </a:r>
+            <a:endParaRPr lang="en-AU" sz="1200" i="1" dirty="0"/>
+          </a:p>
+        </p:txBody>
+      </p:sp>
     </p:spTree>
   </p:cSld>
   <p:clrMapOvr>
     <a:masterClrMapping/>
   </p:clrMapOvr>
+  <p:timing>
+    <p:tnLst>
+      <p:par>
+        <p:cTn id="1" dur="indefinite" restart="never" nodeType="tmRoot"/>
+      </p:par>
+    </p:tnLst>
+  </p:timing>
 </p:sld>
 </file>
 
@@ -8114,15 +8212,7 @@
             </a:pPr>
             <a:r>
               <a:rPr lang="en-AU" dirty="0" smtClean="0"/>
-              <a:t>Not </a:t>
-            </a:r>
-            <a:r>
-              <a:rPr lang="en-AU" dirty="0" smtClean="0"/>
-              <a:t>official testing conditions</a:t>
-            </a:r>
-            <a:r>
-              <a:rPr lang="en-AU" dirty="0" smtClean="0"/>
-              <a:t>.</a:t>
+              <a:t>Not official testing conditions.</a:t>
             </a:r>
           </a:p>
           <a:p>
@@ -8150,7 +8240,6 @@
               <a:rPr lang="en-AU" dirty="0" smtClean="0"/>
               <a:t>Capture and compare standard telemetry.</a:t>
             </a:r>
-            <a:endParaRPr lang="en-AU" dirty="0" smtClean="0"/>
           </a:p>
         </p:txBody>
       </p:sp>
@@ -8274,7 +8363,7 @@
           <a:p>
             <a:r>
               <a:rPr lang="en-AU" sz="3600" b="0" u="none" dirty="0" smtClean="0"/>
-              <a:t>Project Future and Final Notes</a:t>
+              <a:t>Project Status</a:t>
             </a:r>
             <a:endParaRPr lang="en-AU" sz="3600" b="0" u="none" dirty="0"/>
           </a:p>
@@ -8304,7 +8393,64 @@
             </a:pPr>
             <a:r>
               <a:rPr lang="en-AU" sz="2400" dirty="0" smtClean="0"/>
-              <a:t>Final Key Points of interest	</a:t>
+              <a:t>Current Progress</a:t>
+            </a:r>
+          </a:p>
+          <a:p>
+            <a:pPr marL="742950" lvl="2" indent="-342900">
+              <a:buClr>
+                <a:srgbClr val="0070C0"/>
+              </a:buClr>
+              <a:buFont typeface="Wingdings" pitchFamily="2" charset="2"/>
+              <a:buChar char="ü"/>
+            </a:pPr>
+            <a:r>
+              <a:rPr lang="en-AU" sz="2000" dirty="0" smtClean="0"/>
+              <a:t>HLO-1: Literature survey completed.</a:t>
+            </a:r>
+          </a:p>
+          <a:p>
+            <a:pPr marL="742950" lvl="2" indent="-342900">
+              <a:buClr>
+                <a:srgbClr val="0070C0"/>
+              </a:buClr>
+              <a:buFont typeface="Wingdings" pitchFamily="2" charset="2"/>
+              <a:buChar char="ü"/>
+            </a:pPr>
+            <a:r>
+              <a:rPr lang="en-AU" sz="2000" dirty="0" smtClean="0"/>
+              <a:t>HLO-2: Development of a 2D and 3D PFMS model capable of predicting the location of the UAS in a finite horizon.</a:t>
+            </a:r>
+          </a:p>
+          <a:p>
+            <a:pPr marL="1200150" lvl="3" indent="-342900">
+              <a:buClr>
+                <a:srgbClr val="0070C0"/>
+              </a:buClr>
+              <a:buFont typeface="Wingdings" pitchFamily="2" charset="2"/>
+              <a:buChar char="§"/>
+            </a:pPr>
+            <a:r>
+              <a:rPr lang="en-AU" dirty="0" smtClean="0"/>
+              <a:t>Model still requires </a:t>
+            </a:r>
+            <a:r>
+              <a:rPr lang="en-AU" dirty="0" smtClean="0"/>
+              <a:t>validation using telemetry.</a:t>
+            </a:r>
+            <a:endParaRPr lang="en-AU" dirty="0" smtClean="0"/>
+          </a:p>
+          <a:p>
+            <a:pPr>
+              <a:buClr>
+                <a:srgbClr val="0070C0"/>
+              </a:buClr>
+              <a:buFont typeface="Wingdings" pitchFamily="2" charset="2"/>
+              <a:buChar char="q"/>
+            </a:pPr>
+            <a:r>
+              <a:rPr lang="en-AU" sz="2400" dirty="0" smtClean="0"/>
+              <a:t>Future</a:t>
             </a:r>
           </a:p>
           <a:p>
@@ -8317,7 +8463,7 @@
             </a:pPr>
             <a:r>
               <a:rPr lang="en-AU" sz="2000" dirty="0" smtClean="0"/>
-              <a:t>Processing capability.</a:t>
+              <a:t>Validation using standard telemetry and subsequent system optimisation.</a:t>
             </a:r>
           </a:p>
           <a:p>
@@ -8330,71 +8476,7 @@
             </a:pPr>
             <a:r>
               <a:rPr lang="en-AU" sz="2000" dirty="0" smtClean="0"/>
-              <a:t>Other PFMS applications.</a:t>
-            </a:r>
-          </a:p>
-          <a:p>
-            <a:pPr>
-              <a:buClr>
-                <a:srgbClr val="0070C0"/>
-              </a:buClr>
-              <a:buFont typeface="Wingdings" pitchFamily="2" charset="2"/>
-              <a:buChar char="q"/>
-            </a:pPr>
-            <a:r>
-              <a:rPr lang="en-AU" sz="2400" dirty="0" smtClean="0"/>
-              <a:t>Project future</a:t>
-            </a:r>
-          </a:p>
-          <a:p>
-            <a:pPr lvl="1">
-              <a:buClr>
-                <a:srgbClr val="0070C0"/>
-              </a:buClr>
-              <a:buFont typeface="Wingdings" pitchFamily="2" charset="2"/>
-              <a:buChar char="Ø"/>
-            </a:pPr>
-            <a:r>
-              <a:rPr lang="en-AU" sz="2000" dirty="0" smtClean="0"/>
-              <a:t>Implementation onboard a UAS and testing and validation using standard telemetry.</a:t>
-            </a:r>
-          </a:p>
-          <a:p>
-            <a:pPr lvl="1">
-              <a:buClr>
-                <a:srgbClr val="0070C0"/>
-              </a:buClr>
-              <a:buFont typeface="Wingdings" pitchFamily="2" charset="2"/>
-              <a:buChar char="Ø"/>
-            </a:pPr>
-            <a:r>
-              <a:rPr lang="en-AU" sz="2000" dirty="0" smtClean="0"/>
-              <a:t>Required implementation in C++. </a:t>
-            </a:r>
-          </a:p>
-          <a:p>
-            <a:pPr lvl="2">
-              <a:buClr>
-                <a:srgbClr val="0070C0"/>
-              </a:buClr>
-              <a:buFont typeface="Courier New" pitchFamily="49" charset="0"/>
-              <a:buChar char="o"/>
-            </a:pPr>
-            <a:r>
-              <a:rPr lang="en-AU" sz="1800" dirty="0" err="1" smtClean="0"/>
-              <a:t>Matlab</a:t>
-            </a:r>
-            <a:r>
-              <a:rPr lang="en-AU" sz="1800" dirty="0" smtClean="0"/>
-              <a:t> Real Time Workshop for building </a:t>
-            </a:r>
-            <a:r>
-              <a:rPr lang="en-AU" sz="1800" dirty="0" err="1" smtClean="0"/>
-              <a:t>Simulink</a:t>
-            </a:r>
-            <a:r>
-              <a:rPr lang="en-AU" sz="1800" dirty="0" smtClean="0"/>
-              <a:t> Model.</a:t>
+              <a:t>Implementation onboard a UAS in C++.</a:t>
             </a:r>
           </a:p>
           <a:p>
@@ -8530,11 +8612,7 @@
           <a:p>
             <a:r>
               <a:rPr lang="en-AU" sz="4000" b="0" u="none" dirty="0" smtClean="0"/>
-              <a:t>QUT UAS </a:t>
-            </a:r>
-            <a:r>
-              <a:rPr lang="en-AU" sz="4000" b="0" u="none" dirty="0" smtClean="0"/>
-              <a:t>Team</a:t>
+              <a:t>QUT UAS Team</a:t>
             </a:r>
           </a:p>
         </p:txBody>
@@ -9443,6 +9521,19 @@
             </a:r>
           </a:p>
           <a:p>
+            <a:pPr marL="800100" lvl="1" indent="-342900">
+              <a:buClr>
+                <a:srgbClr val="0070C0"/>
+              </a:buClr>
+              <a:buFont typeface="Wingdings" pitchFamily="2" charset="2"/>
+              <a:buChar char="Ø"/>
+            </a:pPr>
+            <a:r>
+              <a:rPr lang="en-AU" sz="1800" dirty="0" smtClean="0"/>
+              <a:t>System Architecture</a:t>
+            </a:r>
+          </a:p>
+          <a:p>
             <a:pPr>
               <a:buClr>
                 <a:srgbClr val="0070C0"/>
@@ -9491,7 +9582,7 @@
             </a:pPr>
             <a:r>
               <a:rPr lang="en-AU" sz="1800" dirty="0" smtClean="0"/>
-              <a:t>Model Comparison and Validation</a:t>
+              <a:t>System Validation</a:t>
             </a:r>
           </a:p>
           <a:p>
@@ -9504,7 +9595,7 @@
             </a:pPr>
             <a:r>
               <a:rPr lang="en-AU" sz="1800" dirty="0" smtClean="0"/>
-              <a:t>Project Future and Final Key Notes</a:t>
+              <a:t>Project Status</a:t>
             </a:r>
           </a:p>
           <a:p>
@@ -9617,181 +9708,6 @@
 </p:sld>
 </file>
 
-<file path=ppt/slides/slide21.xml><?xml version="1.0" encoding="utf-8"?>
-<p:sld xmlns:a="http://schemas.openxmlformats.org/drawingml/2006/main" xmlns:r="http://schemas.openxmlformats.org/officeDocument/2006/relationships" xmlns:p="http://schemas.openxmlformats.org/presentationml/2006/main">
-  <p:cSld>
-    <p:spTree>
-      <p:nvGrpSpPr>
-        <p:cNvPr id="1" name=""/>
-        <p:cNvGrpSpPr/>
-        <p:nvPr/>
-      </p:nvGrpSpPr>
-      <p:grpSpPr>
-        <a:xfrm>
-          <a:off x="0" y="0"/>
-          <a:ext cx="0" cy="0"/>
-          <a:chOff x="0" y="0"/>
-          <a:chExt cx="0" cy="0"/>
-        </a:xfrm>
-      </p:grpSpPr>
-      <p:sp>
-        <p:nvSpPr>
-          <p:cNvPr id="4" name="Footer Placeholder 3"/>
-          <p:cNvSpPr>
-            <a:spLocks noGrp="1"/>
-          </p:cNvSpPr>
-          <p:nvPr>
-            <p:ph type="ftr" sz="quarter" idx="11"/>
-          </p:nvPr>
-        </p:nvSpPr>
-        <p:spPr/>
-        <p:txBody>
-          <a:bodyPr/>
-          <a:lstStyle/>
-          <a:p>
-            <a:r>
-              <a:rPr lang="en-AU" smtClean="0"/>
-              <a:t>Commercial-in-Confidence</a:t>
-            </a:r>
-            <a:br>
-              <a:rPr lang="en-AU" smtClean="0"/>
-            </a:br>
-            <a:r>
-              <a:rPr lang="en-AU" smtClean="0"/>
-              <a:t>Do not distribute</a:t>
-            </a:r>
-            <a:endParaRPr lang="en-AU"/>
-          </a:p>
-        </p:txBody>
-      </p:sp>
-      <p:sp>
-        <p:nvSpPr>
-          <p:cNvPr id="5" name="Slide Number Placeholder 4"/>
-          <p:cNvSpPr>
-            <a:spLocks noGrp="1"/>
-          </p:cNvSpPr>
-          <p:nvPr>
-            <p:ph type="sldNum" sz="quarter" idx="12"/>
-          </p:nvPr>
-        </p:nvSpPr>
-        <p:spPr/>
-        <p:txBody>
-          <a:bodyPr/>
-          <a:lstStyle/>
-          <a:p>
-            <a:fld id="{67E377A3-AA8F-49BD-B6AB-3E7FC26AB1DC}" type="slidenum">
-              <a:rPr lang="en-AU" smtClean="0"/>
-              <a:pPr/>
-              <a:t>21</a:t>
-            </a:fld>
-            <a:endParaRPr lang="en-AU"/>
-          </a:p>
-        </p:txBody>
-      </p:sp>
-      <p:pic>
-        <p:nvPicPr>
-          <p:cNvPr id="6" name="Picture 2"/>
-          <p:cNvPicPr>
-            <a:picLocks noGrp="1" noChangeAspect="1" noChangeArrowheads="1"/>
-          </p:cNvPicPr>
-          <p:nvPr>
-            <p:ph idx="1"/>
-          </p:nvPr>
-        </p:nvPicPr>
-        <p:blipFill>
-          <a:blip r:embed="rId2"/>
-          <a:srcRect/>
-          <a:stretch>
-            <a:fillRect/>
-          </a:stretch>
-        </p:blipFill>
-        <p:spPr bwMode="auto">
-          <a:xfrm>
-            <a:off x="428596" y="3286124"/>
-            <a:ext cx="5305425" cy="1171575"/>
-          </a:xfrm>
-          <a:prstGeom prst="rect">
-            <a:avLst/>
-          </a:prstGeom>
-          <a:noFill/>
-          <a:ln w="9525">
-            <a:noFill/>
-            <a:miter lim="800000"/>
-            <a:headEnd/>
-            <a:tailEnd/>
-          </a:ln>
-          <a:effectLst/>
-        </p:spPr>
-      </p:pic>
-      <p:sp>
-        <p:nvSpPr>
-          <p:cNvPr id="7" name="Rectangle 6"/>
-          <p:cNvSpPr/>
-          <p:nvPr/>
-        </p:nvSpPr>
-        <p:spPr>
-          <a:xfrm>
-            <a:off x="2286000" y="2890391"/>
-            <a:ext cx="4572000" cy="1077218"/>
-          </a:xfrm>
-          <a:prstGeom prst="rect">
-            <a:avLst/>
-          </a:prstGeom>
-        </p:spPr>
-        <p:txBody>
-          <a:bodyPr>
-            <a:spAutoFit/>
-          </a:bodyPr>
-          <a:lstStyle/>
-          <a:p>
-            <a:pPr>
-              <a:buClr>
-                <a:srgbClr val="0070C0"/>
-              </a:buClr>
-              <a:buFont typeface="Wingdings" pitchFamily="2" charset="2"/>
-              <a:buChar char="q"/>
-            </a:pPr>
-            <a:r>
-              <a:rPr lang="en-AU" sz="2400" dirty="0" smtClean="0"/>
-              <a:t>Issues</a:t>
-            </a:r>
-          </a:p>
-          <a:p>
-            <a:pPr lvl="1">
-              <a:buClr>
-                <a:srgbClr val="0070C0"/>
-              </a:buClr>
-              <a:buFont typeface="Wingdings" pitchFamily="2" charset="2"/>
-              <a:buChar char="Ø"/>
-            </a:pPr>
-            <a:r>
-              <a:rPr lang="en-AU" sz="2000" dirty="0" smtClean="0"/>
-              <a:t> mention window of control</a:t>
-            </a:r>
-          </a:p>
-          <a:p>
-            <a:pPr lvl="1">
-              <a:buClr>
-                <a:srgbClr val="0070C0"/>
-              </a:buClr>
-              <a:buFont typeface="Wingdings" pitchFamily="2" charset="2"/>
-              <a:buChar char="Ø"/>
-            </a:pPr>
-            <a:r>
-              <a:rPr lang="en-AU" sz="2000" dirty="0" smtClean="0"/>
-              <a:t>Modify Wind</a:t>
-            </a:r>
-          </a:p>
-        </p:txBody>
-      </p:sp>
-    </p:spTree>
-  </p:cSld>
-  <p:clrMapOvr>
-    <a:masterClrMapping/>
-  </p:clrMapOvr>
-</p:sld>
-</file>
-
 <file path=ppt/slides/slide3.xml><?xml version="1.0" encoding="utf-8"?>
 <p:sld xmlns:a="http://schemas.openxmlformats.org/drawingml/2006/main" xmlns:r="http://schemas.openxmlformats.org/officeDocument/2006/relationships" xmlns:p="http://schemas.openxmlformats.org/presentationml/2006/main">
   <p:cSld>
@@ -10046,6 +9962,19 @@
             </a:r>
           </a:p>
           <a:p>
+            <a:pPr marL="800100" lvl="1" indent="-342900">
+              <a:buClr>
+                <a:srgbClr val="0070C0"/>
+              </a:buClr>
+              <a:buFont typeface="Wingdings" pitchFamily="2" charset="2"/>
+              <a:buChar char="Ø"/>
+            </a:pPr>
+            <a:r>
+              <a:rPr lang="en-AU" sz="1800" dirty="0" smtClean="0"/>
+              <a:t>System Architecture</a:t>
+            </a:r>
+          </a:p>
+          <a:p>
             <a:pPr>
               <a:buClr>
                 <a:srgbClr val="0070C0"/>
@@ -10094,7 +10023,7 @@
             </a:pPr>
             <a:r>
               <a:rPr lang="en-AU" sz="1800" dirty="0" smtClean="0"/>
-              <a:t>Model Comparison and Validation</a:t>
+              <a:t>System Validation</a:t>
             </a:r>
           </a:p>
           <a:p>
@@ -10107,7 +10036,7 @@
             </a:pPr>
             <a:r>
               <a:rPr lang="en-AU" sz="1800" dirty="0" smtClean="0"/>
-              <a:t>Project Future and Final Key Notes</a:t>
+              <a:t>Project Status</a:t>
             </a:r>
           </a:p>
           <a:p>
@@ -10403,7 +10332,7 @@
                 <a:ea typeface="+mn-ea"/>
                 <a:cs typeface="+mn-cs"/>
               </a:rPr>
-              <a:t>the effect of successive waypoints on flight trajectory.</a:t>
+              <a:t>the effect of successive waypoints on a flight trajectory.</a:t>
             </a:r>
           </a:p>
           <a:p>
@@ -10511,9 +10440,12 @@
           <a:bodyPr/>
           <a:lstStyle/>
           <a:p>
-            <a:r>
-              <a:rPr lang="en-AU" sz="4000" b="0" u="none" dirty="0" smtClean="0"/>
-              <a:t>PFMS Concept</a:t>
+            <a:pPr lvl="0">
+              <a:defRPr/>
+            </a:pPr>
+            <a:r>
+              <a:rPr lang="en-AU" sz="4000" b="0" u="none" dirty="0"/>
+              <a:t>Project High Level Objectives</a:t>
             </a:r>
             <a:endParaRPr lang="en-AU" sz="4000" dirty="0"/>
           </a:p>
@@ -10561,111 +10493,6 @@
               <a:rPr lang="en-AU" smtClean="0"/>
               <a:pPr/>
               <a:t>6</a:t>
-            </a:fld>
-            <a:endParaRPr lang="en-AU"/>
-          </a:p>
-        </p:txBody>
-      </p:sp>
-    </p:spTree>
-  </p:cSld>
-  <p:clrMapOvr>
-    <a:masterClrMapping/>
-  </p:clrMapOvr>
-  <p:timing>
-    <p:tnLst>
-      <p:par>
-        <p:cTn id="1" dur="indefinite" restart="never" nodeType="tmRoot"/>
-      </p:par>
-    </p:tnLst>
-  </p:timing>
-</p:sld>
-</file>
-
-<file path=ppt/slides/slide7.xml><?xml version="1.0" encoding="utf-8"?>
-<p:sld xmlns:a="http://schemas.openxmlformats.org/drawingml/2006/main" xmlns:r="http://schemas.openxmlformats.org/officeDocument/2006/relationships" xmlns:p="http://schemas.openxmlformats.org/presentationml/2006/main">
-  <p:cSld>
-    <p:spTree>
-      <p:nvGrpSpPr>
-        <p:cNvPr id="1" name=""/>
-        <p:cNvGrpSpPr/>
-        <p:nvPr/>
-      </p:nvGrpSpPr>
-      <p:grpSpPr>
-        <a:xfrm>
-          <a:off x="0" y="0"/>
-          <a:ext cx="0" cy="0"/>
-          <a:chOff x="0" y="0"/>
-          <a:chExt cx="0" cy="0"/>
-        </a:xfrm>
-      </p:grpSpPr>
-      <p:sp>
-        <p:nvSpPr>
-          <p:cNvPr id="2" name="Title 1"/>
-          <p:cNvSpPr>
-            <a:spLocks noGrp="1"/>
-          </p:cNvSpPr>
-          <p:nvPr>
-            <p:ph type="title"/>
-          </p:nvPr>
-        </p:nvSpPr>
-        <p:spPr/>
-        <p:txBody>
-          <a:bodyPr/>
-          <a:lstStyle/>
-          <a:p>
-            <a:pPr lvl="0">
-              <a:defRPr/>
-            </a:pPr>
-            <a:r>
-              <a:rPr lang="en-AU" sz="4000" b="0" u="none" dirty="0"/>
-              <a:t>Project High Level Objectives</a:t>
-            </a:r>
-            <a:endParaRPr lang="en-AU" sz="4000" dirty="0"/>
-          </a:p>
-        </p:txBody>
-      </p:sp>
-      <p:sp>
-        <p:nvSpPr>
-          <p:cNvPr id="4" name="Footer Placeholder 3"/>
-          <p:cNvSpPr>
-            <a:spLocks noGrp="1"/>
-          </p:cNvSpPr>
-          <p:nvPr>
-            <p:ph type="ftr" sz="quarter" idx="11"/>
-          </p:nvPr>
-        </p:nvSpPr>
-        <p:spPr/>
-        <p:txBody>
-          <a:bodyPr/>
-          <a:lstStyle/>
-          <a:p>
-            <a:r>
-              <a:rPr lang="en-AU" dirty="0" smtClean="0"/>
-              <a:t>Nicholas Rutherford</a:t>
-            </a:r>
-            <a:endParaRPr lang="en-AU" dirty="0"/>
-          </a:p>
-        </p:txBody>
-      </p:sp>
-      <p:sp>
-        <p:nvSpPr>
-          <p:cNvPr id="5" name="Slide Number Placeholder 4"/>
-          <p:cNvSpPr>
-            <a:spLocks noGrp="1"/>
-          </p:cNvSpPr>
-          <p:nvPr>
-            <p:ph type="sldNum" sz="quarter" idx="12"/>
-          </p:nvPr>
-        </p:nvSpPr>
-        <p:spPr/>
-        <p:txBody>
-          <a:bodyPr/>
-          <a:lstStyle/>
-          <a:p>
-            <a:fld id="{67E377A3-AA8F-49BD-B6AB-3E7FC26AB1DC}" type="slidenum">
-              <a:rPr lang="en-AU" smtClean="0"/>
-              <a:pPr/>
-              <a:t>7</a:t>
             </a:fld>
             <a:endParaRPr lang="en-AU"/>
           </a:p>
@@ -10740,7 +10567,7 @@
 </p:sld>
 </file>
 
-<file path=ppt/slides/slide8.xml><?xml version="1.0" encoding="utf-8"?>
+<file path=ppt/slides/slide7.xml><?xml version="1.0" encoding="utf-8"?>
 <p:sld xmlns:a="http://schemas.openxmlformats.org/drawingml/2006/main" xmlns:r="http://schemas.openxmlformats.org/officeDocument/2006/relationships" xmlns:p="http://schemas.openxmlformats.org/presentationml/2006/main" showMasterSp="0">
   <p:cSld>
     <p:spTree>
@@ -10884,6 +10711,165 @@
 </p:sld>
 </file>
 
+<file path=ppt/slides/slide8.xml><?xml version="1.0" encoding="utf-8"?>
+<p:sld xmlns:a="http://schemas.openxmlformats.org/drawingml/2006/main" xmlns:r="http://schemas.openxmlformats.org/officeDocument/2006/relationships" xmlns:p="http://schemas.openxmlformats.org/presentationml/2006/main">
+  <p:cSld>
+    <p:spTree>
+      <p:nvGrpSpPr>
+        <p:cNvPr id="1" name=""/>
+        <p:cNvGrpSpPr/>
+        <p:nvPr/>
+      </p:nvGrpSpPr>
+      <p:grpSpPr>
+        <a:xfrm>
+          <a:off x="0" y="0"/>
+          <a:ext cx="0" cy="0"/>
+          <a:chOff x="0" y="0"/>
+          <a:chExt cx="0" cy="0"/>
+        </a:xfrm>
+      </p:grpSpPr>
+      <p:sp>
+        <p:nvSpPr>
+          <p:cNvPr id="2" name="Title 1"/>
+          <p:cNvSpPr>
+            <a:spLocks noGrp="1"/>
+          </p:cNvSpPr>
+          <p:nvPr>
+            <p:ph type="title"/>
+          </p:nvPr>
+        </p:nvSpPr>
+        <p:spPr/>
+        <p:txBody>
+          <a:bodyPr/>
+          <a:lstStyle/>
+          <a:p>
+            <a:r>
+              <a:rPr lang="en-AU" sz="4600" b="0" u="none" dirty="0" smtClean="0"/>
+              <a:t>Project Schedule</a:t>
+            </a:r>
+            <a:endParaRPr lang="en-AU" sz="4600" dirty="0"/>
+          </a:p>
+        </p:txBody>
+      </p:sp>
+      <p:sp>
+        <p:nvSpPr>
+          <p:cNvPr id="4" name="Footer Placeholder 3"/>
+          <p:cNvSpPr>
+            <a:spLocks noGrp="1"/>
+          </p:cNvSpPr>
+          <p:nvPr>
+            <p:ph type="ftr" sz="quarter" idx="11"/>
+          </p:nvPr>
+        </p:nvSpPr>
+        <p:spPr/>
+        <p:txBody>
+          <a:bodyPr/>
+          <a:lstStyle/>
+          <a:p>
+            <a:r>
+              <a:rPr lang="en-AU" dirty="0" smtClean="0"/>
+              <a:t>Nicholas Rutherford</a:t>
+            </a:r>
+            <a:endParaRPr lang="en-AU" dirty="0"/>
+          </a:p>
+        </p:txBody>
+      </p:sp>
+      <p:sp>
+        <p:nvSpPr>
+          <p:cNvPr id="5" name="Slide Number Placeholder 4"/>
+          <p:cNvSpPr>
+            <a:spLocks noGrp="1"/>
+          </p:cNvSpPr>
+          <p:nvPr>
+            <p:ph type="sldNum" sz="quarter" idx="12"/>
+          </p:nvPr>
+        </p:nvSpPr>
+        <p:spPr/>
+        <p:txBody>
+          <a:bodyPr/>
+          <a:lstStyle/>
+          <a:p>
+            <a:fld id="{67E377A3-AA8F-49BD-B6AB-3E7FC26AB1DC}" type="slidenum">
+              <a:rPr lang="en-AU" smtClean="0"/>
+              <a:pPr/>
+              <a:t>8</a:t>
+            </a:fld>
+            <a:endParaRPr lang="en-AU"/>
+          </a:p>
+        </p:txBody>
+      </p:sp>
+      <p:pic>
+        <p:nvPicPr>
+          <p:cNvPr id="6" name="Picture 5" descr="PFMS Schedule.tif"/>
+          <p:cNvPicPr/>
+          <p:nvPr/>
+        </p:nvPicPr>
+        <p:blipFill>
+          <a:blip r:embed="rId2" cstate="print"/>
+          <a:srcRect l="2951" t="4151" r="2813" b="72349"/>
+          <a:stretch>
+            <a:fillRect/>
+          </a:stretch>
+        </p:blipFill>
+        <p:spPr>
+          <a:xfrm>
+            <a:off x="142844" y="2714620"/>
+            <a:ext cx="8858280" cy="2500330"/>
+          </a:xfrm>
+          <a:prstGeom prst="rect">
+            <a:avLst/>
+          </a:prstGeom>
+        </p:spPr>
+      </p:pic>
+      <p:sp>
+        <p:nvSpPr>
+          <p:cNvPr id="7" name="Content Placeholder 2"/>
+          <p:cNvSpPr>
+            <a:spLocks noGrp="1"/>
+          </p:cNvSpPr>
+          <p:nvPr>
+            <p:ph idx="1"/>
+          </p:nvPr>
+        </p:nvSpPr>
+        <p:spPr>
+          <a:xfrm>
+            <a:off x="323850" y="1268413"/>
+            <a:ext cx="8424863" cy="5040312"/>
+          </a:xfrm>
+        </p:spPr>
+        <p:txBody>
+          <a:bodyPr/>
+          <a:lstStyle/>
+          <a:p>
+            <a:pPr lvl="1">
+              <a:buClr>
+                <a:srgbClr val="0070C0"/>
+              </a:buClr>
+              <a:buFont typeface="Wingdings" pitchFamily="2" charset="2"/>
+              <a:buChar char="q"/>
+            </a:pPr>
+            <a:r>
+              <a:rPr lang="en-AU" dirty="0" smtClean="0"/>
+              <a:t>Schedule developed from work packages.</a:t>
+            </a:r>
+          </a:p>
+        </p:txBody>
+      </p:sp>
+    </p:spTree>
+  </p:cSld>
+  <p:clrMapOvr>
+    <a:masterClrMapping/>
+  </p:clrMapOvr>
+  <p:timing>
+    <p:tnLst>
+      <p:par>
+        <p:cTn id="1" dur="indefinite" restart="never" nodeType="tmRoot"/>
+      </p:par>
+    </p:tnLst>
+  </p:timing>
+</p:sld>
+</file>
+
 <file path=ppt/slides/slide9.xml><?xml version="1.0" encoding="utf-8"?>
 <p:sld xmlns:a="http://schemas.openxmlformats.org/drawingml/2006/main" xmlns:r="http://schemas.openxmlformats.org/officeDocument/2006/relationships" xmlns:p="http://schemas.openxmlformats.org/presentationml/2006/main">
   <p:cSld>
@@ -10917,10 +10903,127 @@
           <a:lstStyle/>
           <a:p>
             <a:r>
-              <a:rPr lang="en-AU" sz="4600" b="0" u="none" dirty="0" smtClean="0"/>
-              <a:t>Project Schedule</a:t>
-            </a:r>
-            <a:endParaRPr lang="en-AU" sz="4600" dirty="0"/>
+              <a:rPr lang="en-AU" sz="4000" b="0" u="none" dirty="0" smtClean="0"/>
+              <a:t>Project Budget &amp; Risks</a:t>
+            </a:r>
+            <a:endParaRPr lang="en-AU" sz="4000" b="0" u="none" dirty="0"/>
+          </a:p>
+        </p:txBody>
+      </p:sp>
+      <p:sp>
+        <p:nvSpPr>
+          <p:cNvPr id="3" name="Content Placeholder 2"/>
+          <p:cNvSpPr>
+            <a:spLocks noGrp="1"/>
+          </p:cNvSpPr>
+          <p:nvPr>
+            <p:ph idx="1"/>
+          </p:nvPr>
+        </p:nvSpPr>
+        <p:spPr/>
+        <p:txBody>
+          <a:bodyPr/>
+          <a:lstStyle/>
+          <a:p>
+            <a:pPr>
+              <a:buClr>
+                <a:srgbClr val="0070C0"/>
+              </a:buClr>
+              <a:buFont typeface="Wingdings" pitchFamily="2" charset="2"/>
+              <a:buChar char="q"/>
+            </a:pPr>
+            <a:r>
+              <a:rPr lang="en-AU" dirty="0" smtClean="0"/>
+              <a:t>Project Budget</a:t>
+            </a:r>
+          </a:p>
+          <a:p>
+            <a:pPr lvl="1">
+              <a:buClr>
+                <a:srgbClr val="0070C0"/>
+              </a:buClr>
+              <a:buFont typeface="Wingdings" pitchFamily="2" charset="2"/>
+              <a:buChar char="Ø"/>
+            </a:pPr>
+            <a:r>
+              <a:rPr lang="en-AU" dirty="0" smtClean="0"/>
+              <a:t>No incurred costs for software development.</a:t>
+            </a:r>
+          </a:p>
+          <a:p>
+            <a:pPr lvl="1">
+              <a:buClr>
+                <a:srgbClr val="0070C0"/>
+              </a:buClr>
+              <a:buFont typeface="Wingdings" pitchFamily="2" charset="2"/>
+              <a:buChar char="Ø"/>
+            </a:pPr>
+            <a:r>
+              <a:rPr lang="en-AU" dirty="0" smtClean="0"/>
+              <a:t>Future Costs will be covered by the QUAS project.</a:t>
+            </a:r>
+          </a:p>
+          <a:p>
+            <a:pPr>
+              <a:buClr>
+                <a:srgbClr val="0070C0"/>
+              </a:buClr>
+              <a:buFont typeface="Wingdings" pitchFamily="2" charset="2"/>
+              <a:buChar char="q"/>
+            </a:pPr>
+            <a:r>
+              <a:rPr lang="en-AU" dirty="0" smtClean="0"/>
+              <a:t>Project Risks</a:t>
+            </a:r>
+          </a:p>
+          <a:p>
+            <a:pPr lvl="1">
+              <a:buClr>
+                <a:srgbClr val="0070C0"/>
+              </a:buClr>
+              <a:buFont typeface="Wingdings" pitchFamily="2" charset="2"/>
+              <a:buChar char="Ø"/>
+            </a:pPr>
+            <a:r>
+              <a:rPr lang="en-AU" dirty="0" smtClean="0"/>
+              <a:t>Risk Management Plan.</a:t>
+            </a:r>
+          </a:p>
+          <a:p>
+            <a:pPr lvl="1">
+              <a:buClr>
+                <a:srgbClr val="0070C0"/>
+              </a:buClr>
+              <a:buFont typeface="Wingdings" pitchFamily="2" charset="2"/>
+              <a:buChar char="Ø"/>
+            </a:pPr>
+            <a:r>
+              <a:rPr lang="en-AU" dirty="0" smtClean="0"/>
+              <a:t>Single Working Engineer.</a:t>
+            </a:r>
+          </a:p>
+          <a:p>
+            <a:pPr lvl="1">
+              <a:buClr>
+                <a:srgbClr val="0070C0"/>
+              </a:buClr>
+              <a:buFont typeface="Wingdings" pitchFamily="2" charset="2"/>
+              <a:buChar char="Ø"/>
+            </a:pPr>
+            <a:r>
+              <a:rPr lang="en-AU" dirty="0" smtClean="0"/>
+              <a:t>Possible complex control methods and high level of coding proficiency.</a:t>
+            </a:r>
+          </a:p>
+          <a:p>
+            <a:pPr lvl="1">
+              <a:buClr>
+                <a:srgbClr val="0070C0"/>
+              </a:buClr>
+              <a:buFont typeface="Wingdings" pitchFamily="2" charset="2"/>
+              <a:buChar char="Ø"/>
+            </a:pPr>
+            <a:endParaRPr lang="en-AU" dirty="0" smtClean="0"/>
           </a:p>
         </p:txBody>
       </p:sp>
@@ -10971,29 +11074,6 @@
           </a:p>
         </p:txBody>
       </p:sp>
-      <p:pic>
-        <p:nvPicPr>
-          <p:cNvPr id="6" name="Picture 5" descr="PFMS Schedule.tif"/>
-          <p:cNvPicPr/>
-          <p:nvPr/>
-        </p:nvPicPr>
-        <p:blipFill>
-          <a:blip r:embed="rId2" cstate="print"/>
-          <a:srcRect l="2951" t="4151" r="2813" b="72349"/>
-          <a:stretch>
-            <a:fillRect/>
-          </a:stretch>
-        </p:blipFill>
-        <p:spPr>
-          <a:xfrm>
-            <a:off x="142844" y="2143116"/>
-            <a:ext cx="8858280" cy="2402699"/>
-          </a:xfrm>
-          <a:prstGeom prst="rect">
-            <a:avLst/>
-          </a:prstGeom>
-        </p:spPr>
-      </p:pic>
     </p:spTree>
   </p:cSld>
   <p:clrMapOvr>
